--- a/trunk/documentation/draft/ci-environment/locks-and-latches.pptx
+++ b/trunk/documentation/draft/ci-environment/locks-and-latches.pptx
@@ -4,6 +4,9 @@
   <p:sldMasterIdLst>
     <p:sldMasterId id="2147483648" r:id="rId1"/>
   </p:sldMasterIdLst>
+  <p:notesMasterIdLst>
+    <p:notesMasterId r:id="rId8"/>
+  </p:notesMasterIdLst>
   <p:sldIdLst>
     <p:sldId id="256" r:id="rId2"/>
     <p:sldId id="257" r:id="rId3"/>
@@ -112,6 +115,440 @@
 </p:presentation>
 </file>
 
+<file path=ppt/notesMasters/notesMaster1.xml><?xml version="1.0" encoding="utf-8"?>
+<p:notesMaster xmlns:a="http://schemas.openxmlformats.org/drawingml/2006/main" xmlns:r="http://schemas.openxmlformats.org/officeDocument/2006/relationships" xmlns:p="http://schemas.openxmlformats.org/presentationml/2006/main">
+  <p:cSld>
+    <p:bg>
+      <p:bgRef idx="1001">
+        <a:schemeClr val="bg1"/>
+      </p:bgRef>
+    </p:bg>
+    <p:spTree>
+      <p:nvGrpSpPr>
+        <p:cNvPr id="1" name=""/>
+        <p:cNvGrpSpPr/>
+        <p:nvPr/>
+      </p:nvGrpSpPr>
+      <p:grpSpPr>
+        <a:xfrm>
+          <a:off x="0" y="0"/>
+          <a:ext cx="0" cy="0"/>
+          <a:chOff x="0" y="0"/>
+          <a:chExt cx="0" cy="0"/>
+        </a:xfrm>
+      </p:grpSpPr>
+      <p:sp>
+        <p:nvSpPr>
+          <p:cNvPr id="2" name="머리글 개체 틀 1"/>
+          <p:cNvSpPr>
+            <a:spLocks noGrp="1"/>
+          </p:cNvSpPr>
+          <p:nvPr>
+            <p:ph type="hdr" sz="quarter"/>
+          </p:nvPr>
+        </p:nvSpPr>
+        <p:spPr>
+          <a:xfrm>
+            <a:off x="0" y="0"/>
+            <a:ext cx="2971800" cy="457200"/>
+          </a:xfrm>
+          <a:prstGeom prst="rect">
+            <a:avLst/>
+          </a:prstGeom>
+        </p:spPr>
+        <p:txBody>
+          <a:bodyPr vert="horz" lIns="91440" tIns="45720" rIns="91440" bIns="45720" rtlCol="0"/>
+          <a:lstStyle>
+            <a:lvl1pPr algn="l">
+              <a:defRPr sz="1200"/>
+            </a:lvl1pPr>
+          </a:lstStyle>
+          <a:p>
+            <a:endParaRPr lang="ko-KR" altLang="en-US"/>
+          </a:p>
+        </p:txBody>
+      </p:sp>
+      <p:sp>
+        <p:nvSpPr>
+          <p:cNvPr id="3" name="날짜 개체 틀 2"/>
+          <p:cNvSpPr>
+            <a:spLocks noGrp="1"/>
+          </p:cNvSpPr>
+          <p:nvPr>
+            <p:ph type="dt" idx="1"/>
+          </p:nvPr>
+        </p:nvSpPr>
+        <p:spPr>
+          <a:xfrm>
+            <a:off x="3884613" y="0"/>
+            <a:ext cx="2971800" cy="457200"/>
+          </a:xfrm>
+          <a:prstGeom prst="rect">
+            <a:avLst/>
+          </a:prstGeom>
+        </p:spPr>
+        <p:txBody>
+          <a:bodyPr vert="horz" lIns="91440" tIns="45720" rIns="91440" bIns="45720" rtlCol="0"/>
+          <a:lstStyle>
+            <a:lvl1pPr algn="r">
+              <a:defRPr sz="1200"/>
+            </a:lvl1pPr>
+          </a:lstStyle>
+          <a:p>
+            <a:fld id="{CB1E76CB-B1C5-4FFD-91EA-15EE171A27E7}" type="datetimeFigureOut">
+              <a:rPr lang="ko-KR" altLang="en-US" smtClean="0"/>
+              <a:t>2012-09-02</a:t>
+            </a:fld>
+            <a:endParaRPr lang="ko-KR" altLang="en-US"/>
+          </a:p>
+        </p:txBody>
+      </p:sp>
+      <p:sp>
+        <p:nvSpPr>
+          <p:cNvPr id="4" name="슬라이드 이미지 개체 틀 3"/>
+          <p:cNvSpPr>
+            <a:spLocks noGrp="1" noRot="1" noChangeAspect="1"/>
+          </p:cNvSpPr>
+          <p:nvPr>
+            <p:ph type="sldImg" idx="2"/>
+          </p:nvPr>
+        </p:nvSpPr>
+        <p:spPr>
+          <a:xfrm>
+            <a:off x="1143000" y="685800"/>
+            <a:ext cx="4572000" cy="3429000"/>
+          </a:xfrm>
+          <a:prstGeom prst="rect">
+            <a:avLst/>
+          </a:prstGeom>
+          <a:noFill/>
+          <a:ln w="12700">
+            <a:solidFill>
+              <a:prstClr val="black"/>
+            </a:solidFill>
+          </a:ln>
+        </p:spPr>
+        <p:txBody>
+          <a:bodyPr vert="horz" lIns="91440" tIns="45720" rIns="91440" bIns="45720" rtlCol="0" anchor="ctr"/>
+          <a:lstStyle/>
+          <a:p>
+            <a:endParaRPr lang="ko-KR" altLang="en-US"/>
+          </a:p>
+        </p:txBody>
+      </p:sp>
+      <p:sp>
+        <p:nvSpPr>
+          <p:cNvPr id="5" name="슬라이드 노트 개체 틀 4"/>
+          <p:cNvSpPr>
+            <a:spLocks noGrp="1"/>
+          </p:cNvSpPr>
+          <p:nvPr>
+            <p:ph type="body" sz="quarter" idx="3"/>
+          </p:nvPr>
+        </p:nvSpPr>
+        <p:spPr>
+          <a:xfrm>
+            <a:off x="685800" y="4343400"/>
+            <a:ext cx="5486400" cy="4114800"/>
+          </a:xfrm>
+          <a:prstGeom prst="rect">
+            <a:avLst/>
+          </a:prstGeom>
+        </p:spPr>
+        <p:txBody>
+          <a:bodyPr vert="horz" lIns="91440" tIns="45720" rIns="91440" bIns="45720" rtlCol="0"/>
+          <a:lstStyle/>
+          <a:p>
+            <a:pPr lvl="0"/>
+            <a:r>
+              <a:rPr lang="ko-KR" altLang="en-US" smtClean="0"/>
+              <a:t>마스터 텍스트 스타일을 편집합니다</a:t>
+            </a:r>
+          </a:p>
+          <a:p>
+            <a:pPr lvl="1"/>
+            <a:r>
+              <a:rPr lang="ko-KR" altLang="en-US" smtClean="0"/>
+              <a:t>둘째 수준</a:t>
+            </a:r>
+          </a:p>
+          <a:p>
+            <a:pPr lvl="2"/>
+            <a:r>
+              <a:rPr lang="ko-KR" altLang="en-US" smtClean="0"/>
+              <a:t>셋째 수준</a:t>
+            </a:r>
+          </a:p>
+          <a:p>
+            <a:pPr lvl="3"/>
+            <a:r>
+              <a:rPr lang="ko-KR" altLang="en-US" smtClean="0"/>
+              <a:t>넷째 수준</a:t>
+            </a:r>
+          </a:p>
+          <a:p>
+            <a:pPr lvl="4"/>
+            <a:r>
+              <a:rPr lang="ko-KR" altLang="en-US" smtClean="0"/>
+              <a:t>다섯째 수준</a:t>
+            </a:r>
+            <a:endParaRPr lang="ko-KR" altLang="en-US"/>
+          </a:p>
+        </p:txBody>
+      </p:sp>
+      <p:sp>
+        <p:nvSpPr>
+          <p:cNvPr id="6" name="바닥글 개체 틀 5"/>
+          <p:cNvSpPr>
+            <a:spLocks noGrp="1"/>
+          </p:cNvSpPr>
+          <p:nvPr>
+            <p:ph type="ftr" sz="quarter" idx="4"/>
+          </p:nvPr>
+        </p:nvSpPr>
+        <p:spPr>
+          <a:xfrm>
+            <a:off x="0" y="8685213"/>
+            <a:ext cx="2971800" cy="457200"/>
+          </a:xfrm>
+          <a:prstGeom prst="rect">
+            <a:avLst/>
+          </a:prstGeom>
+        </p:spPr>
+        <p:txBody>
+          <a:bodyPr vert="horz" lIns="91440" tIns="45720" rIns="91440" bIns="45720" rtlCol="0" anchor="b"/>
+          <a:lstStyle>
+            <a:lvl1pPr algn="l">
+              <a:defRPr sz="1200"/>
+            </a:lvl1pPr>
+          </a:lstStyle>
+          <a:p>
+            <a:endParaRPr lang="ko-KR" altLang="en-US"/>
+          </a:p>
+        </p:txBody>
+      </p:sp>
+      <p:sp>
+        <p:nvSpPr>
+          <p:cNvPr id="7" name="슬라이드 번호 개체 틀 6"/>
+          <p:cNvSpPr>
+            <a:spLocks noGrp="1"/>
+          </p:cNvSpPr>
+          <p:nvPr>
+            <p:ph type="sldNum" sz="quarter" idx="5"/>
+          </p:nvPr>
+        </p:nvSpPr>
+        <p:spPr>
+          <a:xfrm>
+            <a:off x="3884613" y="8685213"/>
+            <a:ext cx="2971800" cy="457200"/>
+          </a:xfrm>
+          <a:prstGeom prst="rect">
+            <a:avLst/>
+          </a:prstGeom>
+        </p:spPr>
+        <p:txBody>
+          <a:bodyPr vert="horz" lIns="91440" tIns="45720" rIns="91440" bIns="45720" rtlCol="0" anchor="b"/>
+          <a:lstStyle>
+            <a:lvl1pPr algn="r">
+              <a:defRPr sz="1200"/>
+            </a:lvl1pPr>
+          </a:lstStyle>
+          <a:p>
+            <a:fld id="{BEDB18C3-78F7-4965-B6CC-33CC47968766}" type="slidenum">
+              <a:rPr lang="ko-KR" altLang="en-US" smtClean="0"/>
+              <a:t>‹#›</a:t>
+            </a:fld>
+            <a:endParaRPr lang="ko-KR" altLang="en-US"/>
+          </a:p>
+        </p:txBody>
+      </p:sp>
+    </p:spTree>
+    <p:extLst>
+      <p:ext uri="{BB962C8B-B14F-4D97-AF65-F5344CB8AC3E}">
+        <p14:creationId xmlns:p14="http://schemas.microsoft.com/office/powerpoint/2010/main" val="3423049056"/>
+      </p:ext>
+    </p:extLst>
+  </p:cSld>
+  <p:clrMap bg1="lt1" tx1="dk1" bg2="lt2" tx2="dk2" accent1="accent1" accent2="accent2" accent3="accent3" accent4="accent4" accent5="accent5" accent6="accent6" hlink="hlink" folHlink="folHlink"/>
+  <p:notesStyle>
+    <a:lvl1pPr marL="0" algn="l" defTabSz="914400" rtl="0" eaLnBrk="1" latinLnBrk="1" hangingPunct="1">
+      <a:defRPr sz="1200" kern="1200">
+        <a:solidFill>
+          <a:schemeClr val="tx1"/>
+        </a:solidFill>
+        <a:latin typeface="+mn-lt"/>
+        <a:ea typeface="+mn-ea"/>
+        <a:cs typeface="+mn-cs"/>
+      </a:defRPr>
+    </a:lvl1pPr>
+    <a:lvl2pPr marL="457200" algn="l" defTabSz="914400" rtl="0" eaLnBrk="1" latinLnBrk="1" hangingPunct="1">
+      <a:defRPr sz="1200" kern="1200">
+        <a:solidFill>
+          <a:schemeClr val="tx1"/>
+        </a:solidFill>
+        <a:latin typeface="+mn-lt"/>
+        <a:ea typeface="+mn-ea"/>
+        <a:cs typeface="+mn-cs"/>
+      </a:defRPr>
+    </a:lvl2pPr>
+    <a:lvl3pPr marL="914400" algn="l" defTabSz="914400" rtl="0" eaLnBrk="1" latinLnBrk="1" hangingPunct="1">
+      <a:defRPr sz="1200" kern="1200">
+        <a:solidFill>
+          <a:schemeClr val="tx1"/>
+        </a:solidFill>
+        <a:latin typeface="+mn-lt"/>
+        <a:ea typeface="+mn-ea"/>
+        <a:cs typeface="+mn-cs"/>
+      </a:defRPr>
+    </a:lvl3pPr>
+    <a:lvl4pPr marL="1371600" algn="l" defTabSz="914400" rtl="0" eaLnBrk="1" latinLnBrk="1" hangingPunct="1">
+      <a:defRPr sz="1200" kern="1200">
+        <a:solidFill>
+          <a:schemeClr val="tx1"/>
+        </a:solidFill>
+        <a:latin typeface="+mn-lt"/>
+        <a:ea typeface="+mn-ea"/>
+        <a:cs typeface="+mn-cs"/>
+      </a:defRPr>
+    </a:lvl4pPr>
+    <a:lvl5pPr marL="1828800" algn="l" defTabSz="914400" rtl="0" eaLnBrk="1" latinLnBrk="1" hangingPunct="1">
+      <a:defRPr sz="1200" kern="1200">
+        <a:solidFill>
+          <a:schemeClr val="tx1"/>
+        </a:solidFill>
+        <a:latin typeface="+mn-lt"/>
+        <a:ea typeface="+mn-ea"/>
+        <a:cs typeface="+mn-cs"/>
+      </a:defRPr>
+    </a:lvl5pPr>
+    <a:lvl6pPr marL="2286000" algn="l" defTabSz="914400" rtl="0" eaLnBrk="1" latinLnBrk="1" hangingPunct="1">
+      <a:defRPr sz="1200" kern="1200">
+        <a:solidFill>
+          <a:schemeClr val="tx1"/>
+        </a:solidFill>
+        <a:latin typeface="+mn-lt"/>
+        <a:ea typeface="+mn-ea"/>
+        <a:cs typeface="+mn-cs"/>
+      </a:defRPr>
+    </a:lvl6pPr>
+    <a:lvl7pPr marL="2743200" algn="l" defTabSz="914400" rtl="0" eaLnBrk="1" latinLnBrk="1" hangingPunct="1">
+      <a:defRPr sz="1200" kern="1200">
+        <a:solidFill>
+          <a:schemeClr val="tx1"/>
+        </a:solidFill>
+        <a:latin typeface="+mn-lt"/>
+        <a:ea typeface="+mn-ea"/>
+        <a:cs typeface="+mn-cs"/>
+      </a:defRPr>
+    </a:lvl7pPr>
+    <a:lvl8pPr marL="3200400" algn="l" defTabSz="914400" rtl="0" eaLnBrk="1" latinLnBrk="1" hangingPunct="1">
+      <a:defRPr sz="1200" kern="1200">
+        <a:solidFill>
+          <a:schemeClr val="tx1"/>
+        </a:solidFill>
+        <a:latin typeface="+mn-lt"/>
+        <a:ea typeface="+mn-ea"/>
+        <a:cs typeface="+mn-cs"/>
+      </a:defRPr>
+    </a:lvl8pPr>
+    <a:lvl9pPr marL="3657600" algn="l" defTabSz="914400" rtl="0" eaLnBrk="1" latinLnBrk="1" hangingPunct="1">
+      <a:defRPr sz="1200" kern="1200">
+        <a:solidFill>
+          <a:schemeClr val="tx1"/>
+        </a:solidFill>
+        <a:latin typeface="+mn-lt"/>
+        <a:ea typeface="+mn-ea"/>
+        <a:cs typeface="+mn-cs"/>
+      </a:defRPr>
+    </a:lvl9pPr>
+  </p:notesStyle>
+</p:notesMaster>
+</file>
+
+<file path=ppt/notesSlides/notesSlide1.xml><?xml version="1.0" encoding="utf-8"?>
+<p:notes xmlns:a="http://schemas.openxmlformats.org/drawingml/2006/main" xmlns:r="http://schemas.openxmlformats.org/officeDocument/2006/relationships" xmlns:p="http://schemas.openxmlformats.org/presentationml/2006/main">
+  <p:cSld>
+    <p:spTree>
+      <p:nvGrpSpPr>
+        <p:cNvPr id="1" name=""/>
+        <p:cNvGrpSpPr/>
+        <p:nvPr/>
+      </p:nvGrpSpPr>
+      <p:grpSpPr>
+        <a:xfrm>
+          <a:off x="0" y="0"/>
+          <a:ext cx="0" cy="0"/>
+          <a:chOff x="0" y="0"/>
+          <a:chExt cx="0" cy="0"/>
+        </a:xfrm>
+      </p:grpSpPr>
+      <p:sp>
+        <p:nvSpPr>
+          <p:cNvPr id="2" name="슬라이드 이미지 개체 틀 1"/>
+          <p:cNvSpPr>
+            <a:spLocks noGrp="1" noRot="1" noChangeAspect="1"/>
+          </p:cNvSpPr>
+          <p:nvPr>
+            <p:ph type="sldImg"/>
+          </p:nvPr>
+        </p:nvSpPr>
+        <p:spPr/>
+      </p:sp>
+      <p:sp>
+        <p:nvSpPr>
+          <p:cNvPr id="3" name="슬라이드 노트 개체 틀 2"/>
+          <p:cNvSpPr>
+            <a:spLocks noGrp="1"/>
+          </p:cNvSpPr>
+          <p:nvPr>
+            <p:ph type="body" idx="1"/>
+          </p:nvPr>
+        </p:nvSpPr>
+        <p:spPr/>
+        <p:txBody>
+          <a:bodyPr/>
+          <a:lstStyle/>
+          <a:p>
+            <a:endParaRPr lang="ko-KR" altLang="en-US" dirty="0"/>
+          </a:p>
+        </p:txBody>
+      </p:sp>
+      <p:sp>
+        <p:nvSpPr>
+          <p:cNvPr id="4" name="슬라이드 번호 개체 틀 3"/>
+          <p:cNvSpPr>
+            <a:spLocks noGrp="1"/>
+          </p:cNvSpPr>
+          <p:nvPr>
+            <p:ph type="sldNum" sz="quarter" idx="10"/>
+          </p:nvPr>
+        </p:nvSpPr>
+        <p:spPr/>
+        <p:txBody>
+          <a:bodyPr/>
+          <a:lstStyle/>
+          <a:p>
+            <a:fld id="{BEDB18C3-78F7-4965-B6CC-33CC47968766}" type="slidenum">
+              <a:rPr lang="ko-KR" altLang="en-US" smtClean="0"/>
+              <a:t>1</a:t>
+            </a:fld>
+            <a:endParaRPr lang="ko-KR" altLang="en-US"/>
+          </a:p>
+        </p:txBody>
+      </p:sp>
+    </p:spTree>
+    <p:extLst>
+      <p:ext uri="{BB962C8B-B14F-4D97-AF65-F5344CB8AC3E}">
+        <p14:creationId xmlns:p14="http://schemas.microsoft.com/office/powerpoint/2010/main" val="2663432190"/>
+      </p:ext>
+    </p:extLst>
+  </p:cSld>
+  <p:clrMapOvr>
+    <a:masterClrMapping/>
+  </p:clrMapOvr>
+</p:notes>
+</file>
+
 <file path=ppt/slideLayouts/slideLayout1.xml><?xml version="1.0" encoding="utf-8"?>
 <p:sldLayout xmlns:a="http://schemas.openxmlformats.org/drawingml/2006/main" xmlns:r="http://schemas.openxmlformats.org/officeDocument/2006/relationships" xmlns:p="http://schemas.openxmlformats.org/presentationml/2006/main" type="title" preserve="1">
   <p:cSld name="제목 슬라이드">
@@ -293,7 +730,7 @@
           <a:p>
             <a:fld id="{A69274A5-B79D-44A5-AB6A-7A6A19C9ABE7}" type="datetimeFigureOut">
               <a:rPr lang="ko-KR" altLang="en-US" smtClean="0"/>
-              <a:t>2012-04-23</a:t>
+              <a:t>2012-09-02</a:t>
             </a:fld>
             <a:endParaRPr lang="ko-KR" altLang="en-US"/>
           </a:p>
@@ -463,7 +900,7 @@
           <a:p>
             <a:fld id="{A69274A5-B79D-44A5-AB6A-7A6A19C9ABE7}" type="datetimeFigureOut">
               <a:rPr lang="ko-KR" altLang="en-US" smtClean="0"/>
-              <a:t>2012-04-23</a:t>
+              <a:t>2012-09-02</a:t>
             </a:fld>
             <a:endParaRPr lang="ko-KR" altLang="en-US"/>
           </a:p>
@@ -643,7 +1080,7 @@
           <a:p>
             <a:fld id="{A69274A5-B79D-44A5-AB6A-7A6A19C9ABE7}" type="datetimeFigureOut">
               <a:rPr lang="ko-KR" altLang="en-US" smtClean="0"/>
-              <a:t>2012-04-23</a:t>
+              <a:t>2012-09-02</a:t>
             </a:fld>
             <a:endParaRPr lang="ko-KR" altLang="en-US"/>
           </a:p>
@@ -813,7 +1250,7 @@
           <a:p>
             <a:fld id="{A69274A5-B79D-44A5-AB6A-7A6A19C9ABE7}" type="datetimeFigureOut">
               <a:rPr lang="ko-KR" altLang="en-US" smtClean="0"/>
-              <a:t>2012-04-23</a:t>
+              <a:t>2012-09-02</a:t>
             </a:fld>
             <a:endParaRPr lang="ko-KR" altLang="en-US"/>
           </a:p>
@@ -1059,7 +1496,7 @@
           <a:p>
             <a:fld id="{A69274A5-B79D-44A5-AB6A-7A6A19C9ABE7}" type="datetimeFigureOut">
               <a:rPr lang="ko-KR" altLang="en-US" smtClean="0"/>
-              <a:t>2012-04-23</a:t>
+              <a:t>2012-09-02</a:t>
             </a:fld>
             <a:endParaRPr lang="ko-KR" altLang="en-US"/>
           </a:p>
@@ -1347,7 +1784,7 @@
           <a:p>
             <a:fld id="{A69274A5-B79D-44A5-AB6A-7A6A19C9ABE7}" type="datetimeFigureOut">
               <a:rPr lang="ko-KR" altLang="en-US" smtClean="0"/>
-              <a:t>2012-04-23</a:t>
+              <a:t>2012-09-02</a:t>
             </a:fld>
             <a:endParaRPr lang="ko-KR" altLang="en-US"/>
           </a:p>
@@ -1769,7 +2206,7 @@
           <a:p>
             <a:fld id="{A69274A5-B79D-44A5-AB6A-7A6A19C9ABE7}" type="datetimeFigureOut">
               <a:rPr lang="ko-KR" altLang="en-US" smtClean="0"/>
-              <a:t>2012-04-23</a:t>
+              <a:t>2012-09-02</a:t>
             </a:fld>
             <a:endParaRPr lang="ko-KR" altLang="en-US"/>
           </a:p>
@@ -1887,7 +2324,7 @@
           <a:p>
             <a:fld id="{A69274A5-B79D-44A5-AB6A-7A6A19C9ABE7}" type="datetimeFigureOut">
               <a:rPr lang="ko-KR" altLang="en-US" smtClean="0"/>
-              <a:t>2012-04-23</a:t>
+              <a:t>2012-09-02</a:t>
             </a:fld>
             <a:endParaRPr lang="ko-KR" altLang="en-US"/>
           </a:p>
@@ -1982,7 +2419,7 @@
           <a:p>
             <a:fld id="{A69274A5-B79D-44A5-AB6A-7A6A19C9ABE7}" type="datetimeFigureOut">
               <a:rPr lang="ko-KR" altLang="en-US" smtClean="0"/>
-              <a:t>2012-04-23</a:t>
+              <a:t>2012-09-02</a:t>
             </a:fld>
             <a:endParaRPr lang="ko-KR" altLang="en-US"/>
           </a:p>
@@ -2259,7 +2696,7 @@
           <a:p>
             <a:fld id="{A69274A5-B79D-44A5-AB6A-7A6A19C9ABE7}" type="datetimeFigureOut">
               <a:rPr lang="ko-KR" altLang="en-US" smtClean="0"/>
-              <a:t>2012-04-23</a:t>
+              <a:t>2012-09-02</a:t>
             </a:fld>
             <a:endParaRPr lang="ko-KR" altLang="en-US"/>
           </a:p>
@@ -2512,7 +2949,7 @@
           <a:p>
             <a:fld id="{A69274A5-B79D-44A5-AB6A-7A6A19C9ABE7}" type="datetimeFigureOut">
               <a:rPr lang="ko-KR" altLang="en-US" smtClean="0"/>
-              <a:t>2012-04-23</a:t>
+              <a:t>2012-09-02</a:t>
             </a:fld>
             <a:endParaRPr lang="ko-KR" altLang="en-US"/>
           </a:p>
@@ -2725,7 +3162,7 @@
           <a:p>
             <a:fld id="{A69274A5-B79D-44A5-AB6A-7A6A19C9ABE7}" type="datetimeFigureOut">
               <a:rPr lang="ko-KR" altLang="en-US" smtClean="0"/>
-              <a:t>2012-04-23</a:t>
+              <a:t>2012-09-02</a:t>
             </a:fld>
             <a:endParaRPr lang="ko-KR" altLang="en-US"/>
           </a:p>
@@ -3102,55 +3539,59 @@
       </p:grpSpPr>
       <p:sp>
         <p:nvSpPr>
-          <p:cNvPr id="57" name="직사각형 56"/>
+          <p:cNvPr id="4" name="모서리가 둥근 직사각형 3"/>
           <p:cNvSpPr/>
           <p:nvPr/>
         </p:nvSpPr>
         <p:spPr>
           <a:xfrm>
-            <a:off x="251519" y="5380108"/>
-            <a:ext cx="2752031" cy="1361260"/>
-          </a:xfrm>
-          <a:prstGeom prst="rect">
+            <a:off x="251520" y="2096340"/>
+            <a:ext cx="2304256" cy="504056"/>
+          </a:xfrm>
+          <a:prstGeom prst="roundRect">
             <a:avLst/>
           </a:prstGeom>
         </p:spPr>
         <p:style>
           <a:lnRef idx="2">
-            <a:schemeClr val="dk1"/>
+            <a:schemeClr val="accent1"/>
           </a:lnRef>
           <a:fillRef idx="1">
             <a:schemeClr val="lt1"/>
           </a:fillRef>
           <a:effectRef idx="0">
+            <a:schemeClr val="accent1"/>
+          </a:effectRef>
+          <a:fontRef idx="minor">
             <a:schemeClr val="dk1"/>
-          </a:effectRef>
-          <a:fontRef idx="minor">
-            <a:schemeClr val="dk1"/>
-          </a:fontRef>
-        </p:style>
-        <p:txBody>
-          <a:bodyPr rtlCol="0" anchor="t" anchorCtr="0"/>
-          <a:lstStyle/>
-          <a:p>
-            <a:pPr algn="ctr"/>
-            <a:r>
-              <a:rPr lang="en-US" altLang="ko-KR" sz="1200" b="1" dirty="0" smtClean="0"/>
-              <a:t>Legend</a:t>
-            </a:r>
-            <a:endParaRPr lang="ko-KR" altLang="en-US" sz="1200" b="1" dirty="0"/>
-          </a:p>
-        </p:txBody>
-      </p:sp>
-      <p:sp>
-        <p:nvSpPr>
-          <p:cNvPr id="4" name="모서리가 둥근 직사각형 3"/>
+          </a:fontRef>
+        </p:style>
+        <p:txBody>
+          <a:bodyPr rtlCol="0" anchor="ctr"/>
+          <a:lstStyle/>
+          <a:p>
+            <a:pPr algn="ctr"/>
+            <a:r>
+              <a:rPr lang="en-US" altLang="ko-KR" sz="1200" dirty="0"/>
+              <a:t>D</a:t>
+            </a:r>
+            <a:r>
+              <a:rPr lang="en-US" altLang="ko-KR" sz="1200" dirty="0" smtClean="0"/>
+              <a:t>eploy artifact for development server</a:t>
+            </a:r>
+            <a:endParaRPr lang="ko-KR" altLang="en-US" sz="1200" dirty="0"/>
+          </a:p>
+        </p:txBody>
+      </p:sp>
+      <p:sp>
+        <p:nvSpPr>
+          <p:cNvPr id="11" name="모서리가 둥근 직사각형 10"/>
           <p:cNvSpPr/>
           <p:nvPr/>
         </p:nvSpPr>
         <p:spPr>
           <a:xfrm>
-            <a:off x="251520" y="1808308"/>
+            <a:off x="251520" y="1419668"/>
             <a:ext cx="2304256" cy="504056"/>
           </a:xfrm>
           <a:prstGeom prst="roundRect">
@@ -3177,12 +3618,15 @@
           <a:p>
             <a:pPr algn="ctr"/>
             <a:r>
-              <a:rPr lang="en-US" altLang="ko-KR" sz="1200" dirty="0"/>
-              <a:t>D</a:t>
-            </a:r>
-            <a:r>
               <a:rPr lang="en-US" altLang="ko-KR" sz="1200" dirty="0" smtClean="0"/>
-              <a:t>eploy artifact for development server</a:t>
+              <a:t>Prepare artifact for</a:t>
+            </a:r>
+          </a:p>
+          <a:p>
+            <a:pPr algn="ctr"/>
+            <a:r>
+              <a:rPr lang="en-US" altLang="ko-KR" sz="1200" dirty="0" smtClean="0"/>
+              <a:t>development server</a:t>
             </a:r>
             <a:endParaRPr lang="ko-KR" altLang="en-US" sz="1200" dirty="0"/>
           </a:p>
@@ -3190,16 +3634,16 @@
       </p:sp>
       <p:sp>
         <p:nvSpPr>
-          <p:cNvPr id="11" name="모서리가 둥근 직사각형 10"/>
+          <p:cNvPr id="14" name="타원 13"/>
           <p:cNvSpPr/>
           <p:nvPr/>
         </p:nvSpPr>
         <p:spPr>
           <a:xfrm>
-            <a:off x="251520" y="1131636"/>
-            <a:ext cx="2304256" cy="504056"/>
-          </a:xfrm>
-          <a:prstGeom prst="roundRect">
+            <a:off x="1259632" y="981940"/>
+            <a:ext cx="288032" cy="288032"/>
+          </a:xfrm>
+          <a:prstGeom prst="ellipse">
             <a:avLst/>
           </a:prstGeom>
         </p:spPr>
@@ -3222,35 +3666,25 @@
           <a:lstStyle/>
           <a:p>
             <a:pPr algn="ctr"/>
-            <a:r>
-              <a:rPr lang="en-US" altLang="ko-KR" sz="1200" dirty="0" smtClean="0"/>
-              <a:t>Prepare artifact for</a:t>
-            </a:r>
-          </a:p>
-          <a:p>
-            <a:pPr algn="ctr"/>
-            <a:r>
-              <a:rPr lang="en-US" altLang="ko-KR" sz="1200" dirty="0" smtClean="0"/>
-              <a:t>development server</a:t>
-            </a:r>
-            <a:endParaRPr lang="ko-KR" altLang="en-US" sz="1200" dirty="0"/>
-          </a:p>
-        </p:txBody>
-      </p:sp>
-      <p:sp>
-        <p:nvSpPr>
-          <p:cNvPr id="14" name="타원 13"/>
+            <a:endParaRPr lang="ko-KR" altLang="en-US" sz="1200"/>
+          </a:p>
+        </p:txBody>
+      </p:sp>
+      <p:sp>
+        <p:nvSpPr>
+          <p:cNvPr id="15" name="타원 14"/>
           <p:cNvSpPr/>
           <p:nvPr/>
         </p:nvSpPr>
         <p:spPr>
           <a:xfrm>
-            <a:off x="1259632" y="693908"/>
+            <a:off x="1259632" y="3429000"/>
             <a:ext cx="288032" cy="288032"/>
           </a:xfrm>
           <a:prstGeom prst="ellipse">
             <a:avLst/>
           </a:prstGeom>
+          <a:ln w="63500"/>
         </p:spPr>
         <p:style>
           <a:lnRef idx="2">
@@ -3277,52 +3711,13 @@
       </p:sp>
       <p:sp>
         <p:nvSpPr>
-          <p:cNvPr id="15" name="타원 14"/>
-          <p:cNvSpPr/>
-          <p:nvPr/>
-        </p:nvSpPr>
-        <p:spPr>
-          <a:xfrm>
-            <a:off x="1259632" y="3140968"/>
-            <a:ext cx="288032" cy="288032"/>
-          </a:xfrm>
-          <a:prstGeom prst="ellipse">
-            <a:avLst/>
-          </a:prstGeom>
-          <a:ln w="63500"/>
-        </p:spPr>
-        <p:style>
-          <a:lnRef idx="2">
-            <a:schemeClr val="accent1"/>
-          </a:lnRef>
-          <a:fillRef idx="1">
-            <a:schemeClr val="lt1"/>
-          </a:fillRef>
-          <a:effectRef idx="0">
-            <a:schemeClr val="accent1"/>
-          </a:effectRef>
-          <a:fontRef idx="minor">
-            <a:schemeClr val="dk1"/>
-          </a:fontRef>
-        </p:style>
-        <p:txBody>
-          <a:bodyPr rtlCol="0" anchor="ctr"/>
-          <a:lstStyle/>
-          <a:p>
-            <a:pPr algn="ctr"/>
-            <a:endParaRPr lang="ko-KR" altLang="en-US" sz="1200"/>
-          </a:p>
-        </p:txBody>
-      </p:sp>
-      <p:sp>
-        <p:nvSpPr>
           <p:cNvPr id="16" name="모서리가 둥근 직사각형 15"/>
           <p:cNvSpPr/>
           <p:nvPr/>
         </p:nvSpPr>
         <p:spPr>
           <a:xfrm>
-            <a:off x="251520" y="2499788"/>
+            <a:off x="251520" y="2787820"/>
             <a:ext cx="2304256" cy="504056"/>
           </a:xfrm>
           <a:prstGeom prst="roundRect">
@@ -3374,7 +3769,7 @@
         </p:nvCxnSpPr>
         <p:spPr>
           <a:xfrm>
-            <a:off x="1403648" y="1635692"/>
+            <a:off x="1403648" y="1923724"/>
             <a:ext cx="0" cy="172616"/>
           </a:xfrm>
           <a:prstGeom prst="straightConnector1">
@@ -3414,7 +3809,7 @@
         </p:nvCxnSpPr>
         <p:spPr>
           <a:xfrm>
-            <a:off x="1403648" y="2312364"/>
+            <a:off x="1403648" y="2600396"/>
             <a:ext cx="0" cy="187424"/>
           </a:xfrm>
           <a:prstGeom prst="straightConnector1">
@@ -3454,7 +3849,7 @@
         </p:nvCxnSpPr>
         <p:spPr>
           <a:xfrm>
-            <a:off x="1403648" y="981940"/>
+            <a:off x="1403648" y="1269972"/>
             <a:ext cx="0" cy="149696"/>
           </a:xfrm>
           <a:prstGeom prst="straightConnector1">
@@ -3494,7 +3889,7 @@
         </p:nvCxnSpPr>
         <p:spPr>
           <a:xfrm>
-            <a:off x="1403648" y="3003844"/>
+            <a:off x="1403648" y="3291876"/>
             <a:ext cx="0" cy="137124"/>
           </a:xfrm>
           <a:prstGeom prst="straightConnector1">
@@ -3531,7 +3926,7 @@
         </p:nvSpPr>
         <p:spPr>
           <a:xfrm>
-            <a:off x="3419872" y="3175248"/>
+            <a:off x="3419872" y="3463280"/>
             <a:ext cx="2304256" cy="504056"/>
           </a:xfrm>
           <a:prstGeom prst="roundRect">
@@ -3584,7 +3979,7 @@
         </p:nvSpPr>
         <p:spPr>
           <a:xfrm>
-            <a:off x="3419872" y="2498576"/>
+            <a:off x="3419872" y="2786608"/>
             <a:ext cx="2304256" cy="504056"/>
           </a:xfrm>
           <a:prstGeom prst="roundRect">
@@ -3633,7 +4028,7 @@
         </p:nvSpPr>
         <p:spPr>
           <a:xfrm>
-            <a:off x="4427984" y="2060848"/>
+            <a:off x="4427984" y="2348880"/>
             <a:ext cx="288032" cy="288032"/>
           </a:xfrm>
           <a:prstGeom prst="ellipse">
@@ -3671,7 +4066,7 @@
         </p:nvSpPr>
         <p:spPr>
           <a:xfrm>
-            <a:off x="4427984" y="4507908"/>
+            <a:off x="4427984" y="4795940"/>
             <a:ext cx="288032" cy="288032"/>
           </a:xfrm>
           <a:prstGeom prst="ellipse">
@@ -3710,7 +4105,7 @@
         </p:nvSpPr>
         <p:spPr>
           <a:xfrm>
-            <a:off x="3419872" y="3866728"/>
+            <a:off x="3419872" y="4154760"/>
             <a:ext cx="2304256" cy="504056"/>
           </a:xfrm>
           <a:prstGeom prst="roundRect">
@@ -3762,7 +4157,7 @@
         </p:nvCxnSpPr>
         <p:spPr>
           <a:xfrm>
-            <a:off x="4572000" y="3002632"/>
+            <a:off x="4572000" y="3290664"/>
             <a:ext cx="0" cy="172616"/>
           </a:xfrm>
           <a:prstGeom prst="straightConnector1">
@@ -3802,7 +4197,7 @@
         </p:nvCxnSpPr>
         <p:spPr>
           <a:xfrm>
-            <a:off x="4572000" y="3679304"/>
+            <a:off x="4572000" y="3967336"/>
             <a:ext cx="0" cy="187424"/>
           </a:xfrm>
           <a:prstGeom prst="straightConnector1">
@@ -3842,7 +4237,7 @@
         </p:nvCxnSpPr>
         <p:spPr>
           <a:xfrm>
-            <a:off x="4572000" y="2348880"/>
+            <a:off x="4572000" y="2636912"/>
             <a:ext cx="0" cy="149696"/>
           </a:xfrm>
           <a:prstGeom prst="straightConnector1">
@@ -3882,7 +4277,7 @@
         </p:nvCxnSpPr>
         <p:spPr>
           <a:xfrm>
-            <a:off x="4572000" y="4370784"/>
+            <a:off x="4572000" y="4658816"/>
             <a:ext cx="0" cy="137124"/>
           </a:xfrm>
           <a:prstGeom prst="straightConnector1">
@@ -3919,7 +4314,7 @@
         </p:nvSpPr>
         <p:spPr>
           <a:xfrm>
-            <a:off x="6588224" y="4544612"/>
+            <a:off x="6588224" y="4832644"/>
             <a:ext cx="2304256" cy="504056"/>
           </a:xfrm>
           <a:prstGeom prst="roundRect">
@@ -3965,7 +4360,7 @@
         </p:nvSpPr>
         <p:spPr>
           <a:xfrm>
-            <a:off x="6588224" y="3867940"/>
+            <a:off x="6588224" y="4155972"/>
             <a:ext cx="2304256" cy="504056"/>
           </a:xfrm>
           <a:prstGeom prst="roundRect">
@@ -4014,7 +4409,7 @@
         </p:nvSpPr>
         <p:spPr>
           <a:xfrm>
-            <a:off x="7596336" y="3430212"/>
+            <a:off x="7596336" y="3718244"/>
             <a:ext cx="288032" cy="288032"/>
           </a:xfrm>
           <a:prstGeom prst="ellipse">
@@ -4052,7 +4447,7 @@
         </p:nvSpPr>
         <p:spPr>
           <a:xfrm>
-            <a:off x="7596336" y="5877272"/>
+            <a:off x="7596336" y="6165304"/>
             <a:ext cx="288032" cy="288032"/>
           </a:xfrm>
           <a:prstGeom prst="ellipse">
@@ -4091,7 +4486,7 @@
         </p:nvSpPr>
         <p:spPr>
           <a:xfrm>
-            <a:off x="6588224" y="5236092"/>
+            <a:off x="6588224" y="5524124"/>
             <a:ext cx="2304256" cy="504056"/>
           </a:xfrm>
           <a:prstGeom prst="roundRect">
@@ -4143,7 +4538,7 @@
         </p:nvCxnSpPr>
         <p:spPr>
           <a:xfrm>
-            <a:off x="7740352" y="4371996"/>
+            <a:off x="7740352" y="4660028"/>
             <a:ext cx="0" cy="172616"/>
           </a:xfrm>
           <a:prstGeom prst="straightConnector1">
@@ -4183,7 +4578,7 @@
         </p:nvCxnSpPr>
         <p:spPr>
           <a:xfrm>
-            <a:off x="7740352" y="5048668"/>
+            <a:off x="7740352" y="5336700"/>
             <a:ext cx="0" cy="187424"/>
           </a:xfrm>
           <a:prstGeom prst="straightConnector1">
@@ -4223,7 +4618,7 @@
         </p:nvCxnSpPr>
         <p:spPr>
           <a:xfrm>
-            <a:off x="7740352" y="3718244"/>
+            <a:off x="7740352" y="4006276"/>
             <a:ext cx="0" cy="149696"/>
           </a:xfrm>
           <a:prstGeom prst="straightConnector1">
@@ -4263,7 +4658,7 @@
         </p:nvCxnSpPr>
         <p:spPr>
           <a:xfrm>
-            <a:off x="7740352" y="5740148"/>
+            <a:off x="7740352" y="6028180"/>
             <a:ext cx="0" cy="137124"/>
           </a:xfrm>
           <a:prstGeom prst="straightConnector1">
@@ -4300,7 +4695,7 @@
         </p:nvSpPr>
         <p:spPr>
           <a:xfrm>
-            <a:off x="2627784" y="1244516"/>
+            <a:off x="2627784" y="1532548"/>
             <a:ext cx="809286" cy="313488"/>
           </a:xfrm>
           <a:prstGeom prst="rightArrow">
@@ -4340,7 +4735,7 @@
         </p:nvSpPr>
         <p:spPr>
           <a:xfrm>
-            <a:off x="5836692" y="2564904"/>
+            <a:off x="5836692" y="2852936"/>
             <a:ext cx="751532" cy="313488"/>
           </a:xfrm>
           <a:prstGeom prst="rightArrow">
@@ -4380,7 +4775,7 @@
         </p:nvSpPr>
         <p:spPr>
           <a:xfrm rot="5400000">
-            <a:off x="3453850" y="1915466"/>
+            <a:off x="3453850" y="2203498"/>
             <a:ext cx="796140" cy="313488"/>
           </a:xfrm>
           <a:prstGeom prst="rightArrow">
@@ -4420,7 +4815,7 @@
         </p:nvSpPr>
         <p:spPr>
           <a:xfrm rot="5400000">
-            <a:off x="6559612" y="3275096"/>
+            <a:off x="6559612" y="3563128"/>
             <a:ext cx="858416" cy="313488"/>
           </a:xfrm>
           <a:prstGeom prst="rightArrow">
@@ -4455,36 +4850,6 @@
       <p:pic>
         <p:nvPicPr>
           <p:cNvPr id="28" name="그림 27"/>
-          <p:cNvPicPr>
-            <a:picLocks noChangeAspect="1"/>
-          </p:cNvPicPr>
-          <p:nvPr/>
-        </p:nvPicPr>
-        <p:blipFill>
-          <a:blip r:embed="rId2" cstate="print">
-            <a:extLst>
-              <a:ext uri="{28A0092B-C50C-407E-A947-70E740481C1C}">
-                <a14:useLocalDpi xmlns:a14="http://schemas.microsoft.com/office/drawing/2010/main" val="0"/>
-              </a:ext>
-            </a:extLst>
-          </a:blip>
-          <a:stretch>
-            <a:fillRect/>
-          </a:stretch>
-        </p:blipFill>
-        <p:spPr>
-          <a:xfrm>
-            <a:off x="2780420" y="1168585"/>
-            <a:ext cx="396478" cy="465350"/>
-          </a:xfrm>
-          <a:prstGeom prst="rect">
-            <a:avLst/>
-          </a:prstGeom>
-        </p:spPr>
-      </p:pic>
-      <p:pic>
-        <p:nvPicPr>
-          <p:cNvPr id="48" name="그림 47"/>
           <p:cNvPicPr>
             <a:picLocks noChangeAspect="1"/>
           </p:cNvPicPr>
@@ -4504,7 +4869,37 @@
         </p:blipFill>
         <p:spPr>
           <a:xfrm>
-            <a:off x="3437070" y="1031770"/>
+            <a:off x="2780420" y="1456617"/>
+            <a:ext cx="396478" cy="465350"/>
+          </a:xfrm>
+          <a:prstGeom prst="rect">
+            <a:avLst/>
+          </a:prstGeom>
+        </p:spPr>
+      </p:pic>
+      <p:pic>
+        <p:nvPicPr>
+          <p:cNvPr id="48" name="그림 47"/>
+          <p:cNvPicPr>
+            <a:picLocks noChangeAspect="1"/>
+          </p:cNvPicPr>
+          <p:nvPr/>
+        </p:nvPicPr>
+        <p:blipFill>
+          <a:blip r:embed="rId4" cstate="print">
+            <a:extLst>
+              <a:ext uri="{28A0092B-C50C-407E-A947-70E740481C1C}">
+                <a14:useLocalDpi xmlns:a14="http://schemas.microsoft.com/office/drawing/2010/main" val="0"/>
+              </a:ext>
+            </a:extLst>
+          </a:blip>
+          <a:stretch>
+            <a:fillRect/>
+          </a:stretch>
+        </p:blipFill>
+        <p:spPr>
+          <a:xfrm>
+            <a:off x="3437070" y="1319802"/>
             <a:ext cx="777788" cy="777788"/>
           </a:xfrm>
           <a:prstGeom prst="rect">
@@ -4515,6 +4910,36 @@
       <p:pic>
         <p:nvPicPr>
           <p:cNvPr id="58" name="그림 57"/>
+          <p:cNvPicPr>
+            <a:picLocks noChangeAspect="1"/>
+          </p:cNvPicPr>
+          <p:nvPr/>
+        </p:nvPicPr>
+        <p:blipFill>
+          <a:blip r:embed="rId4" cstate="print">
+            <a:extLst>
+              <a:ext uri="{28A0092B-C50C-407E-A947-70E740481C1C}">
+                <a14:useLocalDpi xmlns:a14="http://schemas.microsoft.com/office/drawing/2010/main" val="0"/>
+              </a:ext>
+            </a:extLst>
+          </a:blip>
+          <a:stretch>
+            <a:fillRect/>
+          </a:stretch>
+        </p:blipFill>
+        <p:spPr>
+          <a:xfrm>
+            <a:off x="6599926" y="2620786"/>
+            <a:ext cx="777788" cy="777788"/>
+          </a:xfrm>
+          <a:prstGeom prst="rect">
+            <a:avLst/>
+          </a:prstGeom>
+        </p:spPr>
+      </p:pic>
+      <p:pic>
+        <p:nvPicPr>
+          <p:cNvPr id="59" name="그림 58"/>
           <p:cNvPicPr>
             <a:picLocks noChangeAspect="1"/>
           </p:cNvPicPr>
@@ -4534,8 +4959,8 @@
         </p:blipFill>
         <p:spPr>
           <a:xfrm>
-            <a:off x="6599926" y="2332754"/>
-            <a:ext cx="777788" cy="777788"/>
+            <a:off x="3635896" y="2027546"/>
+            <a:ext cx="396478" cy="465350"/>
           </a:xfrm>
           <a:prstGeom prst="rect">
             <a:avLst/>
@@ -4544,14 +4969,14 @@
       </p:pic>
       <p:pic>
         <p:nvPicPr>
-          <p:cNvPr id="59" name="그림 58"/>
+          <p:cNvPr id="60" name="그림 59"/>
           <p:cNvPicPr>
             <a:picLocks noChangeAspect="1"/>
           </p:cNvPicPr>
           <p:nvPr/>
         </p:nvPicPr>
         <p:blipFill>
-          <a:blip r:embed="rId2" cstate="print">
+          <a:blip r:embed="rId3" cstate="print">
             <a:extLst>
               <a:ext uri="{28A0092B-C50C-407E-A947-70E740481C1C}">
                 <a14:useLocalDpi xmlns:a14="http://schemas.microsoft.com/office/drawing/2010/main" val="0"/>
@@ -4564,7 +4989,7 @@
         </p:blipFill>
         <p:spPr>
           <a:xfrm>
-            <a:off x="3635896" y="1739514"/>
+            <a:off x="5903714" y="2780928"/>
             <a:ext cx="396478" cy="465350"/>
           </a:xfrm>
           <a:prstGeom prst="rect">
@@ -4574,14 +4999,14 @@
       </p:pic>
       <p:pic>
         <p:nvPicPr>
-          <p:cNvPr id="60" name="그림 59"/>
+          <p:cNvPr id="61" name="그림 60"/>
           <p:cNvPicPr>
             <a:picLocks noChangeAspect="1"/>
           </p:cNvPicPr>
           <p:nvPr/>
         </p:nvPicPr>
         <p:blipFill>
-          <a:blip r:embed="rId2" cstate="print">
+          <a:blip r:embed="rId3" cstate="print">
             <a:extLst>
               <a:ext uri="{28A0092B-C50C-407E-A947-70E740481C1C}">
                 <a14:useLocalDpi xmlns:a14="http://schemas.microsoft.com/office/drawing/2010/main" val="0"/>
@@ -4594,37 +5019,7 @@
         </p:blipFill>
         <p:spPr>
           <a:xfrm>
-            <a:off x="5903714" y="2492896"/>
-            <a:ext cx="396478" cy="465350"/>
-          </a:xfrm>
-          <a:prstGeom prst="rect">
-            <a:avLst/>
-          </a:prstGeom>
-        </p:spPr>
-      </p:pic>
-      <p:pic>
-        <p:nvPicPr>
-          <p:cNvPr id="61" name="그림 60"/>
-          <p:cNvPicPr>
-            <a:picLocks noChangeAspect="1"/>
-          </p:cNvPicPr>
-          <p:nvPr/>
-        </p:nvPicPr>
-        <p:blipFill>
-          <a:blip r:embed="rId2" cstate="print">
-            <a:extLst>
-              <a:ext uri="{28A0092B-C50C-407E-A947-70E740481C1C}">
-                <a14:useLocalDpi xmlns:a14="http://schemas.microsoft.com/office/drawing/2010/main" val="0"/>
-              </a:ext>
-            </a:extLst>
-          </a:blip>
-          <a:stretch>
-            <a:fillRect/>
-          </a:stretch>
-        </p:blipFill>
-        <p:spPr>
-          <a:xfrm>
-            <a:off x="6767810" y="3035658"/>
+            <a:off x="6767810" y="3323690"/>
             <a:ext cx="396478" cy="465350"/>
           </a:xfrm>
           <a:prstGeom prst="rect">
@@ -4640,7 +5035,7 @@
         </p:nvSpPr>
         <p:spPr>
           <a:xfrm>
-            <a:off x="4139952" y="1167135"/>
+            <a:off x="4139952" y="1455167"/>
             <a:ext cx="1696740" cy="461665"/>
           </a:xfrm>
           <a:prstGeom prst="rect">
@@ -4676,7 +5071,7 @@
         </p:nvSpPr>
         <p:spPr>
           <a:xfrm>
-            <a:off x="7308304" y="2492896"/>
+            <a:off x="7308304" y="2780928"/>
             <a:ext cx="1754006" cy="461665"/>
           </a:xfrm>
           <a:prstGeom prst="rect">
@@ -4706,14 +5101,14 @@
       </p:sp>
       <p:sp>
         <p:nvSpPr>
-          <p:cNvPr id="65" name="TextBox 64"/>
+          <p:cNvPr id="56" name="TextBox 55"/>
           <p:cNvSpPr txBox="1"/>
           <p:nvPr/>
         </p:nvSpPr>
         <p:spPr>
           <a:xfrm>
-            <a:off x="2080459" y="5733256"/>
-            <a:ext cx="835357" cy="276999"/>
+            <a:off x="251520" y="179348"/>
+            <a:ext cx="1578702" cy="369332"/>
           </a:xfrm>
           <a:prstGeom prst="rect">
             <a:avLst/>
@@ -4727,36 +5122,6 @@
           <a:lstStyle/>
           <a:p>
             <a:r>
-              <a:rPr lang="en-US" altLang="ko-KR" sz="1200" dirty="0" smtClean="0"/>
-              <a:t>Unlocked</a:t>
-            </a:r>
-            <a:endParaRPr lang="ko-KR" altLang="en-US" sz="1200" dirty="0"/>
-          </a:p>
-        </p:txBody>
-      </p:sp>
-      <p:sp>
-        <p:nvSpPr>
-          <p:cNvPr id="56" name="TextBox 55"/>
-          <p:cNvSpPr txBox="1"/>
-          <p:nvPr/>
-        </p:nvSpPr>
-        <p:spPr>
-          <a:xfrm>
-            <a:off x="251520" y="179348"/>
-            <a:ext cx="1578702" cy="369332"/>
-          </a:xfrm>
-          <a:prstGeom prst="rect">
-            <a:avLst/>
-          </a:prstGeom>
-          <a:noFill/>
-        </p:spPr>
-        <p:txBody>
-          <a:bodyPr wrap="none" rtlCol="0">
-            <a:spAutoFit/>
-          </a:bodyPr>
-          <a:lstStyle/>
-          <a:p>
-            <a:r>
               <a:rPr lang="en-US" altLang="ko-KR" dirty="0" smtClean="0"/>
               <a:t>Status: Ready</a:t>
             </a:r>
@@ -4764,230 +5129,317 @@
           </a:p>
         </p:txBody>
       </p:sp>
-      <p:sp>
-        <p:nvSpPr>
-          <p:cNvPr id="70" name="모서리가 둥근 직사각형 69"/>
-          <p:cNvSpPr/>
-          <p:nvPr/>
-        </p:nvSpPr>
-        <p:spPr>
-          <a:xfrm>
-            <a:off x="395536" y="6079768"/>
-            <a:ext cx="1152128" cy="216024"/>
-          </a:xfrm>
-          <a:prstGeom prst="roundRect">
-            <a:avLst/>
-          </a:prstGeom>
-        </p:spPr>
-        <p:style>
-          <a:lnRef idx="2">
-            <a:schemeClr val="accent1">
-              <a:shade val="50000"/>
-            </a:schemeClr>
-          </a:lnRef>
-          <a:fillRef idx="1">
-            <a:schemeClr val="accent1"/>
-          </a:fillRef>
-          <a:effectRef idx="0">
-            <a:schemeClr val="accent1"/>
-          </a:effectRef>
-          <a:fontRef idx="minor">
-            <a:schemeClr val="lt1"/>
-          </a:fontRef>
-        </p:style>
-        <p:txBody>
-          <a:bodyPr rtlCol="0" anchor="ctr"/>
-          <a:lstStyle/>
-          <a:p>
-            <a:pPr algn="ctr"/>
-            <a:r>
-              <a:rPr lang="en-US" altLang="ko-KR" sz="1200" dirty="0"/>
-              <a:t>A</a:t>
-            </a:r>
-            <a:r>
-              <a:rPr lang="en-US" altLang="ko-KR" sz="1200" dirty="0" smtClean="0"/>
-              <a:t>ctive job</a:t>
-            </a:r>
-            <a:endParaRPr lang="ko-KR" altLang="en-US" sz="1200" dirty="0"/>
-          </a:p>
-        </p:txBody>
-      </p:sp>
-      <p:sp>
-        <p:nvSpPr>
-          <p:cNvPr id="71" name="모서리가 둥근 직사각형 70"/>
-          <p:cNvSpPr/>
-          <p:nvPr/>
-        </p:nvSpPr>
-        <p:spPr>
-          <a:xfrm>
-            <a:off x="395536" y="6367800"/>
-            <a:ext cx="1152128" cy="216024"/>
-          </a:xfrm>
-          <a:prstGeom prst="roundRect">
-            <a:avLst/>
-          </a:prstGeom>
-        </p:spPr>
-        <p:style>
-          <a:lnRef idx="2">
-            <a:schemeClr val="accent2">
-              <a:shade val="50000"/>
-            </a:schemeClr>
-          </a:lnRef>
-          <a:fillRef idx="1">
-            <a:schemeClr val="accent2"/>
-          </a:fillRef>
-          <a:effectRef idx="0">
-            <a:schemeClr val="accent2"/>
-          </a:effectRef>
-          <a:fontRef idx="minor">
-            <a:schemeClr val="lt1"/>
-          </a:fontRef>
-        </p:style>
-        <p:txBody>
-          <a:bodyPr rtlCol="0" anchor="ctr"/>
-          <a:lstStyle/>
-          <a:p>
-            <a:pPr algn="ctr"/>
-            <a:r>
-              <a:rPr lang="en-US" altLang="ko-KR" sz="1200" dirty="0" smtClean="0"/>
-              <a:t>Pending job</a:t>
-            </a:r>
-            <a:endParaRPr lang="ko-KR" altLang="en-US" sz="1200" dirty="0"/>
-          </a:p>
-        </p:txBody>
-      </p:sp>
-      <p:sp>
-        <p:nvSpPr>
-          <p:cNvPr id="72" name="모서리가 둥근 직사각형 71"/>
-          <p:cNvSpPr/>
-          <p:nvPr/>
-        </p:nvSpPr>
-        <p:spPr>
-          <a:xfrm>
-            <a:off x="395536" y="5776152"/>
-            <a:ext cx="1152128" cy="216024"/>
-          </a:xfrm>
-          <a:prstGeom prst="roundRect">
-            <a:avLst/>
-          </a:prstGeom>
-        </p:spPr>
-        <p:style>
-          <a:lnRef idx="2">
-            <a:schemeClr val="accent1"/>
-          </a:lnRef>
-          <a:fillRef idx="1">
-            <a:schemeClr val="lt1"/>
-          </a:fillRef>
-          <a:effectRef idx="0">
-            <a:schemeClr val="accent1"/>
-          </a:effectRef>
-          <a:fontRef idx="minor">
-            <a:schemeClr val="dk1"/>
-          </a:fontRef>
-        </p:style>
-        <p:txBody>
-          <a:bodyPr rtlCol="0" anchor="ctr"/>
-          <a:lstStyle/>
-          <a:p>
-            <a:pPr algn="ctr"/>
-            <a:r>
-              <a:rPr lang="en-US" altLang="ko-KR" sz="1200" dirty="0" smtClean="0"/>
-              <a:t>Job</a:t>
-            </a:r>
-            <a:endParaRPr lang="ko-KR" altLang="en-US" sz="1200" dirty="0"/>
-          </a:p>
-        </p:txBody>
-      </p:sp>
-      <p:pic>
-        <p:nvPicPr>
-          <p:cNvPr id="74" name="그림 73"/>
-          <p:cNvPicPr>
-            <a:picLocks noChangeAspect="1"/>
-          </p:cNvPicPr>
-          <p:nvPr/>
-        </p:nvPicPr>
-        <p:blipFill>
-          <a:blip r:embed="rId4" cstate="print">
-            <a:extLst>
-              <a:ext uri="{28A0092B-C50C-407E-A947-70E740481C1C}">
-                <a14:useLocalDpi xmlns:a14="http://schemas.microsoft.com/office/drawing/2010/main" val="0"/>
-              </a:ext>
-            </a:extLst>
-          </a:blip>
-          <a:stretch>
-            <a:fillRect/>
-          </a:stretch>
-        </p:blipFill>
-        <p:spPr>
-          <a:xfrm>
-            <a:off x="1835696" y="6165304"/>
-            <a:ext cx="335052" cy="465350"/>
-          </a:xfrm>
-          <a:prstGeom prst="rect">
-            <a:avLst/>
-          </a:prstGeom>
-        </p:spPr>
-      </p:pic>
-      <p:pic>
-        <p:nvPicPr>
-          <p:cNvPr id="75" name="그림 74"/>
-          <p:cNvPicPr>
-            <a:picLocks noChangeAspect="1"/>
-          </p:cNvPicPr>
-          <p:nvPr/>
-        </p:nvPicPr>
-        <p:blipFill>
-          <a:blip r:embed="rId2" cstate="print">
-            <a:extLst>
-              <a:ext uri="{28A0092B-C50C-407E-A947-70E740481C1C}">
-                <a14:useLocalDpi xmlns:a14="http://schemas.microsoft.com/office/drawing/2010/main" val="0"/>
-              </a:ext>
-            </a:extLst>
-          </a:blip>
-          <a:stretch>
-            <a:fillRect/>
-          </a:stretch>
-        </p:blipFill>
-        <p:spPr>
-          <a:xfrm>
-            <a:off x="1763688" y="5661248"/>
-            <a:ext cx="396478" cy="465350"/>
-          </a:xfrm>
-          <a:prstGeom prst="rect">
-            <a:avLst/>
-          </a:prstGeom>
-        </p:spPr>
-      </p:pic>
-      <p:sp>
-        <p:nvSpPr>
-          <p:cNvPr id="76" name="TextBox 75"/>
-          <p:cNvSpPr txBox="1"/>
-          <p:nvPr/>
-        </p:nvSpPr>
-        <p:spPr>
-          <a:xfrm>
-            <a:off x="2082920" y="6296912"/>
-            <a:ext cx="673454" cy="276999"/>
-          </a:xfrm>
-          <a:prstGeom prst="rect">
-            <a:avLst/>
-          </a:prstGeom>
-          <a:noFill/>
-        </p:spPr>
-        <p:txBody>
-          <a:bodyPr wrap="none" rtlCol="0">
-            <a:spAutoFit/>
-          </a:bodyPr>
-          <a:lstStyle/>
-          <a:p>
-            <a:r>
-              <a:rPr lang="en-US" altLang="ko-KR" sz="1200" dirty="0" smtClean="0"/>
-              <a:t>Locked</a:t>
-            </a:r>
-            <a:endParaRPr lang="ko-KR" altLang="en-US" sz="1200" dirty="0"/>
-          </a:p>
-        </p:txBody>
-      </p:sp>
+      <p:grpSp>
+        <p:nvGrpSpPr>
+          <p:cNvPr id="2" name="그룹 1"/>
+          <p:cNvGrpSpPr/>
+          <p:nvPr/>
+        </p:nvGrpSpPr>
+        <p:grpSpPr>
+          <a:xfrm>
+            <a:off x="251519" y="5380108"/>
+            <a:ext cx="2752031" cy="1361260"/>
+            <a:chOff x="251519" y="5380108"/>
+            <a:chExt cx="2752031" cy="1361260"/>
+          </a:xfrm>
+        </p:grpSpPr>
+        <p:sp>
+          <p:nvSpPr>
+            <p:cNvPr id="57" name="직사각형 56"/>
+            <p:cNvSpPr/>
+            <p:nvPr/>
+          </p:nvSpPr>
+          <p:spPr>
+            <a:xfrm>
+              <a:off x="251519" y="5380108"/>
+              <a:ext cx="2752031" cy="1361260"/>
+            </a:xfrm>
+            <a:prstGeom prst="rect">
+              <a:avLst/>
+            </a:prstGeom>
+          </p:spPr>
+          <p:style>
+            <a:lnRef idx="2">
+              <a:schemeClr val="dk1"/>
+            </a:lnRef>
+            <a:fillRef idx="1">
+              <a:schemeClr val="lt1"/>
+            </a:fillRef>
+            <a:effectRef idx="0">
+              <a:schemeClr val="dk1"/>
+            </a:effectRef>
+            <a:fontRef idx="minor">
+              <a:schemeClr val="dk1"/>
+            </a:fontRef>
+          </p:style>
+          <p:txBody>
+            <a:bodyPr rtlCol="0" anchor="t" anchorCtr="0"/>
+            <a:lstStyle/>
+            <a:p>
+              <a:pPr algn="ctr"/>
+              <a:r>
+                <a:rPr lang="en-US" altLang="ko-KR" sz="1200" b="1" dirty="0" smtClean="0"/>
+                <a:t>Legend</a:t>
+              </a:r>
+              <a:endParaRPr lang="ko-KR" altLang="en-US" sz="1200" b="1" dirty="0"/>
+            </a:p>
+          </p:txBody>
+        </p:sp>
+        <p:sp>
+          <p:nvSpPr>
+            <p:cNvPr id="65" name="TextBox 64"/>
+            <p:cNvSpPr txBox="1"/>
+            <p:nvPr/>
+          </p:nvSpPr>
+          <p:spPr>
+            <a:xfrm>
+              <a:off x="2080459" y="5733256"/>
+              <a:ext cx="835357" cy="276999"/>
+            </a:xfrm>
+            <a:prstGeom prst="rect">
+              <a:avLst/>
+            </a:prstGeom>
+            <a:noFill/>
+          </p:spPr>
+          <p:txBody>
+            <a:bodyPr wrap="none" rtlCol="0">
+              <a:spAutoFit/>
+            </a:bodyPr>
+            <a:lstStyle/>
+            <a:p>
+              <a:r>
+                <a:rPr lang="en-US" altLang="ko-KR" sz="1200" dirty="0" smtClean="0"/>
+                <a:t>Unlocked</a:t>
+              </a:r>
+              <a:endParaRPr lang="ko-KR" altLang="en-US" sz="1200" dirty="0"/>
+            </a:p>
+          </p:txBody>
+        </p:sp>
+        <p:sp>
+          <p:nvSpPr>
+            <p:cNvPr id="70" name="모서리가 둥근 직사각형 69"/>
+            <p:cNvSpPr/>
+            <p:nvPr/>
+          </p:nvSpPr>
+          <p:spPr>
+            <a:xfrm>
+              <a:off x="395536" y="6079768"/>
+              <a:ext cx="1152128" cy="216024"/>
+            </a:xfrm>
+            <a:prstGeom prst="roundRect">
+              <a:avLst/>
+            </a:prstGeom>
+          </p:spPr>
+          <p:style>
+            <a:lnRef idx="2">
+              <a:schemeClr val="accent1">
+                <a:shade val="50000"/>
+              </a:schemeClr>
+            </a:lnRef>
+            <a:fillRef idx="1">
+              <a:schemeClr val="accent1"/>
+            </a:fillRef>
+            <a:effectRef idx="0">
+              <a:schemeClr val="accent1"/>
+            </a:effectRef>
+            <a:fontRef idx="minor">
+              <a:schemeClr val="lt1"/>
+            </a:fontRef>
+          </p:style>
+          <p:txBody>
+            <a:bodyPr rtlCol="0" anchor="ctr"/>
+            <a:lstStyle/>
+            <a:p>
+              <a:pPr algn="ctr"/>
+              <a:r>
+                <a:rPr lang="en-US" altLang="ko-KR" sz="1200" dirty="0"/>
+                <a:t>A</a:t>
+              </a:r>
+              <a:r>
+                <a:rPr lang="en-US" altLang="ko-KR" sz="1200" dirty="0" smtClean="0"/>
+                <a:t>ctive job</a:t>
+              </a:r>
+              <a:endParaRPr lang="ko-KR" altLang="en-US" sz="1200" dirty="0"/>
+            </a:p>
+          </p:txBody>
+        </p:sp>
+        <p:sp>
+          <p:nvSpPr>
+            <p:cNvPr id="71" name="모서리가 둥근 직사각형 70"/>
+            <p:cNvSpPr/>
+            <p:nvPr/>
+          </p:nvSpPr>
+          <p:spPr>
+            <a:xfrm>
+              <a:off x="395536" y="6367800"/>
+              <a:ext cx="1152128" cy="216024"/>
+            </a:xfrm>
+            <a:prstGeom prst="roundRect">
+              <a:avLst/>
+            </a:prstGeom>
+          </p:spPr>
+          <p:style>
+            <a:lnRef idx="2">
+              <a:schemeClr val="accent2">
+                <a:shade val="50000"/>
+              </a:schemeClr>
+            </a:lnRef>
+            <a:fillRef idx="1">
+              <a:schemeClr val="accent2"/>
+            </a:fillRef>
+            <a:effectRef idx="0">
+              <a:schemeClr val="accent2"/>
+            </a:effectRef>
+            <a:fontRef idx="minor">
+              <a:schemeClr val="lt1"/>
+            </a:fontRef>
+          </p:style>
+          <p:txBody>
+            <a:bodyPr rtlCol="0" anchor="ctr"/>
+            <a:lstStyle/>
+            <a:p>
+              <a:pPr algn="ctr"/>
+              <a:r>
+                <a:rPr lang="en-US" altLang="ko-KR" sz="1200" dirty="0" smtClean="0"/>
+                <a:t>Pending job</a:t>
+              </a:r>
+              <a:endParaRPr lang="ko-KR" altLang="en-US" sz="1200" dirty="0"/>
+            </a:p>
+          </p:txBody>
+        </p:sp>
+        <p:sp>
+          <p:nvSpPr>
+            <p:cNvPr id="72" name="모서리가 둥근 직사각형 71"/>
+            <p:cNvSpPr/>
+            <p:nvPr/>
+          </p:nvSpPr>
+          <p:spPr>
+            <a:xfrm>
+              <a:off x="395536" y="5776152"/>
+              <a:ext cx="1152128" cy="216024"/>
+            </a:xfrm>
+            <a:prstGeom prst="roundRect">
+              <a:avLst/>
+            </a:prstGeom>
+          </p:spPr>
+          <p:style>
+            <a:lnRef idx="2">
+              <a:schemeClr val="accent1"/>
+            </a:lnRef>
+            <a:fillRef idx="1">
+              <a:schemeClr val="lt1"/>
+            </a:fillRef>
+            <a:effectRef idx="0">
+              <a:schemeClr val="accent1"/>
+            </a:effectRef>
+            <a:fontRef idx="minor">
+              <a:schemeClr val="dk1"/>
+            </a:fontRef>
+          </p:style>
+          <p:txBody>
+            <a:bodyPr rtlCol="0" anchor="ctr"/>
+            <a:lstStyle/>
+            <a:p>
+              <a:pPr algn="ctr"/>
+              <a:r>
+                <a:rPr lang="en-US" altLang="ko-KR" sz="1200" dirty="0" smtClean="0"/>
+                <a:t>Job</a:t>
+              </a:r>
+              <a:endParaRPr lang="ko-KR" altLang="en-US" sz="1200" dirty="0"/>
+            </a:p>
+          </p:txBody>
+        </p:sp>
+        <p:pic>
+          <p:nvPicPr>
+            <p:cNvPr id="74" name="그림 73"/>
+            <p:cNvPicPr>
+              <a:picLocks noChangeAspect="1"/>
+            </p:cNvPicPr>
+            <p:nvPr/>
+          </p:nvPicPr>
+          <p:blipFill>
+            <a:blip r:embed="rId5" cstate="print">
+              <a:extLst>
+                <a:ext uri="{28A0092B-C50C-407E-A947-70E740481C1C}">
+                  <a14:useLocalDpi xmlns:a14="http://schemas.microsoft.com/office/drawing/2010/main" val="0"/>
+                </a:ext>
+              </a:extLst>
+            </a:blip>
+            <a:stretch>
+              <a:fillRect/>
+            </a:stretch>
+          </p:blipFill>
+          <p:spPr>
+            <a:xfrm>
+              <a:off x="1835696" y="6165304"/>
+              <a:ext cx="335052" cy="465350"/>
+            </a:xfrm>
+            <a:prstGeom prst="rect">
+              <a:avLst/>
+            </a:prstGeom>
+          </p:spPr>
+        </p:pic>
+        <p:pic>
+          <p:nvPicPr>
+            <p:cNvPr id="75" name="그림 74"/>
+            <p:cNvPicPr>
+              <a:picLocks noChangeAspect="1"/>
+            </p:cNvPicPr>
+            <p:nvPr/>
+          </p:nvPicPr>
+          <p:blipFill>
+            <a:blip r:embed="rId3" cstate="print">
+              <a:extLst>
+                <a:ext uri="{28A0092B-C50C-407E-A947-70E740481C1C}">
+                  <a14:useLocalDpi xmlns:a14="http://schemas.microsoft.com/office/drawing/2010/main" val="0"/>
+                </a:ext>
+              </a:extLst>
+            </a:blip>
+            <a:stretch>
+              <a:fillRect/>
+            </a:stretch>
+          </p:blipFill>
+          <p:spPr>
+            <a:xfrm>
+              <a:off x="1763688" y="5661248"/>
+              <a:ext cx="396478" cy="465350"/>
+            </a:xfrm>
+            <a:prstGeom prst="rect">
+              <a:avLst/>
+            </a:prstGeom>
+          </p:spPr>
+        </p:pic>
+        <p:sp>
+          <p:nvSpPr>
+            <p:cNvPr id="76" name="TextBox 75"/>
+            <p:cNvSpPr txBox="1"/>
+            <p:nvPr/>
+          </p:nvSpPr>
+          <p:spPr>
+            <a:xfrm>
+              <a:off x="2082920" y="6296912"/>
+              <a:ext cx="673454" cy="276999"/>
+            </a:xfrm>
+            <a:prstGeom prst="rect">
+              <a:avLst/>
+            </a:prstGeom>
+            <a:noFill/>
+          </p:spPr>
+          <p:txBody>
+            <a:bodyPr wrap="none" rtlCol="0">
+              <a:spAutoFit/>
+            </a:bodyPr>
+            <a:lstStyle/>
+            <a:p>
+              <a:r>
+                <a:rPr lang="en-US" altLang="ko-KR" sz="1200" dirty="0" smtClean="0"/>
+                <a:t>Locked</a:t>
+              </a:r>
+              <a:endParaRPr lang="ko-KR" altLang="en-US" sz="1200" dirty="0"/>
+            </a:p>
+          </p:txBody>
+        </p:sp>
+      </p:grpSp>
     </p:spTree>
     <p:extLst>
       <p:ext uri="{BB962C8B-B14F-4D97-AF65-F5344CB8AC3E}">
@@ -5020,69 +5472,27 @@
       </p:grpSpPr>
       <p:sp>
         <p:nvSpPr>
-          <p:cNvPr id="57" name="직사각형 56"/>
+          <p:cNvPr id="4" name="모서리가 둥근 직사각형 3"/>
           <p:cNvSpPr/>
           <p:nvPr/>
         </p:nvSpPr>
         <p:spPr>
           <a:xfrm>
-            <a:off x="251519" y="5380108"/>
-            <a:ext cx="2752031" cy="1361260"/>
-          </a:xfrm>
-          <a:prstGeom prst="rect">
+            <a:off x="251520" y="2096340"/>
+            <a:ext cx="2304256" cy="504056"/>
+          </a:xfrm>
+          <a:prstGeom prst="roundRect">
             <a:avLst/>
           </a:prstGeom>
         </p:spPr>
         <p:style>
           <a:lnRef idx="2">
-            <a:schemeClr val="dk1"/>
+            <a:schemeClr val="accent1"/>
           </a:lnRef>
           <a:fillRef idx="1">
             <a:schemeClr val="lt1"/>
           </a:fillRef>
           <a:effectRef idx="0">
-            <a:schemeClr val="dk1"/>
-          </a:effectRef>
-          <a:fontRef idx="minor">
-            <a:schemeClr val="dk1"/>
-          </a:fontRef>
-        </p:style>
-        <p:txBody>
-          <a:bodyPr rtlCol="0" anchor="t" anchorCtr="0"/>
-          <a:lstStyle/>
-          <a:p>
-            <a:pPr algn="ctr"/>
-            <a:r>
-              <a:rPr lang="en-US" altLang="ko-KR" sz="1200" b="1" dirty="0" smtClean="0"/>
-              <a:t>Legend</a:t>
-            </a:r>
-            <a:endParaRPr lang="ko-KR" altLang="en-US" sz="1200" b="1" dirty="0"/>
-          </a:p>
-        </p:txBody>
-      </p:sp>
-      <p:sp>
-        <p:nvSpPr>
-          <p:cNvPr id="4" name="모서리가 둥근 직사각형 3"/>
-          <p:cNvSpPr/>
-          <p:nvPr/>
-        </p:nvSpPr>
-        <p:spPr>
-          <a:xfrm>
-            <a:off x="251520" y="1808308"/>
-            <a:ext cx="2304256" cy="504056"/>
-          </a:xfrm>
-          <a:prstGeom prst="roundRect">
-            <a:avLst/>
-          </a:prstGeom>
-        </p:spPr>
-        <p:style>
-          <a:lnRef idx="2">
-            <a:schemeClr val="accent1"/>
-          </a:lnRef>
-          <a:fillRef idx="1">
-            <a:schemeClr val="lt1"/>
-          </a:fillRef>
-          <a:effectRef idx="0">
             <a:schemeClr val="accent1"/>
           </a:effectRef>
           <a:fontRef idx="minor">
@@ -5114,7 +5524,7 @@
         </p:nvSpPr>
         <p:spPr>
           <a:xfrm>
-            <a:off x="251520" y="1131636"/>
+            <a:off x="251520" y="1419668"/>
             <a:ext cx="2304256" cy="504056"/>
           </a:xfrm>
           <a:prstGeom prst="roundRect">
@@ -5165,7 +5575,7 @@
         </p:nvSpPr>
         <p:spPr>
           <a:xfrm>
-            <a:off x="1259632" y="693908"/>
+            <a:off x="1259632" y="981940"/>
             <a:ext cx="288032" cy="288032"/>
           </a:xfrm>
           <a:prstGeom prst="ellipse">
@@ -5203,7 +5613,7 @@
         </p:nvSpPr>
         <p:spPr>
           <a:xfrm>
-            <a:off x="1259632" y="3140968"/>
+            <a:off x="1259632" y="3429000"/>
             <a:ext cx="288032" cy="288032"/>
           </a:xfrm>
           <a:prstGeom prst="ellipse">
@@ -5242,7 +5652,7 @@
         </p:nvSpPr>
         <p:spPr>
           <a:xfrm>
-            <a:off x="251520" y="2499788"/>
+            <a:off x="251520" y="2787820"/>
             <a:ext cx="2304256" cy="504056"/>
           </a:xfrm>
           <a:prstGeom prst="roundRect">
@@ -5294,7 +5704,7 @@
         </p:nvCxnSpPr>
         <p:spPr>
           <a:xfrm>
-            <a:off x="1403648" y="1635692"/>
+            <a:off x="1403648" y="1923724"/>
             <a:ext cx="0" cy="172616"/>
           </a:xfrm>
           <a:prstGeom prst="straightConnector1">
@@ -5334,7 +5744,7 @@
         </p:nvCxnSpPr>
         <p:spPr>
           <a:xfrm>
-            <a:off x="1403648" y="2312364"/>
+            <a:off x="1403648" y="2600396"/>
             <a:ext cx="0" cy="187424"/>
           </a:xfrm>
           <a:prstGeom prst="straightConnector1">
@@ -5374,7 +5784,7 @@
         </p:nvCxnSpPr>
         <p:spPr>
           <a:xfrm>
-            <a:off x="1403648" y="981940"/>
+            <a:off x="1403648" y="1269972"/>
             <a:ext cx="0" cy="149696"/>
           </a:xfrm>
           <a:prstGeom prst="straightConnector1">
@@ -5414,7 +5824,7 @@
         </p:nvCxnSpPr>
         <p:spPr>
           <a:xfrm>
-            <a:off x="1403648" y="3003844"/>
+            <a:off x="1403648" y="3291876"/>
             <a:ext cx="0" cy="137124"/>
           </a:xfrm>
           <a:prstGeom prst="straightConnector1">
@@ -5451,7 +5861,7 @@
         </p:nvSpPr>
         <p:spPr>
           <a:xfrm>
-            <a:off x="3419872" y="3175248"/>
+            <a:off x="3419872" y="3463280"/>
             <a:ext cx="2304256" cy="504056"/>
           </a:xfrm>
           <a:prstGeom prst="roundRect">
@@ -5504,7 +5914,7 @@
         </p:nvSpPr>
         <p:spPr>
           <a:xfrm>
-            <a:off x="3419872" y="2498576"/>
+            <a:off x="3419872" y="2786608"/>
             <a:ext cx="2304256" cy="504056"/>
           </a:xfrm>
           <a:prstGeom prst="roundRect">
@@ -5553,7 +5963,7 @@
         </p:nvSpPr>
         <p:spPr>
           <a:xfrm>
-            <a:off x="4427984" y="2060848"/>
+            <a:off x="4427984" y="2348880"/>
             <a:ext cx="288032" cy="288032"/>
           </a:xfrm>
           <a:prstGeom prst="ellipse">
@@ -5591,7 +6001,7 @@
         </p:nvSpPr>
         <p:spPr>
           <a:xfrm>
-            <a:off x="4427984" y="4507908"/>
+            <a:off x="4427984" y="4795940"/>
             <a:ext cx="288032" cy="288032"/>
           </a:xfrm>
           <a:prstGeom prst="ellipse">
@@ -5630,7 +6040,7 @@
         </p:nvSpPr>
         <p:spPr>
           <a:xfrm>
-            <a:off x="3419872" y="3866728"/>
+            <a:off x="3419872" y="4154760"/>
             <a:ext cx="2304256" cy="504056"/>
           </a:xfrm>
           <a:prstGeom prst="roundRect">
@@ -5682,7 +6092,7 @@
         </p:nvCxnSpPr>
         <p:spPr>
           <a:xfrm>
-            <a:off x="4572000" y="3002632"/>
+            <a:off x="4572000" y="3290664"/>
             <a:ext cx="0" cy="172616"/>
           </a:xfrm>
           <a:prstGeom prst="straightConnector1">
@@ -5722,7 +6132,7 @@
         </p:nvCxnSpPr>
         <p:spPr>
           <a:xfrm>
-            <a:off x="4572000" y="3679304"/>
+            <a:off x="4572000" y="3967336"/>
             <a:ext cx="0" cy="187424"/>
           </a:xfrm>
           <a:prstGeom prst="straightConnector1">
@@ -5762,7 +6172,7 @@
         </p:nvCxnSpPr>
         <p:spPr>
           <a:xfrm>
-            <a:off x="4572000" y="2348880"/>
+            <a:off x="4572000" y="2636912"/>
             <a:ext cx="0" cy="149696"/>
           </a:xfrm>
           <a:prstGeom prst="straightConnector1">
@@ -5802,7 +6212,7 @@
         </p:nvCxnSpPr>
         <p:spPr>
           <a:xfrm>
-            <a:off x="4572000" y="4370784"/>
+            <a:off x="4572000" y="4658816"/>
             <a:ext cx="0" cy="137124"/>
           </a:xfrm>
           <a:prstGeom prst="straightConnector1">
@@ -5839,7 +6249,7 @@
         </p:nvSpPr>
         <p:spPr>
           <a:xfrm>
-            <a:off x="6588224" y="4544612"/>
+            <a:off x="6588224" y="4832644"/>
             <a:ext cx="2304256" cy="504056"/>
           </a:xfrm>
           <a:prstGeom prst="roundRect">
@@ -5885,7 +6295,7 @@
         </p:nvSpPr>
         <p:spPr>
           <a:xfrm>
-            <a:off x="6588224" y="3867940"/>
+            <a:off x="6588224" y="4155972"/>
             <a:ext cx="2304256" cy="504056"/>
           </a:xfrm>
           <a:prstGeom prst="roundRect">
@@ -5934,7 +6344,7 @@
         </p:nvSpPr>
         <p:spPr>
           <a:xfrm>
-            <a:off x="7596336" y="3430212"/>
+            <a:off x="7596336" y="3718244"/>
             <a:ext cx="288032" cy="288032"/>
           </a:xfrm>
           <a:prstGeom prst="ellipse">
@@ -5972,7 +6382,7 @@
         </p:nvSpPr>
         <p:spPr>
           <a:xfrm>
-            <a:off x="7596336" y="5877272"/>
+            <a:off x="7596336" y="6165304"/>
             <a:ext cx="288032" cy="288032"/>
           </a:xfrm>
           <a:prstGeom prst="ellipse">
@@ -6011,7 +6421,7 @@
         </p:nvSpPr>
         <p:spPr>
           <a:xfrm>
-            <a:off x="6588224" y="5236092"/>
+            <a:off x="6588224" y="5524124"/>
             <a:ext cx="2304256" cy="504056"/>
           </a:xfrm>
           <a:prstGeom prst="roundRect">
@@ -6063,7 +6473,7 @@
         </p:nvCxnSpPr>
         <p:spPr>
           <a:xfrm>
-            <a:off x="7740352" y="4371996"/>
+            <a:off x="7740352" y="4660028"/>
             <a:ext cx="0" cy="172616"/>
           </a:xfrm>
           <a:prstGeom prst="straightConnector1">
@@ -6103,7 +6513,7 @@
         </p:nvCxnSpPr>
         <p:spPr>
           <a:xfrm>
-            <a:off x="7740352" y="5048668"/>
+            <a:off x="7740352" y="5336700"/>
             <a:ext cx="0" cy="187424"/>
           </a:xfrm>
           <a:prstGeom prst="straightConnector1">
@@ -6143,7 +6553,7 @@
         </p:nvCxnSpPr>
         <p:spPr>
           <a:xfrm>
-            <a:off x="7740352" y="3718244"/>
+            <a:off x="7740352" y="4006276"/>
             <a:ext cx="0" cy="149696"/>
           </a:xfrm>
           <a:prstGeom prst="straightConnector1">
@@ -6183,7 +6593,7 @@
         </p:nvCxnSpPr>
         <p:spPr>
           <a:xfrm>
-            <a:off x="7740352" y="5740148"/>
+            <a:off x="7740352" y="6028180"/>
             <a:ext cx="0" cy="137124"/>
           </a:xfrm>
           <a:prstGeom prst="straightConnector1">
@@ -6220,7 +6630,7 @@
         </p:nvSpPr>
         <p:spPr>
           <a:xfrm>
-            <a:off x="2627784" y="1244516"/>
+            <a:off x="2627784" y="1532548"/>
             <a:ext cx="809286" cy="313488"/>
           </a:xfrm>
           <a:prstGeom prst="rightArrow">
@@ -6260,7 +6670,7 @@
         </p:nvSpPr>
         <p:spPr>
           <a:xfrm>
-            <a:off x="5836692" y="2564904"/>
+            <a:off x="5836692" y="2852936"/>
             <a:ext cx="751532" cy="313488"/>
           </a:xfrm>
           <a:prstGeom prst="rightArrow">
@@ -6300,7 +6710,7 @@
         </p:nvSpPr>
         <p:spPr>
           <a:xfrm rot="5400000">
-            <a:off x="3453850" y="1915466"/>
+            <a:off x="3453850" y="2203498"/>
             <a:ext cx="796140" cy="313488"/>
           </a:xfrm>
           <a:prstGeom prst="rightArrow">
@@ -6340,7 +6750,7 @@
         </p:nvSpPr>
         <p:spPr>
           <a:xfrm rot="5400000">
-            <a:off x="6559612" y="3275096"/>
+            <a:off x="6559612" y="3563128"/>
             <a:ext cx="858416" cy="313488"/>
           </a:xfrm>
           <a:prstGeom prst="rightArrow">
@@ -6394,7 +6804,7 @@
         </p:blipFill>
         <p:spPr>
           <a:xfrm>
-            <a:off x="2780420" y="1168585"/>
+            <a:off x="2780420" y="1456617"/>
             <a:ext cx="396478" cy="465350"/>
           </a:xfrm>
           <a:prstGeom prst="rect">
@@ -6424,7 +6834,7 @@
         </p:blipFill>
         <p:spPr>
           <a:xfrm>
-            <a:off x="3437070" y="1031770"/>
+            <a:off x="3437070" y="1319802"/>
             <a:ext cx="777788" cy="777788"/>
           </a:xfrm>
           <a:prstGeom prst="rect">
@@ -6454,7 +6864,7 @@
         </p:blipFill>
         <p:spPr>
           <a:xfrm>
-            <a:off x="6599926" y="2332754"/>
+            <a:off x="6599926" y="2620786"/>
             <a:ext cx="777788" cy="777788"/>
           </a:xfrm>
           <a:prstGeom prst="rect">
@@ -6484,7 +6894,7 @@
         </p:blipFill>
         <p:spPr>
           <a:xfrm>
-            <a:off x="5903714" y="2492896"/>
+            <a:off x="5903714" y="2780928"/>
             <a:ext cx="396478" cy="465350"/>
           </a:xfrm>
           <a:prstGeom prst="rect">
@@ -6514,7 +6924,7 @@
         </p:blipFill>
         <p:spPr>
           <a:xfrm>
-            <a:off x="6767810" y="3035658"/>
+            <a:off x="6767810" y="3323690"/>
             <a:ext cx="396478" cy="465350"/>
           </a:xfrm>
           <a:prstGeom prst="rect">
@@ -6530,7 +6940,7 @@
         </p:nvSpPr>
         <p:spPr>
           <a:xfrm>
-            <a:off x="4139952" y="1167135"/>
+            <a:off x="4139952" y="1455167"/>
             <a:ext cx="1754006" cy="461665"/>
           </a:xfrm>
           <a:prstGeom prst="rect">
@@ -6566,7 +6976,7 @@
         </p:nvSpPr>
         <p:spPr>
           <a:xfrm>
-            <a:off x="7308304" y="2492896"/>
+            <a:off x="7308304" y="2780928"/>
             <a:ext cx="1835696" cy="461665"/>
           </a:xfrm>
           <a:prstGeom prst="rect">
@@ -6590,14 +7000,14 @@
       </p:sp>
       <p:sp>
         <p:nvSpPr>
-          <p:cNvPr id="65" name="TextBox 64"/>
+          <p:cNvPr id="56" name="TextBox 55"/>
           <p:cNvSpPr txBox="1"/>
           <p:nvPr/>
         </p:nvSpPr>
         <p:spPr>
           <a:xfrm>
-            <a:off x="2080459" y="5733256"/>
-            <a:ext cx="835357" cy="276999"/>
+            <a:off x="251520" y="179348"/>
+            <a:ext cx="5137625" cy="369332"/>
           </a:xfrm>
           <a:prstGeom prst="rect">
             <a:avLst/>
@@ -6611,36 +7021,6 @@
           <a:lstStyle/>
           <a:p>
             <a:r>
-              <a:rPr lang="en-US" altLang="ko-KR" sz="1200" dirty="0" smtClean="0"/>
-              <a:t>Unlocked</a:t>
-            </a:r>
-            <a:endParaRPr lang="ko-KR" altLang="en-US" sz="1200" dirty="0"/>
-          </a:p>
-        </p:txBody>
-      </p:sp>
-      <p:sp>
-        <p:nvSpPr>
-          <p:cNvPr id="56" name="TextBox 55"/>
-          <p:cNvSpPr txBox="1"/>
-          <p:nvPr/>
-        </p:nvSpPr>
-        <p:spPr>
-          <a:xfrm>
-            <a:off x="251520" y="179348"/>
-            <a:ext cx="5137625" cy="369332"/>
-          </a:xfrm>
-          <a:prstGeom prst="rect">
-            <a:avLst/>
-          </a:prstGeom>
-          <a:noFill/>
-        </p:spPr>
-        <p:txBody>
-          <a:bodyPr wrap="none" rtlCol="0">
-            <a:spAutoFit/>
-          </a:bodyPr>
-          <a:lstStyle/>
-          <a:p>
-            <a:r>
               <a:rPr lang="en-US" altLang="ko-KR" dirty="0" smtClean="0"/>
               <a:t>Status: Prepare artifact for Development Server</a:t>
             </a:r>
@@ -6648,20 +7028,339 @@
           </a:p>
         </p:txBody>
       </p:sp>
-      <p:sp>
-        <p:nvSpPr>
-          <p:cNvPr id="70" name="모서리가 둥근 직사각형 69"/>
+      <p:grpSp>
+        <p:nvGrpSpPr>
+          <p:cNvPr id="3" name="그룹 2"/>
+          <p:cNvGrpSpPr/>
+          <p:nvPr/>
+        </p:nvGrpSpPr>
+        <p:grpSpPr>
+          <a:xfrm>
+            <a:off x="251519" y="5380108"/>
+            <a:ext cx="2752031" cy="1361260"/>
+            <a:chOff x="251519" y="5380108"/>
+            <a:chExt cx="2752031" cy="1361260"/>
+          </a:xfrm>
+        </p:grpSpPr>
+        <p:sp>
+          <p:nvSpPr>
+            <p:cNvPr id="57" name="직사각형 56"/>
+            <p:cNvSpPr/>
+            <p:nvPr/>
+          </p:nvSpPr>
+          <p:spPr>
+            <a:xfrm>
+              <a:off x="251519" y="5380108"/>
+              <a:ext cx="2752031" cy="1361260"/>
+            </a:xfrm>
+            <a:prstGeom prst="rect">
+              <a:avLst/>
+            </a:prstGeom>
+          </p:spPr>
+          <p:style>
+            <a:lnRef idx="2">
+              <a:schemeClr val="dk1"/>
+            </a:lnRef>
+            <a:fillRef idx="1">
+              <a:schemeClr val="lt1"/>
+            </a:fillRef>
+            <a:effectRef idx="0">
+              <a:schemeClr val="dk1"/>
+            </a:effectRef>
+            <a:fontRef idx="minor">
+              <a:schemeClr val="dk1"/>
+            </a:fontRef>
+          </p:style>
+          <p:txBody>
+            <a:bodyPr rtlCol="0" anchor="t" anchorCtr="0"/>
+            <a:lstStyle/>
+            <a:p>
+              <a:pPr algn="ctr"/>
+              <a:r>
+                <a:rPr lang="en-US" altLang="ko-KR" sz="1200" b="1" dirty="0" smtClean="0"/>
+                <a:t>Legend</a:t>
+              </a:r>
+              <a:endParaRPr lang="ko-KR" altLang="en-US" sz="1200" b="1" dirty="0"/>
+            </a:p>
+          </p:txBody>
+        </p:sp>
+        <p:sp>
+          <p:nvSpPr>
+            <p:cNvPr id="65" name="TextBox 64"/>
+            <p:cNvSpPr txBox="1"/>
+            <p:nvPr/>
+          </p:nvSpPr>
+          <p:spPr>
+            <a:xfrm>
+              <a:off x="2080459" y="5733256"/>
+              <a:ext cx="835357" cy="276999"/>
+            </a:xfrm>
+            <a:prstGeom prst="rect">
+              <a:avLst/>
+            </a:prstGeom>
+            <a:noFill/>
+          </p:spPr>
+          <p:txBody>
+            <a:bodyPr wrap="none" rtlCol="0">
+              <a:spAutoFit/>
+            </a:bodyPr>
+            <a:lstStyle/>
+            <a:p>
+              <a:r>
+                <a:rPr lang="en-US" altLang="ko-KR" sz="1200" dirty="0" smtClean="0"/>
+                <a:t>Unlocked</a:t>
+              </a:r>
+              <a:endParaRPr lang="ko-KR" altLang="en-US" sz="1200" dirty="0"/>
+            </a:p>
+          </p:txBody>
+        </p:sp>
+        <p:sp>
+          <p:nvSpPr>
+            <p:cNvPr id="70" name="모서리가 둥근 직사각형 69"/>
+            <p:cNvSpPr/>
+            <p:nvPr/>
+          </p:nvSpPr>
+          <p:spPr>
+            <a:xfrm>
+              <a:off x="395536" y="6079768"/>
+              <a:ext cx="1152128" cy="216024"/>
+            </a:xfrm>
+            <a:prstGeom prst="roundRect">
+              <a:avLst/>
+            </a:prstGeom>
+          </p:spPr>
+          <p:style>
+            <a:lnRef idx="2">
+              <a:schemeClr val="accent1">
+                <a:shade val="50000"/>
+              </a:schemeClr>
+            </a:lnRef>
+            <a:fillRef idx="1">
+              <a:schemeClr val="accent1"/>
+            </a:fillRef>
+            <a:effectRef idx="0">
+              <a:schemeClr val="accent1"/>
+            </a:effectRef>
+            <a:fontRef idx="minor">
+              <a:schemeClr val="lt1"/>
+            </a:fontRef>
+          </p:style>
+          <p:txBody>
+            <a:bodyPr rtlCol="0" anchor="ctr"/>
+            <a:lstStyle/>
+            <a:p>
+              <a:pPr algn="ctr"/>
+              <a:r>
+                <a:rPr lang="en-US" altLang="ko-KR" sz="1200" dirty="0"/>
+                <a:t>A</a:t>
+              </a:r>
+              <a:r>
+                <a:rPr lang="en-US" altLang="ko-KR" sz="1200" dirty="0" smtClean="0"/>
+                <a:t>ctive job</a:t>
+              </a:r>
+              <a:endParaRPr lang="ko-KR" altLang="en-US" sz="1200" dirty="0"/>
+            </a:p>
+          </p:txBody>
+        </p:sp>
+        <p:sp>
+          <p:nvSpPr>
+            <p:cNvPr id="71" name="모서리가 둥근 직사각형 70"/>
+            <p:cNvSpPr/>
+            <p:nvPr/>
+          </p:nvSpPr>
+          <p:spPr>
+            <a:xfrm>
+              <a:off x="395536" y="6367800"/>
+              <a:ext cx="1152128" cy="216024"/>
+            </a:xfrm>
+            <a:prstGeom prst="roundRect">
+              <a:avLst/>
+            </a:prstGeom>
+          </p:spPr>
+          <p:style>
+            <a:lnRef idx="2">
+              <a:schemeClr val="accent2">
+                <a:shade val="50000"/>
+              </a:schemeClr>
+            </a:lnRef>
+            <a:fillRef idx="1">
+              <a:schemeClr val="accent2"/>
+            </a:fillRef>
+            <a:effectRef idx="0">
+              <a:schemeClr val="accent2"/>
+            </a:effectRef>
+            <a:fontRef idx="minor">
+              <a:schemeClr val="lt1"/>
+            </a:fontRef>
+          </p:style>
+          <p:txBody>
+            <a:bodyPr rtlCol="0" anchor="ctr"/>
+            <a:lstStyle/>
+            <a:p>
+              <a:pPr algn="ctr"/>
+              <a:r>
+                <a:rPr lang="en-US" altLang="ko-KR" sz="1200" dirty="0" smtClean="0"/>
+                <a:t>Pending job</a:t>
+              </a:r>
+              <a:endParaRPr lang="ko-KR" altLang="en-US" sz="1200" dirty="0"/>
+            </a:p>
+          </p:txBody>
+        </p:sp>
+        <p:sp>
+          <p:nvSpPr>
+            <p:cNvPr id="72" name="모서리가 둥근 직사각형 71"/>
+            <p:cNvSpPr/>
+            <p:nvPr/>
+          </p:nvSpPr>
+          <p:spPr>
+            <a:xfrm>
+              <a:off x="395536" y="5776152"/>
+              <a:ext cx="1152128" cy="216024"/>
+            </a:xfrm>
+            <a:prstGeom prst="roundRect">
+              <a:avLst/>
+            </a:prstGeom>
+          </p:spPr>
+          <p:style>
+            <a:lnRef idx="2">
+              <a:schemeClr val="accent1"/>
+            </a:lnRef>
+            <a:fillRef idx="1">
+              <a:schemeClr val="lt1"/>
+            </a:fillRef>
+            <a:effectRef idx="0">
+              <a:schemeClr val="accent1"/>
+            </a:effectRef>
+            <a:fontRef idx="minor">
+              <a:schemeClr val="dk1"/>
+            </a:fontRef>
+          </p:style>
+          <p:txBody>
+            <a:bodyPr rtlCol="0" anchor="ctr"/>
+            <a:lstStyle/>
+            <a:p>
+              <a:pPr algn="ctr"/>
+              <a:r>
+                <a:rPr lang="en-US" altLang="ko-KR" sz="1200" dirty="0" smtClean="0"/>
+                <a:t>Job</a:t>
+              </a:r>
+              <a:endParaRPr lang="ko-KR" altLang="en-US" sz="1200" dirty="0"/>
+            </a:p>
+          </p:txBody>
+        </p:sp>
+        <p:pic>
+          <p:nvPicPr>
+            <p:cNvPr id="74" name="그림 73"/>
+            <p:cNvPicPr>
+              <a:picLocks noChangeAspect="1"/>
+            </p:cNvPicPr>
+            <p:nvPr/>
+          </p:nvPicPr>
+          <p:blipFill>
+            <a:blip r:embed="rId4" cstate="print">
+              <a:extLst>
+                <a:ext uri="{28A0092B-C50C-407E-A947-70E740481C1C}">
+                  <a14:useLocalDpi xmlns:a14="http://schemas.microsoft.com/office/drawing/2010/main" val="0"/>
+                </a:ext>
+              </a:extLst>
+            </a:blip>
+            <a:stretch>
+              <a:fillRect/>
+            </a:stretch>
+          </p:blipFill>
+          <p:spPr>
+            <a:xfrm>
+              <a:off x="1835696" y="6165304"/>
+              <a:ext cx="335052" cy="465350"/>
+            </a:xfrm>
+            <a:prstGeom prst="rect">
+              <a:avLst/>
+            </a:prstGeom>
+          </p:spPr>
+        </p:pic>
+        <p:pic>
+          <p:nvPicPr>
+            <p:cNvPr id="75" name="그림 74"/>
+            <p:cNvPicPr>
+              <a:picLocks noChangeAspect="1"/>
+            </p:cNvPicPr>
+            <p:nvPr/>
+          </p:nvPicPr>
+          <p:blipFill>
+            <a:blip r:embed="rId2" cstate="print">
+              <a:extLst>
+                <a:ext uri="{28A0092B-C50C-407E-A947-70E740481C1C}">
+                  <a14:useLocalDpi xmlns:a14="http://schemas.microsoft.com/office/drawing/2010/main" val="0"/>
+                </a:ext>
+              </a:extLst>
+            </a:blip>
+            <a:stretch>
+              <a:fillRect/>
+            </a:stretch>
+          </p:blipFill>
+          <p:spPr>
+            <a:xfrm>
+              <a:off x="1763688" y="5661248"/>
+              <a:ext cx="396478" cy="465350"/>
+            </a:xfrm>
+            <a:prstGeom prst="rect">
+              <a:avLst/>
+            </a:prstGeom>
+          </p:spPr>
+        </p:pic>
+        <p:sp>
+          <p:nvSpPr>
+            <p:cNvPr id="76" name="TextBox 75"/>
+            <p:cNvSpPr txBox="1"/>
+            <p:nvPr/>
+          </p:nvSpPr>
+          <p:spPr>
+            <a:xfrm>
+              <a:off x="2082920" y="6296912"/>
+              <a:ext cx="673454" cy="276999"/>
+            </a:xfrm>
+            <a:prstGeom prst="rect">
+              <a:avLst/>
+            </a:prstGeom>
+            <a:noFill/>
+          </p:spPr>
+          <p:txBody>
+            <a:bodyPr wrap="none" rtlCol="0">
+              <a:spAutoFit/>
+            </a:bodyPr>
+            <a:lstStyle/>
+            <a:p>
+              <a:r>
+                <a:rPr lang="en-US" altLang="ko-KR" sz="1200" dirty="0" smtClean="0"/>
+                <a:t>Locked</a:t>
+              </a:r>
+              <a:endParaRPr lang="ko-KR" altLang="en-US" sz="1200" dirty="0"/>
+            </a:p>
+          </p:txBody>
+        </p:sp>
+      </p:grpSp>
+      <p:sp>
+        <p:nvSpPr>
+          <p:cNvPr id="2" name="폭발 2 1"/>
           <p:cNvSpPr/>
           <p:nvPr/>
         </p:nvSpPr>
         <p:spPr>
           <a:xfrm>
-            <a:off x="395536" y="6079768"/>
-            <a:ext cx="1152128" cy="216024"/>
-          </a:xfrm>
-          <a:prstGeom prst="roundRect">
-            <a:avLst/>
-          </a:prstGeom>
+            <a:off x="3467730" y="2000639"/>
+            <a:ext cx="792088" cy="666562"/>
+          </a:xfrm>
+          <a:prstGeom prst="irregularSeal2">
+            <a:avLst/>
+          </a:prstGeom>
+          <a:solidFill>
+            <a:srgbClr val="FFFF00"/>
+          </a:solidFill>
+          <a:ln>
+            <a:solidFill>
+              <a:srgbClr val="FFC000"/>
+            </a:solidFill>
+          </a:ln>
         </p:spPr>
         <p:style>
           <a:lnRef idx="2">
@@ -6684,107 +7383,13 @@
           <a:lstStyle/>
           <a:p>
             <a:pPr algn="ctr"/>
-            <a:r>
-              <a:rPr lang="en-US" altLang="ko-KR" sz="1200" dirty="0"/>
-              <a:t>A</a:t>
-            </a:r>
-            <a:r>
-              <a:rPr lang="en-US" altLang="ko-KR" sz="1200" dirty="0" smtClean="0"/>
-              <a:t>ctive job</a:t>
-            </a:r>
-            <a:endParaRPr lang="ko-KR" altLang="en-US" sz="1200" dirty="0"/>
-          </a:p>
-        </p:txBody>
-      </p:sp>
-      <p:sp>
-        <p:nvSpPr>
-          <p:cNvPr id="71" name="모서리가 둥근 직사각형 70"/>
-          <p:cNvSpPr/>
-          <p:nvPr/>
-        </p:nvSpPr>
-        <p:spPr>
-          <a:xfrm>
-            <a:off x="395536" y="6367800"/>
-            <a:ext cx="1152128" cy="216024"/>
-          </a:xfrm>
-          <a:prstGeom prst="roundRect">
-            <a:avLst/>
-          </a:prstGeom>
-        </p:spPr>
-        <p:style>
-          <a:lnRef idx="2">
-            <a:schemeClr val="accent2">
-              <a:shade val="50000"/>
-            </a:schemeClr>
-          </a:lnRef>
-          <a:fillRef idx="1">
-            <a:schemeClr val="accent2"/>
-          </a:fillRef>
-          <a:effectRef idx="0">
-            <a:schemeClr val="accent2"/>
-          </a:effectRef>
-          <a:fontRef idx="minor">
-            <a:schemeClr val="lt1"/>
-          </a:fontRef>
-        </p:style>
-        <p:txBody>
-          <a:bodyPr rtlCol="0" anchor="ctr"/>
-          <a:lstStyle/>
-          <a:p>
-            <a:pPr algn="ctr"/>
-            <a:r>
-              <a:rPr lang="en-US" altLang="ko-KR" sz="1200" dirty="0" smtClean="0"/>
-              <a:t>Pending job</a:t>
-            </a:r>
-            <a:endParaRPr lang="ko-KR" altLang="en-US" sz="1200" dirty="0"/>
-          </a:p>
-        </p:txBody>
-      </p:sp>
-      <p:sp>
-        <p:nvSpPr>
-          <p:cNvPr id="72" name="모서리가 둥근 직사각형 71"/>
-          <p:cNvSpPr/>
-          <p:nvPr/>
-        </p:nvSpPr>
-        <p:spPr>
-          <a:xfrm>
-            <a:off x="395536" y="5776152"/>
-            <a:ext cx="1152128" cy="216024"/>
-          </a:xfrm>
-          <a:prstGeom prst="roundRect">
-            <a:avLst/>
-          </a:prstGeom>
-        </p:spPr>
-        <p:style>
-          <a:lnRef idx="2">
-            <a:schemeClr val="accent1"/>
-          </a:lnRef>
-          <a:fillRef idx="1">
-            <a:schemeClr val="lt1"/>
-          </a:fillRef>
-          <a:effectRef idx="0">
-            <a:schemeClr val="accent1"/>
-          </a:effectRef>
-          <a:fontRef idx="minor">
-            <a:schemeClr val="dk1"/>
-          </a:fontRef>
-        </p:style>
-        <p:txBody>
-          <a:bodyPr rtlCol="0" anchor="ctr"/>
-          <a:lstStyle/>
-          <a:p>
-            <a:pPr algn="ctr"/>
-            <a:r>
-              <a:rPr lang="en-US" altLang="ko-KR" sz="1200" dirty="0" smtClean="0"/>
-              <a:t>Job</a:t>
-            </a:r>
-            <a:endParaRPr lang="ko-KR" altLang="en-US" sz="1200" dirty="0"/>
+            <a:endParaRPr lang="ko-KR" altLang="en-US"/>
           </a:p>
         </p:txBody>
       </p:sp>
       <p:pic>
         <p:nvPicPr>
-          <p:cNvPr id="74" name="그림 73"/>
+          <p:cNvPr id="52" name="그림 51"/>
           <p:cNvPicPr>
             <a:picLocks noChangeAspect="1"/>
           </p:cNvPicPr>
@@ -6804,145 +7409,7 @@
         </p:blipFill>
         <p:spPr>
           <a:xfrm>
-            <a:off x="1835696" y="6165304"/>
-            <a:ext cx="335052" cy="465350"/>
-          </a:xfrm>
-          <a:prstGeom prst="rect">
-            <a:avLst/>
-          </a:prstGeom>
-        </p:spPr>
-      </p:pic>
-      <p:pic>
-        <p:nvPicPr>
-          <p:cNvPr id="75" name="그림 74"/>
-          <p:cNvPicPr>
-            <a:picLocks noChangeAspect="1"/>
-          </p:cNvPicPr>
-          <p:nvPr/>
-        </p:nvPicPr>
-        <p:blipFill>
-          <a:blip r:embed="rId2" cstate="print">
-            <a:extLst>
-              <a:ext uri="{28A0092B-C50C-407E-A947-70E740481C1C}">
-                <a14:useLocalDpi xmlns:a14="http://schemas.microsoft.com/office/drawing/2010/main" val="0"/>
-              </a:ext>
-            </a:extLst>
-          </a:blip>
-          <a:stretch>
-            <a:fillRect/>
-          </a:stretch>
-        </p:blipFill>
-        <p:spPr>
-          <a:xfrm>
-            <a:off x="1763688" y="5661248"/>
-            <a:ext cx="396478" cy="465350"/>
-          </a:xfrm>
-          <a:prstGeom prst="rect">
-            <a:avLst/>
-          </a:prstGeom>
-        </p:spPr>
-      </p:pic>
-      <p:sp>
-        <p:nvSpPr>
-          <p:cNvPr id="76" name="TextBox 75"/>
-          <p:cNvSpPr txBox="1"/>
-          <p:nvPr/>
-        </p:nvSpPr>
-        <p:spPr>
-          <a:xfrm>
-            <a:off x="2082920" y="6296912"/>
-            <a:ext cx="673454" cy="276999"/>
-          </a:xfrm>
-          <a:prstGeom prst="rect">
-            <a:avLst/>
-          </a:prstGeom>
-          <a:noFill/>
-        </p:spPr>
-        <p:txBody>
-          <a:bodyPr wrap="none" rtlCol="0">
-            <a:spAutoFit/>
-          </a:bodyPr>
-          <a:lstStyle/>
-          <a:p>
-            <a:r>
-              <a:rPr lang="en-US" altLang="ko-KR" sz="1200" dirty="0" smtClean="0"/>
-              <a:t>Locked</a:t>
-            </a:r>
-            <a:endParaRPr lang="ko-KR" altLang="en-US" sz="1200" dirty="0"/>
-          </a:p>
-        </p:txBody>
-      </p:sp>
-      <p:sp>
-        <p:nvSpPr>
-          <p:cNvPr id="2" name="폭발 2 1"/>
-          <p:cNvSpPr/>
-          <p:nvPr/>
-        </p:nvSpPr>
-        <p:spPr>
-          <a:xfrm>
-            <a:off x="3467730" y="1712607"/>
-            <a:ext cx="792088" cy="666562"/>
-          </a:xfrm>
-          <a:prstGeom prst="irregularSeal2">
-            <a:avLst/>
-          </a:prstGeom>
-          <a:solidFill>
-            <a:srgbClr val="FFFF00"/>
-          </a:solidFill>
-          <a:ln>
-            <a:solidFill>
-              <a:srgbClr val="FFC000"/>
-            </a:solidFill>
-          </a:ln>
-        </p:spPr>
-        <p:style>
-          <a:lnRef idx="2">
-            <a:schemeClr val="accent1">
-              <a:shade val="50000"/>
-            </a:schemeClr>
-          </a:lnRef>
-          <a:fillRef idx="1">
-            <a:schemeClr val="accent1"/>
-          </a:fillRef>
-          <a:effectRef idx="0">
-            <a:schemeClr val="accent1"/>
-          </a:effectRef>
-          <a:fontRef idx="minor">
-            <a:schemeClr val="lt1"/>
-          </a:fontRef>
-        </p:style>
-        <p:txBody>
-          <a:bodyPr rtlCol="0" anchor="ctr"/>
-          <a:lstStyle/>
-          <a:p>
-            <a:pPr algn="ctr"/>
-            <a:endParaRPr lang="ko-KR" altLang="en-US"/>
-          </a:p>
-        </p:txBody>
-      </p:sp>
-      <p:pic>
-        <p:nvPicPr>
-          <p:cNvPr id="52" name="그림 51"/>
-          <p:cNvPicPr>
-            <a:picLocks noChangeAspect="1"/>
-          </p:cNvPicPr>
-          <p:nvPr/>
-        </p:nvPicPr>
-        <p:blipFill>
-          <a:blip r:embed="rId4" cstate="print">
-            <a:extLst>
-              <a:ext uri="{28A0092B-C50C-407E-A947-70E740481C1C}">
-                <a14:useLocalDpi xmlns:a14="http://schemas.microsoft.com/office/drawing/2010/main" val="0"/>
-              </a:ext>
-            </a:extLst>
-          </a:blip>
-          <a:stretch>
-            <a:fillRect/>
-          </a:stretch>
-        </p:blipFill>
-        <p:spPr>
-          <a:xfrm>
-            <a:off x="3660884" y="1739514"/>
+            <a:off x="3660884" y="2027546"/>
             <a:ext cx="335052" cy="465350"/>
           </a:xfrm>
           <a:prstGeom prst="rect">
@@ -6982,69 +7449,27 @@
       </p:grpSpPr>
       <p:sp>
         <p:nvSpPr>
-          <p:cNvPr id="57" name="직사각형 56"/>
+          <p:cNvPr id="4" name="모서리가 둥근 직사각형 3"/>
           <p:cNvSpPr/>
           <p:nvPr/>
         </p:nvSpPr>
         <p:spPr>
           <a:xfrm>
-            <a:off x="251519" y="5380108"/>
-            <a:ext cx="2752031" cy="1361260"/>
-          </a:xfrm>
-          <a:prstGeom prst="rect">
+            <a:off x="251520" y="2096340"/>
+            <a:ext cx="2304256" cy="504056"/>
+          </a:xfrm>
+          <a:prstGeom prst="roundRect">
             <a:avLst/>
           </a:prstGeom>
         </p:spPr>
         <p:style>
           <a:lnRef idx="2">
-            <a:schemeClr val="dk1"/>
+            <a:schemeClr val="accent1"/>
           </a:lnRef>
           <a:fillRef idx="1">
             <a:schemeClr val="lt1"/>
           </a:fillRef>
           <a:effectRef idx="0">
-            <a:schemeClr val="dk1"/>
-          </a:effectRef>
-          <a:fontRef idx="minor">
-            <a:schemeClr val="dk1"/>
-          </a:fontRef>
-        </p:style>
-        <p:txBody>
-          <a:bodyPr rtlCol="0" anchor="t" anchorCtr="0"/>
-          <a:lstStyle/>
-          <a:p>
-            <a:pPr algn="ctr"/>
-            <a:r>
-              <a:rPr lang="en-US" altLang="ko-KR" sz="1200" b="1" dirty="0" smtClean="0"/>
-              <a:t>Legend</a:t>
-            </a:r>
-            <a:endParaRPr lang="ko-KR" altLang="en-US" sz="1200" b="1" dirty="0"/>
-          </a:p>
-        </p:txBody>
-      </p:sp>
-      <p:sp>
-        <p:nvSpPr>
-          <p:cNvPr id="4" name="모서리가 둥근 직사각형 3"/>
-          <p:cNvSpPr/>
-          <p:nvPr/>
-        </p:nvSpPr>
-        <p:spPr>
-          <a:xfrm>
-            <a:off x="251520" y="1808308"/>
-            <a:ext cx="2304256" cy="504056"/>
-          </a:xfrm>
-          <a:prstGeom prst="roundRect">
-            <a:avLst/>
-          </a:prstGeom>
-        </p:spPr>
-        <p:style>
-          <a:lnRef idx="2">
-            <a:schemeClr val="accent1"/>
-          </a:lnRef>
-          <a:fillRef idx="1">
-            <a:schemeClr val="lt1"/>
-          </a:fillRef>
-          <a:effectRef idx="0">
             <a:schemeClr val="accent1"/>
           </a:effectRef>
           <a:fontRef idx="minor">
@@ -7076,7 +7501,7 @@
         </p:nvSpPr>
         <p:spPr>
           <a:xfrm>
-            <a:off x="251520" y="1131636"/>
+            <a:off x="251520" y="1419668"/>
             <a:ext cx="2304256" cy="504056"/>
           </a:xfrm>
           <a:prstGeom prst="roundRect">
@@ -7127,7 +7552,7 @@
         </p:nvSpPr>
         <p:spPr>
           <a:xfrm>
-            <a:off x="1259632" y="693908"/>
+            <a:off x="1259632" y="981940"/>
             <a:ext cx="288032" cy="288032"/>
           </a:xfrm>
           <a:prstGeom prst="ellipse">
@@ -7165,7 +7590,7 @@
         </p:nvSpPr>
         <p:spPr>
           <a:xfrm>
-            <a:off x="1259632" y="3140968"/>
+            <a:off x="1259632" y="3429000"/>
             <a:ext cx="288032" cy="288032"/>
           </a:xfrm>
           <a:prstGeom prst="ellipse">
@@ -7204,7 +7629,7 @@
         </p:nvSpPr>
         <p:spPr>
           <a:xfrm>
-            <a:off x="251520" y="2499788"/>
+            <a:off x="251520" y="2787820"/>
             <a:ext cx="2304256" cy="504056"/>
           </a:xfrm>
           <a:prstGeom prst="roundRect">
@@ -7256,7 +7681,7 @@
         </p:nvCxnSpPr>
         <p:spPr>
           <a:xfrm>
-            <a:off x="1403648" y="1635692"/>
+            <a:off x="1403648" y="1923724"/>
             <a:ext cx="0" cy="172616"/>
           </a:xfrm>
           <a:prstGeom prst="straightConnector1">
@@ -7296,7 +7721,7 @@
         </p:nvCxnSpPr>
         <p:spPr>
           <a:xfrm>
-            <a:off x="1403648" y="2312364"/>
+            <a:off x="1403648" y="2600396"/>
             <a:ext cx="0" cy="187424"/>
           </a:xfrm>
           <a:prstGeom prst="straightConnector1">
@@ -7336,7 +7761,7 @@
         </p:nvCxnSpPr>
         <p:spPr>
           <a:xfrm>
-            <a:off x="1403648" y="981940"/>
+            <a:off x="1403648" y="1269972"/>
             <a:ext cx="0" cy="149696"/>
           </a:xfrm>
           <a:prstGeom prst="straightConnector1">
@@ -7376,7 +7801,7 @@
         </p:nvCxnSpPr>
         <p:spPr>
           <a:xfrm>
-            <a:off x="1403648" y="3003844"/>
+            <a:off x="1403648" y="3291876"/>
             <a:ext cx="0" cy="137124"/>
           </a:xfrm>
           <a:prstGeom prst="straightConnector1">
@@ -7413,7 +7838,7 @@
         </p:nvSpPr>
         <p:spPr>
           <a:xfrm>
-            <a:off x="3419872" y="3175248"/>
+            <a:off x="3419872" y="3463280"/>
             <a:ext cx="2304256" cy="504056"/>
           </a:xfrm>
           <a:prstGeom prst="roundRect">
@@ -7466,7 +7891,7 @@
         </p:nvSpPr>
         <p:spPr>
           <a:xfrm>
-            <a:off x="3419872" y="2498576"/>
+            <a:off x="3419872" y="2786608"/>
             <a:ext cx="2304256" cy="504056"/>
           </a:xfrm>
           <a:prstGeom prst="roundRect">
@@ -7517,7 +7942,7 @@
         </p:nvSpPr>
         <p:spPr>
           <a:xfrm>
-            <a:off x="4427984" y="2060848"/>
+            <a:off x="4427984" y="2348880"/>
             <a:ext cx="288032" cy="288032"/>
           </a:xfrm>
           <a:prstGeom prst="ellipse">
@@ -7555,7 +7980,7 @@
         </p:nvSpPr>
         <p:spPr>
           <a:xfrm>
-            <a:off x="4427984" y="4507908"/>
+            <a:off x="4427984" y="4795940"/>
             <a:ext cx="288032" cy="288032"/>
           </a:xfrm>
           <a:prstGeom prst="ellipse">
@@ -7594,7 +8019,7 @@
         </p:nvSpPr>
         <p:spPr>
           <a:xfrm>
-            <a:off x="3419872" y="3866728"/>
+            <a:off x="3419872" y="4154760"/>
             <a:ext cx="2304256" cy="504056"/>
           </a:xfrm>
           <a:prstGeom prst="roundRect">
@@ -7646,7 +8071,7 @@
         </p:nvCxnSpPr>
         <p:spPr>
           <a:xfrm>
-            <a:off x="4572000" y="3002632"/>
+            <a:off x="4572000" y="3290664"/>
             <a:ext cx="0" cy="172616"/>
           </a:xfrm>
           <a:prstGeom prst="straightConnector1">
@@ -7686,7 +8111,7 @@
         </p:nvCxnSpPr>
         <p:spPr>
           <a:xfrm>
-            <a:off x="4572000" y="3679304"/>
+            <a:off x="4572000" y="3967336"/>
             <a:ext cx="0" cy="187424"/>
           </a:xfrm>
           <a:prstGeom prst="straightConnector1">
@@ -7726,7 +8151,7 @@
         </p:nvCxnSpPr>
         <p:spPr>
           <a:xfrm>
-            <a:off x="4572000" y="2348880"/>
+            <a:off x="4572000" y="2636912"/>
             <a:ext cx="0" cy="149696"/>
           </a:xfrm>
           <a:prstGeom prst="straightConnector1">
@@ -7766,7 +8191,7 @@
         </p:nvCxnSpPr>
         <p:spPr>
           <a:xfrm>
-            <a:off x="4572000" y="4370784"/>
+            <a:off x="4572000" y="4658816"/>
             <a:ext cx="0" cy="137124"/>
           </a:xfrm>
           <a:prstGeom prst="straightConnector1">
@@ -7803,7 +8228,7 @@
         </p:nvSpPr>
         <p:spPr>
           <a:xfrm>
-            <a:off x="6588224" y="4544612"/>
+            <a:off x="6588224" y="4832644"/>
             <a:ext cx="2304256" cy="504056"/>
           </a:xfrm>
           <a:prstGeom prst="roundRect">
@@ -7849,7 +8274,7 @@
         </p:nvSpPr>
         <p:spPr>
           <a:xfrm>
-            <a:off x="6588224" y="3867940"/>
+            <a:off x="6588224" y="4155972"/>
             <a:ext cx="2304256" cy="504056"/>
           </a:xfrm>
           <a:prstGeom prst="roundRect">
@@ -7902,7 +8327,7 @@
         </p:nvSpPr>
         <p:spPr>
           <a:xfrm>
-            <a:off x="7596336" y="3430212"/>
+            <a:off x="7596336" y="3718244"/>
             <a:ext cx="288032" cy="288032"/>
           </a:xfrm>
           <a:prstGeom prst="ellipse">
@@ -7940,7 +8365,7 @@
         </p:nvSpPr>
         <p:spPr>
           <a:xfrm>
-            <a:off x="7596336" y="5877272"/>
+            <a:off x="7596336" y="6165304"/>
             <a:ext cx="288032" cy="288032"/>
           </a:xfrm>
           <a:prstGeom prst="ellipse">
@@ -7979,7 +8404,7 @@
         </p:nvSpPr>
         <p:spPr>
           <a:xfrm>
-            <a:off x="6588224" y="5236092"/>
+            <a:off x="6588224" y="5524124"/>
             <a:ext cx="2304256" cy="504056"/>
           </a:xfrm>
           <a:prstGeom prst="roundRect">
@@ -8031,7 +8456,7 @@
         </p:nvCxnSpPr>
         <p:spPr>
           <a:xfrm>
-            <a:off x="7740352" y="4371996"/>
+            <a:off x="7740352" y="4660028"/>
             <a:ext cx="0" cy="172616"/>
           </a:xfrm>
           <a:prstGeom prst="straightConnector1">
@@ -8071,7 +8496,7 @@
         </p:nvCxnSpPr>
         <p:spPr>
           <a:xfrm>
-            <a:off x="7740352" y="5048668"/>
+            <a:off x="7740352" y="5336700"/>
             <a:ext cx="0" cy="187424"/>
           </a:xfrm>
           <a:prstGeom prst="straightConnector1">
@@ -8111,7 +8536,7 @@
         </p:nvCxnSpPr>
         <p:spPr>
           <a:xfrm>
-            <a:off x="7740352" y="3718244"/>
+            <a:off x="7740352" y="4006276"/>
             <a:ext cx="0" cy="149696"/>
           </a:xfrm>
           <a:prstGeom prst="straightConnector1">
@@ -8151,7 +8576,7 @@
         </p:nvCxnSpPr>
         <p:spPr>
           <a:xfrm>
-            <a:off x="7740352" y="5740148"/>
+            <a:off x="7740352" y="6028180"/>
             <a:ext cx="0" cy="137124"/>
           </a:xfrm>
           <a:prstGeom prst="straightConnector1">
@@ -8188,7 +8613,7 @@
         </p:nvSpPr>
         <p:spPr>
           <a:xfrm>
-            <a:off x="2627784" y="1244516"/>
+            <a:off x="2627784" y="1532548"/>
             <a:ext cx="809286" cy="313488"/>
           </a:xfrm>
           <a:prstGeom prst="rightArrow">
@@ -8228,7 +8653,7 @@
         </p:nvSpPr>
         <p:spPr>
           <a:xfrm>
-            <a:off x="5836692" y="2564904"/>
+            <a:off x="5836692" y="2852936"/>
             <a:ext cx="751532" cy="313488"/>
           </a:xfrm>
           <a:prstGeom prst="rightArrow">
@@ -8268,7 +8693,7 @@
         </p:nvSpPr>
         <p:spPr>
           <a:xfrm rot="5400000">
-            <a:off x="3453850" y="1915466"/>
+            <a:off x="3453850" y="2203498"/>
             <a:ext cx="796140" cy="313488"/>
           </a:xfrm>
           <a:prstGeom prst="rightArrow">
@@ -8308,7 +8733,7 @@
         </p:nvSpPr>
         <p:spPr>
           <a:xfrm rot="5400000">
-            <a:off x="6559612" y="3275096"/>
+            <a:off x="6559612" y="3563128"/>
             <a:ext cx="858416" cy="313488"/>
           </a:xfrm>
           <a:prstGeom prst="rightArrow">
@@ -8362,7 +8787,7 @@
         </p:blipFill>
         <p:spPr>
           <a:xfrm>
-            <a:off x="2780420" y="1168585"/>
+            <a:off x="2780420" y="1456617"/>
             <a:ext cx="396478" cy="465350"/>
           </a:xfrm>
           <a:prstGeom prst="rect">
@@ -8392,7 +8817,7 @@
         </p:blipFill>
         <p:spPr>
           <a:xfrm>
-            <a:off x="3437070" y="1031770"/>
+            <a:off x="3437070" y="1319802"/>
             <a:ext cx="777788" cy="777788"/>
           </a:xfrm>
           <a:prstGeom prst="rect">
@@ -8422,7 +8847,7 @@
         </p:blipFill>
         <p:spPr>
           <a:xfrm>
-            <a:off x="6599926" y="2332754"/>
+            <a:off x="6599926" y="2620786"/>
             <a:ext cx="777788" cy="777788"/>
           </a:xfrm>
           <a:prstGeom prst="rect">
@@ -8452,7 +8877,7 @@
         </p:blipFill>
         <p:spPr>
           <a:xfrm>
-            <a:off x="5903714" y="2492896"/>
+            <a:off x="5903714" y="2780928"/>
             <a:ext cx="396478" cy="465350"/>
           </a:xfrm>
           <a:prstGeom prst="rect">
@@ -8482,7 +8907,7 @@
         </p:blipFill>
         <p:spPr>
           <a:xfrm>
-            <a:off x="6767810" y="3035658"/>
+            <a:off x="6767810" y="3323690"/>
             <a:ext cx="396478" cy="465350"/>
           </a:xfrm>
           <a:prstGeom prst="rect">
@@ -8498,7 +8923,7 @@
         </p:nvSpPr>
         <p:spPr>
           <a:xfrm>
-            <a:off x="4139952" y="1167135"/>
+            <a:off x="4139952" y="1455167"/>
             <a:ext cx="1879740" cy="461665"/>
           </a:xfrm>
           <a:prstGeom prst="rect">
@@ -8528,7 +8953,7 @@
         </p:nvSpPr>
         <p:spPr>
           <a:xfrm>
-            <a:off x="7308304" y="2492896"/>
+            <a:off x="7308304" y="2780928"/>
             <a:ext cx="1728192" cy="461665"/>
           </a:xfrm>
           <a:prstGeom prst="rect">
@@ -8552,14 +8977,14 @@
       </p:sp>
       <p:sp>
         <p:nvSpPr>
-          <p:cNvPr id="65" name="TextBox 64"/>
+          <p:cNvPr id="56" name="TextBox 55"/>
           <p:cNvSpPr txBox="1"/>
           <p:nvPr/>
         </p:nvSpPr>
         <p:spPr>
           <a:xfrm>
-            <a:off x="2080459" y="5733256"/>
-            <a:ext cx="835357" cy="276999"/>
+            <a:off x="251520" y="179348"/>
+            <a:ext cx="6754541" cy="369332"/>
           </a:xfrm>
           <a:prstGeom prst="rect">
             <a:avLst/>
@@ -8573,36 +8998,6 @@
           <a:lstStyle/>
           <a:p>
             <a:r>
-              <a:rPr lang="en-US" altLang="ko-KR" sz="1200" dirty="0" smtClean="0"/>
-              <a:t>Unlocked</a:t>
-            </a:r>
-            <a:endParaRPr lang="ko-KR" altLang="en-US" sz="1200" dirty="0"/>
-          </a:p>
-        </p:txBody>
-      </p:sp>
-      <p:sp>
-        <p:nvSpPr>
-          <p:cNvPr id="56" name="TextBox 55"/>
-          <p:cNvSpPr txBox="1"/>
-          <p:nvPr/>
-        </p:nvSpPr>
-        <p:spPr>
-          <a:xfrm>
-            <a:off x="251520" y="179348"/>
-            <a:ext cx="6754541" cy="369332"/>
-          </a:xfrm>
-          <a:prstGeom prst="rect">
-            <a:avLst/>
-          </a:prstGeom>
-          <a:noFill/>
-        </p:spPr>
-        <p:txBody>
-          <a:bodyPr wrap="none" rtlCol="0">
-            <a:spAutoFit/>
-          </a:bodyPr>
-          <a:lstStyle/>
-          <a:p>
-            <a:r>
               <a:rPr lang="en-US" altLang="ko-KR" dirty="0" smtClean="0"/>
               <a:t>Status: Prepare Development Server + Prepare Staging Server </a:t>
             </a:r>
@@ -8610,143 +9005,320 @@
           </a:p>
         </p:txBody>
       </p:sp>
-      <p:sp>
-        <p:nvSpPr>
-          <p:cNvPr id="70" name="모서리가 둥근 직사각형 69"/>
-          <p:cNvSpPr/>
-          <p:nvPr/>
-        </p:nvSpPr>
-        <p:spPr>
-          <a:xfrm>
-            <a:off x="395536" y="6079768"/>
-            <a:ext cx="1152128" cy="216024"/>
-          </a:xfrm>
-          <a:prstGeom prst="roundRect">
-            <a:avLst/>
-          </a:prstGeom>
-        </p:spPr>
-        <p:style>
-          <a:lnRef idx="2">
-            <a:schemeClr val="accent1">
-              <a:shade val="50000"/>
-            </a:schemeClr>
-          </a:lnRef>
-          <a:fillRef idx="1">
-            <a:schemeClr val="accent1"/>
-          </a:fillRef>
-          <a:effectRef idx="0">
-            <a:schemeClr val="accent1"/>
-          </a:effectRef>
-          <a:fontRef idx="minor">
-            <a:schemeClr val="lt1"/>
-          </a:fontRef>
-        </p:style>
-        <p:txBody>
-          <a:bodyPr rtlCol="0" anchor="ctr"/>
-          <a:lstStyle/>
-          <a:p>
-            <a:pPr algn="ctr"/>
-            <a:r>
-              <a:rPr lang="en-US" altLang="ko-KR" sz="1200" dirty="0"/>
-              <a:t>A</a:t>
-            </a:r>
-            <a:r>
-              <a:rPr lang="en-US" altLang="ko-KR" sz="1200" dirty="0" smtClean="0"/>
-              <a:t>ctive job</a:t>
-            </a:r>
-            <a:endParaRPr lang="ko-KR" altLang="en-US" sz="1200" dirty="0"/>
-          </a:p>
-        </p:txBody>
-      </p:sp>
-      <p:sp>
-        <p:nvSpPr>
-          <p:cNvPr id="71" name="모서리가 둥근 직사각형 70"/>
-          <p:cNvSpPr/>
-          <p:nvPr/>
-        </p:nvSpPr>
-        <p:spPr>
-          <a:xfrm>
-            <a:off x="395536" y="6367800"/>
-            <a:ext cx="1152128" cy="216024"/>
-          </a:xfrm>
-          <a:prstGeom prst="roundRect">
-            <a:avLst/>
-          </a:prstGeom>
-        </p:spPr>
-        <p:style>
-          <a:lnRef idx="2">
-            <a:schemeClr val="accent2">
-              <a:shade val="50000"/>
-            </a:schemeClr>
-          </a:lnRef>
-          <a:fillRef idx="1">
-            <a:schemeClr val="accent2"/>
-          </a:fillRef>
-          <a:effectRef idx="0">
-            <a:schemeClr val="accent2"/>
-          </a:effectRef>
-          <a:fontRef idx="minor">
-            <a:schemeClr val="lt1"/>
-          </a:fontRef>
-        </p:style>
-        <p:txBody>
-          <a:bodyPr rtlCol="0" anchor="ctr"/>
-          <a:lstStyle/>
-          <a:p>
-            <a:pPr algn="ctr"/>
-            <a:r>
-              <a:rPr lang="en-US" altLang="ko-KR" sz="1200" dirty="0" smtClean="0"/>
-              <a:t>Pending job</a:t>
-            </a:r>
-            <a:endParaRPr lang="ko-KR" altLang="en-US" sz="1200" dirty="0"/>
-          </a:p>
-        </p:txBody>
-      </p:sp>
-      <p:sp>
-        <p:nvSpPr>
-          <p:cNvPr id="72" name="모서리가 둥근 직사각형 71"/>
-          <p:cNvSpPr/>
-          <p:nvPr/>
-        </p:nvSpPr>
-        <p:spPr>
-          <a:xfrm>
-            <a:off x="395536" y="5776152"/>
-            <a:ext cx="1152128" cy="216024"/>
-          </a:xfrm>
-          <a:prstGeom prst="roundRect">
-            <a:avLst/>
-          </a:prstGeom>
-        </p:spPr>
-        <p:style>
-          <a:lnRef idx="2">
-            <a:schemeClr val="accent1"/>
-          </a:lnRef>
-          <a:fillRef idx="1">
-            <a:schemeClr val="lt1"/>
-          </a:fillRef>
-          <a:effectRef idx="0">
-            <a:schemeClr val="accent1"/>
-          </a:effectRef>
-          <a:fontRef idx="minor">
-            <a:schemeClr val="dk1"/>
-          </a:fontRef>
-        </p:style>
-        <p:txBody>
-          <a:bodyPr rtlCol="0" anchor="ctr"/>
-          <a:lstStyle/>
-          <a:p>
-            <a:pPr algn="ctr"/>
-            <a:r>
-              <a:rPr lang="en-US" altLang="ko-KR" sz="1200" dirty="0" smtClean="0"/>
-              <a:t>Job</a:t>
-            </a:r>
-            <a:endParaRPr lang="ko-KR" altLang="en-US" sz="1200" dirty="0"/>
-          </a:p>
-        </p:txBody>
-      </p:sp>
+      <p:grpSp>
+        <p:nvGrpSpPr>
+          <p:cNvPr id="2" name="그룹 1"/>
+          <p:cNvGrpSpPr/>
+          <p:nvPr/>
+        </p:nvGrpSpPr>
+        <p:grpSpPr>
+          <a:xfrm>
+            <a:off x="251519" y="5380108"/>
+            <a:ext cx="2752031" cy="1361260"/>
+            <a:chOff x="251519" y="5380108"/>
+            <a:chExt cx="2752031" cy="1361260"/>
+          </a:xfrm>
+        </p:grpSpPr>
+        <p:sp>
+          <p:nvSpPr>
+            <p:cNvPr id="57" name="직사각형 56"/>
+            <p:cNvSpPr/>
+            <p:nvPr/>
+          </p:nvSpPr>
+          <p:spPr>
+            <a:xfrm>
+              <a:off x="251519" y="5380108"/>
+              <a:ext cx="2752031" cy="1361260"/>
+            </a:xfrm>
+            <a:prstGeom prst="rect">
+              <a:avLst/>
+            </a:prstGeom>
+          </p:spPr>
+          <p:style>
+            <a:lnRef idx="2">
+              <a:schemeClr val="dk1"/>
+            </a:lnRef>
+            <a:fillRef idx="1">
+              <a:schemeClr val="lt1"/>
+            </a:fillRef>
+            <a:effectRef idx="0">
+              <a:schemeClr val="dk1"/>
+            </a:effectRef>
+            <a:fontRef idx="minor">
+              <a:schemeClr val="dk1"/>
+            </a:fontRef>
+          </p:style>
+          <p:txBody>
+            <a:bodyPr rtlCol="0" anchor="t" anchorCtr="0"/>
+            <a:lstStyle/>
+            <a:p>
+              <a:pPr algn="ctr"/>
+              <a:r>
+                <a:rPr lang="en-US" altLang="ko-KR" sz="1200" b="1" dirty="0" smtClean="0"/>
+                <a:t>Legend</a:t>
+              </a:r>
+              <a:endParaRPr lang="ko-KR" altLang="en-US" sz="1200" b="1" dirty="0"/>
+            </a:p>
+          </p:txBody>
+        </p:sp>
+        <p:sp>
+          <p:nvSpPr>
+            <p:cNvPr id="65" name="TextBox 64"/>
+            <p:cNvSpPr txBox="1"/>
+            <p:nvPr/>
+          </p:nvSpPr>
+          <p:spPr>
+            <a:xfrm>
+              <a:off x="2080459" y="5733256"/>
+              <a:ext cx="835357" cy="276999"/>
+            </a:xfrm>
+            <a:prstGeom prst="rect">
+              <a:avLst/>
+            </a:prstGeom>
+            <a:noFill/>
+          </p:spPr>
+          <p:txBody>
+            <a:bodyPr wrap="none" rtlCol="0">
+              <a:spAutoFit/>
+            </a:bodyPr>
+            <a:lstStyle/>
+            <a:p>
+              <a:r>
+                <a:rPr lang="en-US" altLang="ko-KR" sz="1200" dirty="0" smtClean="0"/>
+                <a:t>Unlocked</a:t>
+              </a:r>
+              <a:endParaRPr lang="ko-KR" altLang="en-US" sz="1200" dirty="0"/>
+            </a:p>
+          </p:txBody>
+        </p:sp>
+        <p:sp>
+          <p:nvSpPr>
+            <p:cNvPr id="70" name="모서리가 둥근 직사각형 69"/>
+            <p:cNvSpPr/>
+            <p:nvPr/>
+          </p:nvSpPr>
+          <p:spPr>
+            <a:xfrm>
+              <a:off x="395536" y="6079768"/>
+              <a:ext cx="1152128" cy="216024"/>
+            </a:xfrm>
+            <a:prstGeom prst="roundRect">
+              <a:avLst/>
+            </a:prstGeom>
+          </p:spPr>
+          <p:style>
+            <a:lnRef idx="2">
+              <a:schemeClr val="accent1">
+                <a:shade val="50000"/>
+              </a:schemeClr>
+            </a:lnRef>
+            <a:fillRef idx="1">
+              <a:schemeClr val="accent1"/>
+            </a:fillRef>
+            <a:effectRef idx="0">
+              <a:schemeClr val="accent1"/>
+            </a:effectRef>
+            <a:fontRef idx="minor">
+              <a:schemeClr val="lt1"/>
+            </a:fontRef>
+          </p:style>
+          <p:txBody>
+            <a:bodyPr rtlCol="0" anchor="ctr"/>
+            <a:lstStyle/>
+            <a:p>
+              <a:pPr algn="ctr"/>
+              <a:r>
+                <a:rPr lang="en-US" altLang="ko-KR" sz="1200" dirty="0"/>
+                <a:t>A</a:t>
+              </a:r>
+              <a:r>
+                <a:rPr lang="en-US" altLang="ko-KR" sz="1200" dirty="0" smtClean="0"/>
+                <a:t>ctive job</a:t>
+              </a:r>
+              <a:endParaRPr lang="ko-KR" altLang="en-US" sz="1200" dirty="0"/>
+            </a:p>
+          </p:txBody>
+        </p:sp>
+        <p:sp>
+          <p:nvSpPr>
+            <p:cNvPr id="71" name="모서리가 둥근 직사각형 70"/>
+            <p:cNvSpPr/>
+            <p:nvPr/>
+          </p:nvSpPr>
+          <p:spPr>
+            <a:xfrm>
+              <a:off x="395536" y="6367800"/>
+              <a:ext cx="1152128" cy="216024"/>
+            </a:xfrm>
+            <a:prstGeom prst="roundRect">
+              <a:avLst/>
+            </a:prstGeom>
+          </p:spPr>
+          <p:style>
+            <a:lnRef idx="2">
+              <a:schemeClr val="accent2">
+                <a:shade val="50000"/>
+              </a:schemeClr>
+            </a:lnRef>
+            <a:fillRef idx="1">
+              <a:schemeClr val="accent2"/>
+            </a:fillRef>
+            <a:effectRef idx="0">
+              <a:schemeClr val="accent2"/>
+            </a:effectRef>
+            <a:fontRef idx="minor">
+              <a:schemeClr val="lt1"/>
+            </a:fontRef>
+          </p:style>
+          <p:txBody>
+            <a:bodyPr rtlCol="0" anchor="ctr"/>
+            <a:lstStyle/>
+            <a:p>
+              <a:pPr algn="ctr"/>
+              <a:r>
+                <a:rPr lang="en-US" altLang="ko-KR" sz="1200" dirty="0" smtClean="0"/>
+                <a:t>Pending job</a:t>
+              </a:r>
+              <a:endParaRPr lang="ko-KR" altLang="en-US" sz="1200" dirty="0"/>
+            </a:p>
+          </p:txBody>
+        </p:sp>
+        <p:sp>
+          <p:nvSpPr>
+            <p:cNvPr id="72" name="모서리가 둥근 직사각형 71"/>
+            <p:cNvSpPr/>
+            <p:nvPr/>
+          </p:nvSpPr>
+          <p:spPr>
+            <a:xfrm>
+              <a:off x="395536" y="5776152"/>
+              <a:ext cx="1152128" cy="216024"/>
+            </a:xfrm>
+            <a:prstGeom prst="roundRect">
+              <a:avLst/>
+            </a:prstGeom>
+          </p:spPr>
+          <p:style>
+            <a:lnRef idx="2">
+              <a:schemeClr val="accent1"/>
+            </a:lnRef>
+            <a:fillRef idx="1">
+              <a:schemeClr val="lt1"/>
+            </a:fillRef>
+            <a:effectRef idx="0">
+              <a:schemeClr val="accent1"/>
+            </a:effectRef>
+            <a:fontRef idx="minor">
+              <a:schemeClr val="dk1"/>
+            </a:fontRef>
+          </p:style>
+          <p:txBody>
+            <a:bodyPr rtlCol="0" anchor="ctr"/>
+            <a:lstStyle/>
+            <a:p>
+              <a:pPr algn="ctr"/>
+              <a:r>
+                <a:rPr lang="en-US" altLang="ko-KR" sz="1200" dirty="0" smtClean="0"/>
+                <a:t>Job</a:t>
+              </a:r>
+              <a:endParaRPr lang="ko-KR" altLang="en-US" sz="1200" dirty="0"/>
+            </a:p>
+          </p:txBody>
+        </p:sp>
+        <p:pic>
+          <p:nvPicPr>
+            <p:cNvPr id="74" name="그림 73"/>
+            <p:cNvPicPr>
+              <a:picLocks noChangeAspect="1"/>
+            </p:cNvPicPr>
+            <p:nvPr/>
+          </p:nvPicPr>
+          <p:blipFill>
+            <a:blip r:embed="rId4" cstate="print">
+              <a:extLst>
+                <a:ext uri="{28A0092B-C50C-407E-A947-70E740481C1C}">
+                  <a14:useLocalDpi xmlns:a14="http://schemas.microsoft.com/office/drawing/2010/main" val="0"/>
+                </a:ext>
+              </a:extLst>
+            </a:blip>
+            <a:stretch>
+              <a:fillRect/>
+            </a:stretch>
+          </p:blipFill>
+          <p:spPr>
+            <a:xfrm>
+              <a:off x="1835696" y="6165304"/>
+              <a:ext cx="335052" cy="465350"/>
+            </a:xfrm>
+            <a:prstGeom prst="rect">
+              <a:avLst/>
+            </a:prstGeom>
+          </p:spPr>
+        </p:pic>
+        <p:pic>
+          <p:nvPicPr>
+            <p:cNvPr id="75" name="그림 74"/>
+            <p:cNvPicPr>
+              <a:picLocks noChangeAspect="1"/>
+            </p:cNvPicPr>
+            <p:nvPr/>
+          </p:nvPicPr>
+          <p:blipFill>
+            <a:blip r:embed="rId2" cstate="print">
+              <a:extLst>
+                <a:ext uri="{28A0092B-C50C-407E-A947-70E740481C1C}">
+                  <a14:useLocalDpi xmlns:a14="http://schemas.microsoft.com/office/drawing/2010/main" val="0"/>
+                </a:ext>
+              </a:extLst>
+            </a:blip>
+            <a:stretch>
+              <a:fillRect/>
+            </a:stretch>
+          </p:blipFill>
+          <p:spPr>
+            <a:xfrm>
+              <a:off x="1763688" y="5661248"/>
+              <a:ext cx="396478" cy="465350"/>
+            </a:xfrm>
+            <a:prstGeom prst="rect">
+              <a:avLst/>
+            </a:prstGeom>
+          </p:spPr>
+        </p:pic>
+        <p:sp>
+          <p:nvSpPr>
+            <p:cNvPr id="76" name="TextBox 75"/>
+            <p:cNvSpPr txBox="1"/>
+            <p:nvPr/>
+          </p:nvSpPr>
+          <p:spPr>
+            <a:xfrm>
+              <a:off x="2082920" y="6296912"/>
+              <a:ext cx="673454" cy="276999"/>
+            </a:xfrm>
+            <a:prstGeom prst="rect">
+              <a:avLst/>
+            </a:prstGeom>
+            <a:noFill/>
+          </p:spPr>
+          <p:txBody>
+            <a:bodyPr wrap="none" rtlCol="0">
+              <a:spAutoFit/>
+            </a:bodyPr>
+            <a:lstStyle/>
+            <a:p>
+              <a:r>
+                <a:rPr lang="en-US" altLang="ko-KR" sz="1200" dirty="0" smtClean="0"/>
+                <a:t>Locked</a:t>
+              </a:r>
+              <a:endParaRPr lang="ko-KR" altLang="en-US" sz="1200" dirty="0"/>
+            </a:p>
+          </p:txBody>
+        </p:sp>
+      </p:grpSp>
       <p:pic>
         <p:nvPicPr>
-          <p:cNvPr id="74" name="그림 73"/>
+          <p:cNvPr id="52" name="그림 51"/>
           <p:cNvPicPr>
             <a:picLocks noChangeAspect="1"/>
           </p:cNvPicPr>
@@ -8766,97 +9338,7 @@
         </p:blipFill>
         <p:spPr>
           <a:xfrm>
-            <a:off x="1835696" y="6165304"/>
-            <a:ext cx="335052" cy="465350"/>
-          </a:xfrm>
-          <a:prstGeom prst="rect">
-            <a:avLst/>
-          </a:prstGeom>
-        </p:spPr>
-      </p:pic>
-      <p:pic>
-        <p:nvPicPr>
-          <p:cNvPr id="75" name="그림 74"/>
-          <p:cNvPicPr>
-            <a:picLocks noChangeAspect="1"/>
-          </p:cNvPicPr>
-          <p:nvPr/>
-        </p:nvPicPr>
-        <p:blipFill>
-          <a:blip r:embed="rId2" cstate="print">
-            <a:extLst>
-              <a:ext uri="{28A0092B-C50C-407E-A947-70E740481C1C}">
-                <a14:useLocalDpi xmlns:a14="http://schemas.microsoft.com/office/drawing/2010/main" val="0"/>
-              </a:ext>
-            </a:extLst>
-          </a:blip>
-          <a:stretch>
-            <a:fillRect/>
-          </a:stretch>
-        </p:blipFill>
-        <p:spPr>
-          <a:xfrm>
-            <a:off x="1763688" y="5661248"/>
-            <a:ext cx="396478" cy="465350"/>
-          </a:xfrm>
-          <a:prstGeom prst="rect">
-            <a:avLst/>
-          </a:prstGeom>
-        </p:spPr>
-      </p:pic>
-      <p:sp>
-        <p:nvSpPr>
-          <p:cNvPr id="76" name="TextBox 75"/>
-          <p:cNvSpPr txBox="1"/>
-          <p:nvPr/>
-        </p:nvSpPr>
-        <p:spPr>
-          <a:xfrm>
-            <a:off x="2082920" y="6296912"/>
-            <a:ext cx="673454" cy="276999"/>
-          </a:xfrm>
-          <a:prstGeom prst="rect">
-            <a:avLst/>
-          </a:prstGeom>
-          <a:noFill/>
-        </p:spPr>
-        <p:txBody>
-          <a:bodyPr wrap="none" rtlCol="0">
-            <a:spAutoFit/>
-          </a:bodyPr>
-          <a:lstStyle/>
-          <a:p>
-            <a:r>
-              <a:rPr lang="en-US" altLang="ko-KR" sz="1200" dirty="0" smtClean="0"/>
-              <a:t>Locked</a:t>
-            </a:r>
-            <a:endParaRPr lang="ko-KR" altLang="en-US" sz="1200" dirty="0"/>
-          </a:p>
-        </p:txBody>
-      </p:sp>
-      <p:pic>
-        <p:nvPicPr>
-          <p:cNvPr id="52" name="그림 51"/>
-          <p:cNvPicPr>
-            <a:picLocks noChangeAspect="1"/>
-          </p:cNvPicPr>
-          <p:nvPr/>
-        </p:nvPicPr>
-        <p:blipFill>
-          <a:blip r:embed="rId4" cstate="print">
-            <a:extLst>
-              <a:ext uri="{28A0092B-C50C-407E-A947-70E740481C1C}">
-                <a14:useLocalDpi xmlns:a14="http://schemas.microsoft.com/office/drawing/2010/main" val="0"/>
-              </a:ext>
-            </a:extLst>
-          </a:blip>
-          <a:stretch>
-            <a:fillRect/>
-          </a:stretch>
-        </p:blipFill>
-        <p:spPr>
-          <a:xfrm>
-            <a:off x="3660884" y="1739514"/>
+            <a:off x="3660884" y="2027546"/>
             <a:ext cx="335052" cy="465350"/>
           </a:xfrm>
           <a:prstGeom prst="rect">
@@ -8872,7 +9354,7 @@
         </p:nvSpPr>
         <p:spPr>
           <a:xfrm>
-            <a:off x="5152507" y="2045888"/>
+            <a:off x="5152507" y="2333920"/>
             <a:ext cx="792088" cy="666562"/>
           </a:xfrm>
           <a:prstGeom prst="irregularSeal2">
@@ -8944,55 +9426,13 @@
       </p:grpSpPr>
       <p:sp>
         <p:nvSpPr>
-          <p:cNvPr id="57" name="직사각형 56"/>
-          <p:cNvSpPr/>
-          <p:nvPr/>
-        </p:nvSpPr>
-        <p:spPr>
-          <a:xfrm>
-            <a:off x="251519" y="5380108"/>
-            <a:ext cx="2752031" cy="1361260"/>
-          </a:xfrm>
-          <a:prstGeom prst="rect">
-            <a:avLst/>
-          </a:prstGeom>
-        </p:spPr>
-        <p:style>
-          <a:lnRef idx="2">
-            <a:schemeClr val="dk1"/>
-          </a:lnRef>
-          <a:fillRef idx="1">
-            <a:schemeClr val="lt1"/>
-          </a:fillRef>
-          <a:effectRef idx="0">
-            <a:schemeClr val="dk1"/>
-          </a:effectRef>
-          <a:fontRef idx="minor">
-            <a:schemeClr val="dk1"/>
-          </a:fontRef>
-        </p:style>
-        <p:txBody>
-          <a:bodyPr rtlCol="0" anchor="t" anchorCtr="0"/>
-          <a:lstStyle/>
-          <a:p>
-            <a:pPr algn="ctr"/>
-            <a:r>
-              <a:rPr lang="en-US" altLang="ko-KR" sz="1200" b="1" dirty="0" smtClean="0"/>
-              <a:t>Legend</a:t>
-            </a:r>
-            <a:endParaRPr lang="ko-KR" altLang="en-US" sz="1200" b="1" dirty="0"/>
-          </a:p>
-        </p:txBody>
-      </p:sp>
-      <p:sp>
-        <p:nvSpPr>
           <p:cNvPr id="4" name="모서리가 둥근 직사각형 3"/>
           <p:cNvSpPr/>
           <p:nvPr/>
         </p:nvSpPr>
         <p:spPr>
           <a:xfrm>
-            <a:off x="251520" y="1808308"/>
+            <a:off x="251520" y="2096340"/>
             <a:ext cx="2304256" cy="504056"/>
           </a:xfrm>
           <a:prstGeom prst="roundRect">
@@ -9040,7 +9480,7 @@
         </p:nvSpPr>
         <p:spPr>
           <a:xfrm>
-            <a:off x="251520" y="1131636"/>
+            <a:off x="251520" y="1419668"/>
             <a:ext cx="2304256" cy="504056"/>
           </a:xfrm>
           <a:prstGeom prst="roundRect">
@@ -9089,7 +9529,7 @@
         </p:nvSpPr>
         <p:spPr>
           <a:xfrm>
-            <a:off x="1259632" y="693908"/>
+            <a:off x="1259632" y="981940"/>
             <a:ext cx="288032" cy="288032"/>
           </a:xfrm>
           <a:prstGeom prst="ellipse">
@@ -9127,7 +9567,7 @@
         </p:nvSpPr>
         <p:spPr>
           <a:xfrm>
-            <a:off x="1259632" y="3140968"/>
+            <a:off x="1259632" y="3429000"/>
             <a:ext cx="288032" cy="288032"/>
           </a:xfrm>
           <a:prstGeom prst="ellipse">
@@ -9166,7 +9606,7 @@
         </p:nvSpPr>
         <p:spPr>
           <a:xfrm>
-            <a:off x="251520" y="2499788"/>
+            <a:off x="251520" y="2787820"/>
             <a:ext cx="2304256" cy="504056"/>
           </a:xfrm>
           <a:prstGeom prst="roundRect">
@@ -9218,7 +9658,7 @@
         </p:nvCxnSpPr>
         <p:spPr>
           <a:xfrm>
-            <a:off x="1403648" y="1635692"/>
+            <a:off x="1403648" y="1923724"/>
             <a:ext cx="0" cy="172616"/>
           </a:xfrm>
           <a:prstGeom prst="straightConnector1">
@@ -9258,7 +9698,7 @@
         </p:nvCxnSpPr>
         <p:spPr>
           <a:xfrm>
-            <a:off x="1403648" y="2312364"/>
+            <a:off x="1403648" y="2600396"/>
             <a:ext cx="0" cy="187424"/>
           </a:xfrm>
           <a:prstGeom prst="straightConnector1">
@@ -9298,7 +9738,7 @@
         </p:nvCxnSpPr>
         <p:spPr>
           <a:xfrm>
-            <a:off x="1403648" y="981940"/>
+            <a:off x="1403648" y="1269972"/>
             <a:ext cx="0" cy="149696"/>
           </a:xfrm>
           <a:prstGeom prst="straightConnector1">
@@ -9338,7 +9778,7 @@
         </p:nvCxnSpPr>
         <p:spPr>
           <a:xfrm>
-            <a:off x="1403648" y="3003844"/>
+            <a:off x="1403648" y="3291876"/>
             <a:ext cx="0" cy="137124"/>
           </a:xfrm>
           <a:prstGeom prst="straightConnector1">
@@ -9375,7 +9815,7 @@
         </p:nvSpPr>
         <p:spPr>
           <a:xfrm>
-            <a:off x="3419872" y="3175248"/>
+            <a:off x="3419872" y="3463280"/>
             <a:ext cx="2304256" cy="504056"/>
           </a:xfrm>
           <a:prstGeom prst="roundRect">
@@ -9428,7 +9868,7 @@
         </p:nvSpPr>
         <p:spPr>
           <a:xfrm>
-            <a:off x="3419872" y="2498576"/>
+            <a:off x="3419872" y="2786608"/>
             <a:ext cx="2304256" cy="504056"/>
           </a:xfrm>
           <a:prstGeom prst="roundRect">
@@ -9479,7 +9919,7 @@
         </p:nvSpPr>
         <p:spPr>
           <a:xfrm>
-            <a:off x="4427984" y="2060848"/>
+            <a:off x="4427984" y="2348880"/>
             <a:ext cx="288032" cy="288032"/>
           </a:xfrm>
           <a:prstGeom prst="ellipse">
@@ -9517,7 +9957,7 @@
         </p:nvSpPr>
         <p:spPr>
           <a:xfrm>
-            <a:off x="4427984" y="4507908"/>
+            <a:off x="4427984" y="4795940"/>
             <a:ext cx="288032" cy="288032"/>
           </a:xfrm>
           <a:prstGeom prst="ellipse">
@@ -9556,7 +9996,7 @@
         </p:nvSpPr>
         <p:spPr>
           <a:xfrm>
-            <a:off x="3419872" y="3866728"/>
+            <a:off x="3419872" y="4154760"/>
             <a:ext cx="2304256" cy="504056"/>
           </a:xfrm>
           <a:prstGeom prst="roundRect">
@@ -9608,7 +10048,7 @@
         </p:nvCxnSpPr>
         <p:spPr>
           <a:xfrm>
-            <a:off x="4572000" y="3002632"/>
+            <a:off x="4572000" y="3290664"/>
             <a:ext cx="0" cy="172616"/>
           </a:xfrm>
           <a:prstGeom prst="straightConnector1">
@@ -9648,7 +10088,7 @@
         </p:nvCxnSpPr>
         <p:spPr>
           <a:xfrm>
-            <a:off x="4572000" y="3679304"/>
+            <a:off x="4572000" y="3967336"/>
             <a:ext cx="0" cy="187424"/>
           </a:xfrm>
           <a:prstGeom prst="straightConnector1">
@@ -9688,7 +10128,7 @@
         </p:nvCxnSpPr>
         <p:spPr>
           <a:xfrm>
-            <a:off x="4572000" y="2348880"/>
+            <a:off x="4572000" y="2636912"/>
             <a:ext cx="0" cy="149696"/>
           </a:xfrm>
           <a:prstGeom prst="straightConnector1">
@@ -9728,7 +10168,7 @@
         </p:nvCxnSpPr>
         <p:spPr>
           <a:xfrm>
-            <a:off x="4572000" y="4370784"/>
+            <a:off x="4572000" y="4658816"/>
             <a:ext cx="0" cy="137124"/>
           </a:xfrm>
           <a:prstGeom prst="straightConnector1">
@@ -9765,7 +10205,7 @@
         </p:nvSpPr>
         <p:spPr>
           <a:xfrm>
-            <a:off x="6588224" y="4544612"/>
+            <a:off x="6588224" y="4832644"/>
             <a:ext cx="2304256" cy="504056"/>
           </a:xfrm>
           <a:prstGeom prst="roundRect">
@@ -9811,7 +10251,7 @@
         </p:nvSpPr>
         <p:spPr>
           <a:xfrm>
-            <a:off x="6588224" y="3867940"/>
+            <a:off x="6588224" y="4155972"/>
             <a:ext cx="2304256" cy="504056"/>
           </a:xfrm>
           <a:prstGeom prst="roundRect">
@@ -9860,7 +10300,7 @@
         </p:nvSpPr>
         <p:spPr>
           <a:xfrm>
-            <a:off x="7596336" y="3430212"/>
+            <a:off x="7596336" y="3718244"/>
             <a:ext cx="288032" cy="288032"/>
           </a:xfrm>
           <a:prstGeom prst="ellipse">
@@ -9898,7 +10338,7 @@
         </p:nvSpPr>
         <p:spPr>
           <a:xfrm>
-            <a:off x="7596336" y="5877272"/>
+            <a:off x="7596336" y="6165304"/>
             <a:ext cx="288032" cy="288032"/>
           </a:xfrm>
           <a:prstGeom prst="ellipse">
@@ -9937,7 +10377,7 @@
         </p:nvSpPr>
         <p:spPr>
           <a:xfrm>
-            <a:off x="6588224" y="5236092"/>
+            <a:off x="6588224" y="5524124"/>
             <a:ext cx="2304256" cy="504056"/>
           </a:xfrm>
           <a:prstGeom prst="roundRect">
@@ -9989,7 +10429,7 @@
         </p:nvCxnSpPr>
         <p:spPr>
           <a:xfrm>
-            <a:off x="7740352" y="4371996"/>
+            <a:off x="7740352" y="4660028"/>
             <a:ext cx="0" cy="172616"/>
           </a:xfrm>
           <a:prstGeom prst="straightConnector1">
@@ -10029,7 +10469,7 @@
         </p:nvCxnSpPr>
         <p:spPr>
           <a:xfrm>
-            <a:off x="7740352" y="5048668"/>
+            <a:off x="7740352" y="5336700"/>
             <a:ext cx="0" cy="187424"/>
           </a:xfrm>
           <a:prstGeom prst="straightConnector1">
@@ -10069,7 +10509,7 @@
         </p:nvCxnSpPr>
         <p:spPr>
           <a:xfrm>
-            <a:off x="7740352" y="3718244"/>
+            <a:off x="7740352" y="4006276"/>
             <a:ext cx="0" cy="149696"/>
           </a:xfrm>
           <a:prstGeom prst="straightConnector1">
@@ -10109,7 +10549,7 @@
         </p:nvCxnSpPr>
         <p:spPr>
           <a:xfrm>
-            <a:off x="7740352" y="5740148"/>
+            <a:off x="7740352" y="6028180"/>
             <a:ext cx="0" cy="137124"/>
           </a:xfrm>
           <a:prstGeom prst="straightConnector1">
@@ -10146,7 +10586,7 @@
         </p:nvSpPr>
         <p:spPr>
           <a:xfrm>
-            <a:off x="2627784" y="1244516"/>
+            <a:off x="2627784" y="1532548"/>
             <a:ext cx="809286" cy="313488"/>
           </a:xfrm>
           <a:prstGeom prst="rightArrow">
@@ -10186,7 +10626,7 @@
         </p:nvSpPr>
         <p:spPr>
           <a:xfrm>
-            <a:off x="5836692" y="2564904"/>
+            <a:off x="5836692" y="2852936"/>
             <a:ext cx="751532" cy="313488"/>
           </a:xfrm>
           <a:prstGeom prst="rightArrow">
@@ -10226,7 +10666,7 @@
         </p:nvSpPr>
         <p:spPr>
           <a:xfrm rot="5400000">
-            <a:off x="3453850" y="1915466"/>
+            <a:off x="3453850" y="2203498"/>
             <a:ext cx="796140" cy="313488"/>
           </a:xfrm>
           <a:prstGeom prst="rightArrow">
@@ -10266,7 +10706,7 @@
         </p:nvSpPr>
         <p:spPr>
           <a:xfrm rot="5400000">
-            <a:off x="6559612" y="3275096"/>
+            <a:off x="6559612" y="3563128"/>
             <a:ext cx="858416" cy="313488"/>
           </a:xfrm>
           <a:prstGeom prst="rightArrow">
@@ -10320,7 +10760,7 @@
         </p:blipFill>
         <p:spPr>
           <a:xfrm>
-            <a:off x="3437070" y="1031770"/>
+            <a:off x="3437070" y="1319802"/>
             <a:ext cx="777788" cy="777788"/>
           </a:xfrm>
           <a:prstGeom prst="rect">
@@ -10350,7 +10790,7 @@
         </p:blipFill>
         <p:spPr>
           <a:xfrm>
-            <a:off x="6599926" y="2332754"/>
+            <a:off x="6599926" y="2620786"/>
             <a:ext cx="777788" cy="777788"/>
           </a:xfrm>
           <a:prstGeom prst="rect">
@@ -10380,7 +10820,7 @@
         </p:blipFill>
         <p:spPr>
           <a:xfrm>
-            <a:off x="5903714" y="2492896"/>
+            <a:off x="5903714" y="2780928"/>
             <a:ext cx="396478" cy="465350"/>
           </a:xfrm>
           <a:prstGeom prst="rect">
@@ -10396,7 +10836,7 @@
         </p:nvSpPr>
         <p:spPr>
           <a:xfrm>
-            <a:off x="4139952" y="1167135"/>
+            <a:off x="4139952" y="1455167"/>
             <a:ext cx="1879740" cy="461665"/>
           </a:xfrm>
           <a:prstGeom prst="rect">
@@ -10426,7 +10866,7 @@
         </p:nvSpPr>
         <p:spPr>
           <a:xfrm>
-            <a:off x="7308304" y="2492896"/>
+            <a:off x="7308304" y="2780928"/>
             <a:ext cx="1728192" cy="461665"/>
           </a:xfrm>
           <a:prstGeom prst="rect">
@@ -10450,14 +10890,14 @@
       </p:sp>
       <p:sp>
         <p:nvSpPr>
-          <p:cNvPr id="65" name="TextBox 64"/>
+          <p:cNvPr id="56" name="TextBox 55"/>
           <p:cNvSpPr txBox="1"/>
           <p:nvPr/>
         </p:nvSpPr>
         <p:spPr>
           <a:xfrm>
-            <a:off x="2080459" y="5733256"/>
-            <a:ext cx="835357" cy="276999"/>
+            <a:off x="251520" y="179348"/>
+            <a:ext cx="3424655" cy="369332"/>
           </a:xfrm>
           <a:prstGeom prst="rect">
             <a:avLst/>
@@ -10471,36 +10911,6 @@
           <a:lstStyle/>
           <a:p>
             <a:r>
-              <a:rPr lang="en-US" altLang="ko-KR" sz="1200" dirty="0" smtClean="0"/>
-              <a:t>Unlocked</a:t>
-            </a:r>
-            <a:endParaRPr lang="ko-KR" altLang="en-US" sz="1200" dirty="0"/>
-          </a:p>
-        </p:txBody>
-      </p:sp>
-      <p:sp>
-        <p:nvSpPr>
-          <p:cNvPr id="56" name="TextBox 55"/>
-          <p:cNvSpPr txBox="1"/>
-          <p:nvPr/>
-        </p:nvSpPr>
-        <p:spPr>
-          <a:xfrm>
-            <a:off x="251520" y="179348"/>
-            <a:ext cx="3424655" cy="369332"/>
-          </a:xfrm>
-          <a:prstGeom prst="rect">
-            <a:avLst/>
-          </a:prstGeom>
-          <a:noFill/>
-        </p:spPr>
-        <p:txBody>
-          <a:bodyPr wrap="none" rtlCol="0">
-            <a:spAutoFit/>
-          </a:bodyPr>
-          <a:lstStyle/>
-          <a:p>
-            <a:r>
               <a:rPr lang="en-US" altLang="ko-KR" dirty="0" smtClean="0"/>
               <a:t>Status: Prepare Staging Server </a:t>
             </a:r>
@@ -10508,20 +10918,339 @@
           </a:p>
         </p:txBody>
       </p:sp>
-      <p:sp>
-        <p:nvSpPr>
-          <p:cNvPr id="70" name="모서리가 둥근 직사각형 69"/>
+      <p:grpSp>
+        <p:nvGrpSpPr>
+          <p:cNvPr id="2" name="그룹 1"/>
+          <p:cNvGrpSpPr/>
+          <p:nvPr/>
+        </p:nvGrpSpPr>
+        <p:grpSpPr>
+          <a:xfrm>
+            <a:off x="251519" y="5380108"/>
+            <a:ext cx="2752031" cy="1361260"/>
+            <a:chOff x="251519" y="5380108"/>
+            <a:chExt cx="2752031" cy="1361260"/>
+          </a:xfrm>
+        </p:grpSpPr>
+        <p:sp>
+          <p:nvSpPr>
+            <p:cNvPr id="57" name="직사각형 56"/>
+            <p:cNvSpPr/>
+            <p:nvPr/>
+          </p:nvSpPr>
+          <p:spPr>
+            <a:xfrm>
+              <a:off x="251519" y="5380108"/>
+              <a:ext cx="2752031" cy="1361260"/>
+            </a:xfrm>
+            <a:prstGeom prst="rect">
+              <a:avLst/>
+            </a:prstGeom>
+          </p:spPr>
+          <p:style>
+            <a:lnRef idx="2">
+              <a:schemeClr val="dk1"/>
+            </a:lnRef>
+            <a:fillRef idx="1">
+              <a:schemeClr val="lt1"/>
+            </a:fillRef>
+            <a:effectRef idx="0">
+              <a:schemeClr val="dk1"/>
+            </a:effectRef>
+            <a:fontRef idx="minor">
+              <a:schemeClr val="dk1"/>
+            </a:fontRef>
+          </p:style>
+          <p:txBody>
+            <a:bodyPr rtlCol="0" anchor="t" anchorCtr="0"/>
+            <a:lstStyle/>
+            <a:p>
+              <a:pPr algn="ctr"/>
+              <a:r>
+                <a:rPr lang="en-US" altLang="ko-KR" sz="1200" b="1" dirty="0" smtClean="0"/>
+                <a:t>Legend</a:t>
+              </a:r>
+              <a:endParaRPr lang="ko-KR" altLang="en-US" sz="1200" b="1" dirty="0"/>
+            </a:p>
+          </p:txBody>
+        </p:sp>
+        <p:sp>
+          <p:nvSpPr>
+            <p:cNvPr id="65" name="TextBox 64"/>
+            <p:cNvSpPr txBox="1"/>
+            <p:nvPr/>
+          </p:nvSpPr>
+          <p:spPr>
+            <a:xfrm>
+              <a:off x="2080459" y="5733256"/>
+              <a:ext cx="835357" cy="276999"/>
+            </a:xfrm>
+            <a:prstGeom prst="rect">
+              <a:avLst/>
+            </a:prstGeom>
+            <a:noFill/>
+          </p:spPr>
+          <p:txBody>
+            <a:bodyPr wrap="none" rtlCol="0">
+              <a:spAutoFit/>
+            </a:bodyPr>
+            <a:lstStyle/>
+            <a:p>
+              <a:r>
+                <a:rPr lang="en-US" altLang="ko-KR" sz="1200" dirty="0" smtClean="0"/>
+                <a:t>Unlocked</a:t>
+              </a:r>
+              <a:endParaRPr lang="ko-KR" altLang="en-US" sz="1200" dirty="0"/>
+            </a:p>
+          </p:txBody>
+        </p:sp>
+        <p:sp>
+          <p:nvSpPr>
+            <p:cNvPr id="70" name="모서리가 둥근 직사각형 69"/>
+            <p:cNvSpPr/>
+            <p:nvPr/>
+          </p:nvSpPr>
+          <p:spPr>
+            <a:xfrm>
+              <a:off x="395536" y="6079768"/>
+              <a:ext cx="1152128" cy="216024"/>
+            </a:xfrm>
+            <a:prstGeom prst="roundRect">
+              <a:avLst/>
+            </a:prstGeom>
+          </p:spPr>
+          <p:style>
+            <a:lnRef idx="2">
+              <a:schemeClr val="accent1">
+                <a:shade val="50000"/>
+              </a:schemeClr>
+            </a:lnRef>
+            <a:fillRef idx="1">
+              <a:schemeClr val="accent1"/>
+            </a:fillRef>
+            <a:effectRef idx="0">
+              <a:schemeClr val="accent1"/>
+            </a:effectRef>
+            <a:fontRef idx="minor">
+              <a:schemeClr val="lt1"/>
+            </a:fontRef>
+          </p:style>
+          <p:txBody>
+            <a:bodyPr rtlCol="0" anchor="ctr"/>
+            <a:lstStyle/>
+            <a:p>
+              <a:pPr algn="ctr"/>
+              <a:r>
+                <a:rPr lang="en-US" altLang="ko-KR" sz="1200" dirty="0"/>
+                <a:t>A</a:t>
+              </a:r>
+              <a:r>
+                <a:rPr lang="en-US" altLang="ko-KR" sz="1200" dirty="0" smtClean="0"/>
+                <a:t>ctive job</a:t>
+              </a:r>
+              <a:endParaRPr lang="ko-KR" altLang="en-US" sz="1200" dirty="0"/>
+            </a:p>
+          </p:txBody>
+        </p:sp>
+        <p:sp>
+          <p:nvSpPr>
+            <p:cNvPr id="71" name="모서리가 둥근 직사각형 70"/>
+            <p:cNvSpPr/>
+            <p:nvPr/>
+          </p:nvSpPr>
+          <p:spPr>
+            <a:xfrm>
+              <a:off x="395536" y="6367800"/>
+              <a:ext cx="1152128" cy="216024"/>
+            </a:xfrm>
+            <a:prstGeom prst="roundRect">
+              <a:avLst/>
+            </a:prstGeom>
+          </p:spPr>
+          <p:style>
+            <a:lnRef idx="2">
+              <a:schemeClr val="accent2">
+                <a:shade val="50000"/>
+              </a:schemeClr>
+            </a:lnRef>
+            <a:fillRef idx="1">
+              <a:schemeClr val="accent2"/>
+            </a:fillRef>
+            <a:effectRef idx="0">
+              <a:schemeClr val="accent2"/>
+            </a:effectRef>
+            <a:fontRef idx="minor">
+              <a:schemeClr val="lt1"/>
+            </a:fontRef>
+          </p:style>
+          <p:txBody>
+            <a:bodyPr rtlCol="0" anchor="ctr"/>
+            <a:lstStyle/>
+            <a:p>
+              <a:pPr algn="ctr"/>
+              <a:r>
+                <a:rPr lang="en-US" altLang="ko-KR" sz="1200" dirty="0" smtClean="0"/>
+                <a:t>Pending job</a:t>
+              </a:r>
+              <a:endParaRPr lang="ko-KR" altLang="en-US" sz="1200" dirty="0"/>
+            </a:p>
+          </p:txBody>
+        </p:sp>
+        <p:sp>
+          <p:nvSpPr>
+            <p:cNvPr id="72" name="모서리가 둥근 직사각형 71"/>
+            <p:cNvSpPr/>
+            <p:nvPr/>
+          </p:nvSpPr>
+          <p:spPr>
+            <a:xfrm>
+              <a:off x="395536" y="5776152"/>
+              <a:ext cx="1152128" cy="216024"/>
+            </a:xfrm>
+            <a:prstGeom prst="roundRect">
+              <a:avLst/>
+            </a:prstGeom>
+          </p:spPr>
+          <p:style>
+            <a:lnRef idx="2">
+              <a:schemeClr val="accent1"/>
+            </a:lnRef>
+            <a:fillRef idx="1">
+              <a:schemeClr val="lt1"/>
+            </a:fillRef>
+            <a:effectRef idx="0">
+              <a:schemeClr val="accent1"/>
+            </a:effectRef>
+            <a:fontRef idx="minor">
+              <a:schemeClr val="dk1"/>
+            </a:fontRef>
+          </p:style>
+          <p:txBody>
+            <a:bodyPr rtlCol="0" anchor="ctr"/>
+            <a:lstStyle/>
+            <a:p>
+              <a:pPr algn="ctr"/>
+              <a:r>
+                <a:rPr lang="en-US" altLang="ko-KR" sz="1200" dirty="0" smtClean="0"/>
+                <a:t>Job</a:t>
+              </a:r>
+              <a:endParaRPr lang="ko-KR" altLang="en-US" sz="1200" dirty="0"/>
+            </a:p>
+          </p:txBody>
+        </p:sp>
+        <p:pic>
+          <p:nvPicPr>
+            <p:cNvPr id="74" name="그림 73"/>
+            <p:cNvPicPr>
+              <a:picLocks noChangeAspect="1"/>
+            </p:cNvPicPr>
+            <p:nvPr/>
+          </p:nvPicPr>
+          <p:blipFill>
+            <a:blip r:embed="rId4" cstate="print">
+              <a:extLst>
+                <a:ext uri="{28A0092B-C50C-407E-A947-70E740481C1C}">
+                  <a14:useLocalDpi xmlns:a14="http://schemas.microsoft.com/office/drawing/2010/main" val="0"/>
+                </a:ext>
+              </a:extLst>
+            </a:blip>
+            <a:stretch>
+              <a:fillRect/>
+            </a:stretch>
+          </p:blipFill>
+          <p:spPr>
+            <a:xfrm>
+              <a:off x="1835696" y="6165304"/>
+              <a:ext cx="335052" cy="465350"/>
+            </a:xfrm>
+            <a:prstGeom prst="rect">
+              <a:avLst/>
+            </a:prstGeom>
+          </p:spPr>
+        </p:pic>
+        <p:pic>
+          <p:nvPicPr>
+            <p:cNvPr id="75" name="그림 74"/>
+            <p:cNvPicPr>
+              <a:picLocks noChangeAspect="1"/>
+            </p:cNvPicPr>
+            <p:nvPr/>
+          </p:nvPicPr>
+          <p:blipFill>
+            <a:blip r:embed="rId3" cstate="print">
+              <a:extLst>
+                <a:ext uri="{28A0092B-C50C-407E-A947-70E740481C1C}">
+                  <a14:useLocalDpi xmlns:a14="http://schemas.microsoft.com/office/drawing/2010/main" val="0"/>
+                </a:ext>
+              </a:extLst>
+            </a:blip>
+            <a:stretch>
+              <a:fillRect/>
+            </a:stretch>
+          </p:blipFill>
+          <p:spPr>
+            <a:xfrm>
+              <a:off x="1763688" y="5661248"/>
+              <a:ext cx="396478" cy="465350"/>
+            </a:xfrm>
+            <a:prstGeom prst="rect">
+              <a:avLst/>
+            </a:prstGeom>
+          </p:spPr>
+        </p:pic>
+        <p:sp>
+          <p:nvSpPr>
+            <p:cNvPr id="76" name="TextBox 75"/>
+            <p:cNvSpPr txBox="1"/>
+            <p:nvPr/>
+          </p:nvSpPr>
+          <p:spPr>
+            <a:xfrm>
+              <a:off x="2082920" y="6296912"/>
+              <a:ext cx="673454" cy="276999"/>
+            </a:xfrm>
+            <a:prstGeom prst="rect">
+              <a:avLst/>
+            </a:prstGeom>
+            <a:noFill/>
+          </p:spPr>
+          <p:txBody>
+            <a:bodyPr wrap="none" rtlCol="0">
+              <a:spAutoFit/>
+            </a:bodyPr>
+            <a:lstStyle/>
+            <a:p>
+              <a:r>
+                <a:rPr lang="en-US" altLang="ko-KR" sz="1200" dirty="0" smtClean="0"/>
+                <a:t>Locked</a:t>
+              </a:r>
+              <a:endParaRPr lang="ko-KR" altLang="en-US" sz="1200" dirty="0"/>
+            </a:p>
+          </p:txBody>
+        </p:sp>
+      </p:grpSp>
+      <p:sp>
+        <p:nvSpPr>
+          <p:cNvPr id="62" name="폭발 2 61"/>
           <p:cNvSpPr/>
           <p:nvPr/>
         </p:nvSpPr>
         <p:spPr>
           <a:xfrm>
-            <a:off x="395536" y="6079768"/>
-            <a:ext cx="1152128" cy="216024"/>
-          </a:xfrm>
-          <a:prstGeom prst="roundRect">
-            <a:avLst/>
-          </a:prstGeom>
+            <a:off x="3467730" y="2000639"/>
+            <a:ext cx="792088" cy="666562"/>
+          </a:xfrm>
+          <a:prstGeom prst="irregularSeal2">
+            <a:avLst/>
+          </a:prstGeom>
+          <a:solidFill>
+            <a:srgbClr val="FFFF00"/>
+          </a:solidFill>
+          <a:ln>
+            <a:solidFill>
+              <a:srgbClr val="FFC000"/>
+            </a:solidFill>
+          </a:ln>
         </p:spPr>
         <p:style>
           <a:lnRef idx="2">
@@ -10544,44 +11273,74 @@
           <a:lstStyle/>
           <a:p>
             <a:pPr algn="ctr"/>
-            <a:r>
-              <a:rPr lang="en-US" altLang="ko-KR" sz="1200" dirty="0"/>
-              <a:t>A</a:t>
-            </a:r>
-            <a:r>
-              <a:rPr lang="en-US" altLang="ko-KR" sz="1200" dirty="0" smtClean="0"/>
-              <a:t>ctive job</a:t>
-            </a:r>
-            <a:endParaRPr lang="ko-KR" altLang="en-US" sz="1200" dirty="0"/>
-          </a:p>
-        </p:txBody>
-      </p:sp>
-      <p:sp>
-        <p:nvSpPr>
-          <p:cNvPr id="71" name="모서리가 둥근 직사각형 70"/>
+            <a:endParaRPr lang="ko-KR" altLang="en-US"/>
+          </a:p>
+        </p:txBody>
+      </p:sp>
+      <p:pic>
+        <p:nvPicPr>
+          <p:cNvPr id="53" name="그림 52"/>
+          <p:cNvPicPr>
+            <a:picLocks noChangeAspect="1"/>
+          </p:cNvPicPr>
+          <p:nvPr/>
+        </p:nvPicPr>
+        <p:blipFill>
+          <a:blip r:embed="rId3" cstate="print">
+            <a:extLst>
+              <a:ext uri="{28A0092B-C50C-407E-A947-70E740481C1C}">
+                <a14:useLocalDpi xmlns:a14="http://schemas.microsoft.com/office/drawing/2010/main" val="0"/>
+              </a:ext>
+            </a:extLst>
+          </a:blip>
+          <a:stretch>
+            <a:fillRect/>
+          </a:stretch>
+        </p:blipFill>
+        <p:spPr>
+          <a:xfrm>
+            <a:off x="3635896" y="2027546"/>
+            <a:ext cx="396478" cy="465350"/>
+          </a:xfrm>
+          <a:prstGeom prst="rect">
+            <a:avLst/>
+          </a:prstGeom>
+        </p:spPr>
+      </p:pic>
+      <p:sp>
+        <p:nvSpPr>
+          <p:cNvPr id="66" name="폭발 2 65"/>
           <p:cNvSpPr/>
           <p:nvPr/>
         </p:nvSpPr>
         <p:spPr>
           <a:xfrm>
-            <a:off x="395536" y="6367800"/>
-            <a:ext cx="1152128" cy="216024"/>
-          </a:xfrm>
-          <a:prstGeom prst="roundRect">
-            <a:avLst/>
-          </a:prstGeom>
+            <a:off x="6653535" y="3360438"/>
+            <a:ext cx="792088" cy="666562"/>
+          </a:xfrm>
+          <a:prstGeom prst="irregularSeal2">
+            <a:avLst/>
+          </a:prstGeom>
+          <a:solidFill>
+            <a:srgbClr val="FFFF00"/>
+          </a:solidFill>
+          <a:ln>
+            <a:solidFill>
+              <a:srgbClr val="FFC000"/>
+            </a:solidFill>
+          </a:ln>
         </p:spPr>
         <p:style>
           <a:lnRef idx="2">
-            <a:schemeClr val="accent2">
+            <a:schemeClr val="accent1">
               <a:shade val="50000"/>
             </a:schemeClr>
           </a:lnRef>
           <a:fillRef idx="1">
-            <a:schemeClr val="accent2"/>
-          </a:fillRef>
-          <a:effectRef idx="0">
-            <a:schemeClr val="accent2"/>
+            <a:schemeClr val="accent1"/>
+          </a:fillRef>
+          <a:effectRef idx="0">
+            <a:schemeClr val="accent1"/>
           </a:effectRef>
           <a:fontRef idx="minor">
             <a:schemeClr val="lt1"/>
@@ -10592,59 +11351,13 @@
           <a:lstStyle/>
           <a:p>
             <a:pPr algn="ctr"/>
-            <a:r>
-              <a:rPr lang="en-US" altLang="ko-KR" sz="1200" dirty="0" smtClean="0"/>
-              <a:t>Pending job</a:t>
-            </a:r>
-            <a:endParaRPr lang="ko-KR" altLang="en-US" sz="1200" dirty="0"/>
-          </a:p>
-        </p:txBody>
-      </p:sp>
-      <p:sp>
-        <p:nvSpPr>
-          <p:cNvPr id="72" name="모서리가 둥근 직사각형 71"/>
-          <p:cNvSpPr/>
-          <p:nvPr/>
-        </p:nvSpPr>
-        <p:spPr>
-          <a:xfrm>
-            <a:off x="395536" y="5776152"/>
-            <a:ext cx="1152128" cy="216024"/>
-          </a:xfrm>
-          <a:prstGeom prst="roundRect">
-            <a:avLst/>
-          </a:prstGeom>
-        </p:spPr>
-        <p:style>
-          <a:lnRef idx="2">
-            <a:schemeClr val="accent1"/>
-          </a:lnRef>
-          <a:fillRef idx="1">
-            <a:schemeClr val="lt1"/>
-          </a:fillRef>
-          <a:effectRef idx="0">
-            <a:schemeClr val="accent1"/>
-          </a:effectRef>
-          <a:fontRef idx="minor">
-            <a:schemeClr val="dk1"/>
-          </a:fontRef>
-        </p:style>
-        <p:txBody>
-          <a:bodyPr rtlCol="0" anchor="ctr"/>
-          <a:lstStyle/>
-          <a:p>
-            <a:pPr algn="ctr"/>
-            <a:r>
-              <a:rPr lang="en-US" altLang="ko-KR" sz="1200" dirty="0" smtClean="0"/>
-              <a:t>Job</a:t>
-            </a:r>
-            <a:endParaRPr lang="ko-KR" altLang="en-US" sz="1200" dirty="0"/>
+            <a:endParaRPr lang="ko-KR" altLang="en-US"/>
           </a:p>
         </p:txBody>
       </p:sp>
       <p:pic>
         <p:nvPicPr>
-          <p:cNvPr id="74" name="그림 73"/>
+          <p:cNvPr id="54" name="그림 53"/>
           <p:cNvPicPr>
             <a:picLocks noChangeAspect="1"/>
           </p:cNvPicPr>
@@ -10664,7 +11377,7 @@
         </p:blipFill>
         <p:spPr>
           <a:xfrm>
-            <a:off x="1835696" y="6165304"/>
+            <a:off x="6829236" y="3395698"/>
             <a:ext cx="335052" cy="465350"/>
           </a:xfrm>
           <a:prstGeom prst="rect">
@@ -10672,75 +11385,15 @@
           </a:prstGeom>
         </p:spPr>
       </p:pic>
-      <p:pic>
-        <p:nvPicPr>
-          <p:cNvPr id="75" name="그림 74"/>
-          <p:cNvPicPr>
-            <a:picLocks noChangeAspect="1"/>
-          </p:cNvPicPr>
-          <p:nvPr/>
-        </p:nvPicPr>
-        <p:blipFill>
-          <a:blip r:embed="rId3" cstate="print">
-            <a:extLst>
-              <a:ext uri="{28A0092B-C50C-407E-A947-70E740481C1C}">
-                <a14:useLocalDpi xmlns:a14="http://schemas.microsoft.com/office/drawing/2010/main" val="0"/>
-              </a:ext>
-            </a:extLst>
-          </a:blip>
-          <a:stretch>
-            <a:fillRect/>
-          </a:stretch>
-        </p:blipFill>
-        <p:spPr>
-          <a:xfrm>
-            <a:off x="1763688" y="5661248"/>
-            <a:ext cx="396478" cy="465350"/>
-          </a:xfrm>
-          <a:prstGeom prst="rect">
-            <a:avLst/>
-          </a:prstGeom>
-        </p:spPr>
-      </p:pic>
-      <p:sp>
-        <p:nvSpPr>
-          <p:cNvPr id="76" name="TextBox 75"/>
-          <p:cNvSpPr txBox="1"/>
-          <p:nvPr/>
-        </p:nvSpPr>
-        <p:spPr>
-          <a:xfrm>
-            <a:off x="2082920" y="6296912"/>
-            <a:ext cx="673454" cy="276999"/>
-          </a:xfrm>
-          <a:prstGeom prst="rect">
-            <a:avLst/>
-          </a:prstGeom>
-          <a:noFill/>
-        </p:spPr>
-        <p:txBody>
-          <a:bodyPr wrap="none" rtlCol="0">
-            <a:spAutoFit/>
-          </a:bodyPr>
-          <a:lstStyle/>
-          <a:p>
-            <a:r>
-              <a:rPr lang="en-US" altLang="ko-KR" sz="1200" dirty="0" smtClean="0"/>
-              <a:t>Locked</a:t>
-            </a:r>
-            <a:endParaRPr lang="ko-KR" altLang="en-US" sz="1200" dirty="0"/>
-          </a:p>
-        </p:txBody>
-      </p:sp>
-      <p:sp>
-        <p:nvSpPr>
-          <p:cNvPr id="62" name="폭발 2 61"/>
+      <p:sp>
+        <p:nvSpPr>
+          <p:cNvPr id="63" name="폭발 2 62"/>
           <p:cNvSpPr/>
           <p:nvPr/>
         </p:nvSpPr>
         <p:spPr>
           <a:xfrm>
-            <a:off x="3467730" y="1712607"/>
+            <a:off x="2644982" y="1338415"/>
             <a:ext cx="792088" cy="666562"/>
           </a:xfrm>
           <a:prstGeom prst="irregularSeal2">
@@ -10782,85 +11435,7 @@
       </p:sp>
       <p:pic>
         <p:nvPicPr>
-          <p:cNvPr id="53" name="그림 52"/>
-          <p:cNvPicPr>
-            <a:picLocks noChangeAspect="1"/>
-          </p:cNvPicPr>
-          <p:nvPr/>
-        </p:nvPicPr>
-        <p:blipFill>
-          <a:blip r:embed="rId3" cstate="print">
-            <a:extLst>
-              <a:ext uri="{28A0092B-C50C-407E-A947-70E740481C1C}">
-                <a14:useLocalDpi xmlns:a14="http://schemas.microsoft.com/office/drawing/2010/main" val="0"/>
-              </a:ext>
-            </a:extLst>
-          </a:blip>
-          <a:stretch>
-            <a:fillRect/>
-          </a:stretch>
-        </p:blipFill>
-        <p:spPr>
-          <a:xfrm>
-            <a:off x="3635896" y="1739514"/>
-            <a:ext cx="396478" cy="465350"/>
-          </a:xfrm>
-          <a:prstGeom prst="rect">
-            <a:avLst/>
-          </a:prstGeom>
-        </p:spPr>
-      </p:pic>
-      <p:sp>
-        <p:nvSpPr>
-          <p:cNvPr id="66" name="폭발 2 65"/>
-          <p:cNvSpPr/>
-          <p:nvPr/>
-        </p:nvSpPr>
-        <p:spPr>
-          <a:xfrm>
-            <a:off x="6653535" y="3072406"/>
-            <a:ext cx="792088" cy="666562"/>
-          </a:xfrm>
-          <a:prstGeom prst="irregularSeal2">
-            <a:avLst/>
-          </a:prstGeom>
-          <a:solidFill>
-            <a:srgbClr val="FFFF00"/>
-          </a:solidFill>
-          <a:ln>
-            <a:solidFill>
-              <a:srgbClr val="FFC000"/>
-            </a:solidFill>
-          </a:ln>
-        </p:spPr>
-        <p:style>
-          <a:lnRef idx="2">
-            <a:schemeClr val="accent1">
-              <a:shade val="50000"/>
-            </a:schemeClr>
-          </a:lnRef>
-          <a:fillRef idx="1">
-            <a:schemeClr val="accent1"/>
-          </a:fillRef>
-          <a:effectRef idx="0">
-            <a:schemeClr val="accent1"/>
-          </a:effectRef>
-          <a:fontRef idx="minor">
-            <a:schemeClr val="lt1"/>
-          </a:fontRef>
-        </p:style>
-        <p:txBody>
-          <a:bodyPr rtlCol="0" anchor="ctr"/>
-          <a:lstStyle/>
-          <a:p>
-            <a:pPr algn="ctr"/>
-            <a:endParaRPr lang="ko-KR" altLang="en-US"/>
-          </a:p>
-        </p:txBody>
-      </p:sp>
-      <p:pic>
-        <p:nvPicPr>
-          <p:cNvPr id="54" name="그림 53"/>
+          <p:cNvPr id="59" name="그림 58"/>
           <p:cNvPicPr>
             <a:picLocks noChangeAspect="1"/>
           </p:cNvPicPr>
@@ -10880,85 +11455,7 @@
         </p:blipFill>
         <p:spPr>
           <a:xfrm>
-            <a:off x="6829236" y="3107666"/>
-            <a:ext cx="335052" cy="465350"/>
-          </a:xfrm>
-          <a:prstGeom prst="rect">
-            <a:avLst/>
-          </a:prstGeom>
-        </p:spPr>
-      </p:pic>
-      <p:sp>
-        <p:nvSpPr>
-          <p:cNvPr id="63" name="폭발 2 62"/>
-          <p:cNvSpPr/>
-          <p:nvPr/>
-        </p:nvSpPr>
-        <p:spPr>
-          <a:xfrm>
-            <a:off x="2644982" y="1050383"/>
-            <a:ext cx="792088" cy="666562"/>
-          </a:xfrm>
-          <a:prstGeom prst="irregularSeal2">
-            <a:avLst/>
-          </a:prstGeom>
-          <a:solidFill>
-            <a:srgbClr val="FFFF00"/>
-          </a:solidFill>
-          <a:ln>
-            <a:solidFill>
-              <a:srgbClr val="FFC000"/>
-            </a:solidFill>
-          </a:ln>
-        </p:spPr>
-        <p:style>
-          <a:lnRef idx="2">
-            <a:schemeClr val="accent1">
-              <a:shade val="50000"/>
-            </a:schemeClr>
-          </a:lnRef>
-          <a:fillRef idx="1">
-            <a:schemeClr val="accent1"/>
-          </a:fillRef>
-          <a:effectRef idx="0">
-            <a:schemeClr val="accent1"/>
-          </a:effectRef>
-          <a:fontRef idx="minor">
-            <a:schemeClr val="lt1"/>
-          </a:fontRef>
-        </p:style>
-        <p:txBody>
-          <a:bodyPr rtlCol="0" anchor="ctr"/>
-          <a:lstStyle/>
-          <a:p>
-            <a:pPr algn="ctr"/>
-            <a:endParaRPr lang="ko-KR" altLang="en-US"/>
-          </a:p>
-        </p:txBody>
-      </p:sp>
-      <p:pic>
-        <p:nvPicPr>
-          <p:cNvPr id="59" name="그림 58"/>
-          <p:cNvPicPr>
-            <a:picLocks noChangeAspect="1"/>
-          </p:cNvPicPr>
-          <p:nvPr/>
-        </p:nvPicPr>
-        <p:blipFill>
-          <a:blip r:embed="rId4" cstate="print">
-            <a:extLst>
-              <a:ext uri="{28A0092B-C50C-407E-A947-70E740481C1C}">
-                <a14:useLocalDpi xmlns:a14="http://schemas.microsoft.com/office/drawing/2010/main" val="0"/>
-              </a:ext>
-            </a:extLst>
-          </a:blip>
-          <a:stretch>
-            <a:fillRect/>
-          </a:stretch>
-        </p:blipFill>
-        <p:spPr>
-          <a:xfrm>
-            <a:off x="2836024" y="1131636"/>
+            <a:off x="2836024" y="1419668"/>
             <a:ext cx="335052" cy="465350"/>
           </a:xfrm>
           <a:prstGeom prst="rect">
@@ -10998,55 +11495,59 @@
       </p:grpSpPr>
       <p:sp>
         <p:nvSpPr>
-          <p:cNvPr id="57" name="직사각형 56"/>
+          <p:cNvPr id="4" name="모서리가 둥근 직사각형 3"/>
           <p:cNvSpPr/>
           <p:nvPr/>
         </p:nvSpPr>
         <p:spPr>
           <a:xfrm>
-            <a:off x="251519" y="5380108"/>
-            <a:ext cx="2752031" cy="1361260"/>
-          </a:xfrm>
-          <a:prstGeom prst="rect">
+            <a:off x="251520" y="2096340"/>
+            <a:ext cx="2304256" cy="504056"/>
+          </a:xfrm>
+          <a:prstGeom prst="roundRect">
             <a:avLst/>
           </a:prstGeom>
         </p:spPr>
         <p:style>
           <a:lnRef idx="2">
-            <a:schemeClr val="dk1"/>
+            <a:schemeClr val="accent1"/>
           </a:lnRef>
           <a:fillRef idx="1">
             <a:schemeClr val="lt1"/>
           </a:fillRef>
           <a:effectRef idx="0">
+            <a:schemeClr val="accent1"/>
+          </a:effectRef>
+          <a:fontRef idx="minor">
             <a:schemeClr val="dk1"/>
-          </a:effectRef>
-          <a:fontRef idx="minor">
-            <a:schemeClr val="dk1"/>
-          </a:fontRef>
-        </p:style>
-        <p:txBody>
-          <a:bodyPr rtlCol="0" anchor="t" anchorCtr="0"/>
-          <a:lstStyle/>
-          <a:p>
-            <a:pPr algn="ctr"/>
-            <a:r>
-              <a:rPr lang="en-US" altLang="ko-KR" sz="1200" b="1" dirty="0" smtClean="0"/>
-              <a:t>Legend</a:t>
-            </a:r>
-            <a:endParaRPr lang="ko-KR" altLang="en-US" sz="1200" b="1" dirty="0"/>
-          </a:p>
-        </p:txBody>
-      </p:sp>
-      <p:sp>
-        <p:nvSpPr>
-          <p:cNvPr id="4" name="모서리가 둥근 직사각형 3"/>
+          </a:fontRef>
+        </p:style>
+        <p:txBody>
+          <a:bodyPr rtlCol="0" anchor="ctr"/>
+          <a:lstStyle/>
+          <a:p>
+            <a:pPr algn="ctr"/>
+            <a:r>
+              <a:rPr lang="en-US" altLang="ko-KR" sz="1200" dirty="0"/>
+              <a:t>D</a:t>
+            </a:r>
+            <a:r>
+              <a:rPr lang="en-US" altLang="ko-KR" sz="1200" dirty="0" smtClean="0"/>
+              <a:t>eploy artifact for development server</a:t>
+            </a:r>
+            <a:endParaRPr lang="ko-KR" altLang="en-US" sz="1200" dirty="0"/>
+          </a:p>
+        </p:txBody>
+      </p:sp>
+      <p:sp>
+        <p:nvSpPr>
+          <p:cNvPr id="11" name="모서리가 둥근 직사각형 10"/>
           <p:cNvSpPr/>
           <p:nvPr/>
         </p:nvSpPr>
         <p:spPr>
           <a:xfrm>
-            <a:off x="251520" y="1808308"/>
+            <a:off x="251520" y="1419668"/>
             <a:ext cx="2304256" cy="504056"/>
           </a:xfrm>
           <a:prstGeom prst="roundRect">
@@ -11073,12 +11574,15 @@
           <a:p>
             <a:pPr algn="ctr"/>
             <a:r>
-              <a:rPr lang="en-US" altLang="ko-KR" sz="1200" dirty="0"/>
-              <a:t>D</a:t>
-            </a:r>
-            <a:r>
               <a:rPr lang="en-US" altLang="ko-KR" sz="1200" dirty="0" smtClean="0"/>
-              <a:t>eploy artifact for development server</a:t>
+              <a:t>Prepare artifact for</a:t>
+            </a:r>
+          </a:p>
+          <a:p>
+            <a:pPr algn="ctr"/>
+            <a:r>
+              <a:rPr lang="en-US" altLang="ko-KR" sz="1200" dirty="0" smtClean="0"/>
+              <a:t>development server</a:t>
             </a:r>
             <a:endParaRPr lang="ko-KR" altLang="en-US" sz="1200" dirty="0"/>
           </a:p>
@@ -11086,16 +11590,16 @@
       </p:sp>
       <p:sp>
         <p:nvSpPr>
-          <p:cNvPr id="11" name="모서리가 둥근 직사각형 10"/>
+          <p:cNvPr id="14" name="타원 13"/>
           <p:cNvSpPr/>
           <p:nvPr/>
         </p:nvSpPr>
         <p:spPr>
           <a:xfrm>
-            <a:off x="251520" y="1131636"/>
-            <a:ext cx="2304256" cy="504056"/>
-          </a:xfrm>
-          <a:prstGeom prst="roundRect">
+            <a:off x="1259632" y="981940"/>
+            <a:ext cx="288032" cy="288032"/>
+          </a:xfrm>
+          <a:prstGeom prst="ellipse">
             <a:avLst/>
           </a:prstGeom>
         </p:spPr>
@@ -11118,35 +11622,25 @@
           <a:lstStyle/>
           <a:p>
             <a:pPr algn="ctr"/>
-            <a:r>
-              <a:rPr lang="en-US" altLang="ko-KR" sz="1200" dirty="0" smtClean="0"/>
-              <a:t>Prepare artifact for</a:t>
-            </a:r>
-          </a:p>
-          <a:p>
-            <a:pPr algn="ctr"/>
-            <a:r>
-              <a:rPr lang="en-US" altLang="ko-KR" sz="1200" dirty="0" smtClean="0"/>
-              <a:t>development server</a:t>
-            </a:r>
-            <a:endParaRPr lang="ko-KR" altLang="en-US" sz="1200" dirty="0"/>
-          </a:p>
-        </p:txBody>
-      </p:sp>
-      <p:sp>
-        <p:nvSpPr>
-          <p:cNvPr id="14" name="타원 13"/>
+            <a:endParaRPr lang="ko-KR" altLang="en-US" sz="1200"/>
+          </a:p>
+        </p:txBody>
+      </p:sp>
+      <p:sp>
+        <p:nvSpPr>
+          <p:cNvPr id="15" name="타원 14"/>
           <p:cNvSpPr/>
           <p:nvPr/>
         </p:nvSpPr>
         <p:spPr>
           <a:xfrm>
-            <a:off x="1259632" y="693908"/>
+            <a:off x="1259632" y="3429000"/>
             <a:ext cx="288032" cy="288032"/>
           </a:xfrm>
           <a:prstGeom prst="ellipse">
             <a:avLst/>
           </a:prstGeom>
+          <a:ln w="63500"/>
         </p:spPr>
         <p:style>
           <a:lnRef idx="2">
@@ -11173,52 +11667,13 @@
       </p:sp>
       <p:sp>
         <p:nvSpPr>
-          <p:cNvPr id="15" name="타원 14"/>
-          <p:cNvSpPr/>
-          <p:nvPr/>
-        </p:nvSpPr>
-        <p:spPr>
-          <a:xfrm>
-            <a:off x="1259632" y="3140968"/>
-            <a:ext cx="288032" cy="288032"/>
-          </a:xfrm>
-          <a:prstGeom prst="ellipse">
-            <a:avLst/>
-          </a:prstGeom>
-          <a:ln w="63500"/>
-        </p:spPr>
-        <p:style>
-          <a:lnRef idx="2">
-            <a:schemeClr val="accent1"/>
-          </a:lnRef>
-          <a:fillRef idx="1">
-            <a:schemeClr val="lt1"/>
-          </a:fillRef>
-          <a:effectRef idx="0">
-            <a:schemeClr val="accent1"/>
-          </a:effectRef>
-          <a:fontRef idx="minor">
-            <a:schemeClr val="dk1"/>
-          </a:fontRef>
-        </p:style>
-        <p:txBody>
-          <a:bodyPr rtlCol="0" anchor="ctr"/>
-          <a:lstStyle/>
-          <a:p>
-            <a:pPr algn="ctr"/>
-            <a:endParaRPr lang="ko-KR" altLang="en-US" sz="1200"/>
-          </a:p>
-        </p:txBody>
-      </p:sp>
-      <p:sp>
-        <p:nvSpPr>
           <p:cNvPr id="16" name="모서리가 둥근 직사각형 15"/>
           <p:cNvSpPr/>
           <p:nvPr/>
         </p:nvSpPr>
         <p:spPr>
           <a:xfrm>
-            <a:off x="251520" y="2499788"/>
+            <a:off x="251520" y="2787820"/>
             <a:ext cx="2304256" cy="504056"/>
           </a:xfrm>
           <a:prstGeom prst="roundRect">
@@ -11272,7 +11727,7 @@
         </p:nvCxnSpPr>
         <p:spPr>
           <a:xfrm>
-            <a:off x="1403648" y="1635692"/>
+            <a:off x="1403648" y="1923724"/>
             <a:ext cx="0" cy="172616"/>
           </a:xfrm>
           <a:prstGeom prst="straightConnector1">
@@ -11312,7 +11767,7 @@
         </p:nvCxnSpPr>
         <p:spPr>
           <a:xfrm>
-            <a:off x="1403648" y="2312364"/>
+            <a:off x="1403648" y="2600396"/>
             <a:ext cx="0" cy="187424"/>
           </a:xfrm>
           <a:prstGeom prst="straightConnector1">
@@ -11352,7 +11807,7 @@
         </p:nvCxnSpPr>
         <p:spPr>
           <a:xfrm>
-            <a:off x="1403648" y="981940"/>
+            <a:off x="1403648" y="1269972"/>
             <a:ext cx="0" cy="149696"/>
           </a:xfrm>
           <a:prstGeom prst="straightConnector1">
@@ -11392,7 +11847,7 @@
         </p:nvCxnSpPr>
         <p:spPr>
           <a:xfrm>
-            <a:off x="1403648" y="3003844"/>
+            <a:off x="1403648" y="3291876"/>
             <a:ext cx="0" cy="137124"/>
           </a:xfrm>
           <a:prstGeom prst="straightConnector1">
@@ -11429,7 +11884,7 @@
         </p:nvSpPr>
         <p:spPr>
           <a:xfrm>
-            <a:off x="3419872" y="3175248"/>
+            <a:off x="3419872" y="3463280"/>
             <a:ext cx="2304256" cy="504056"/>
           </a:xfrm>
           <a:prstGeom prst="roundRect">
@@ -11482,7 +11937,7 @@
         </p:nvSpPr>
         <p:spPr>
           <a:xfrm>
-            <a:off x="3419872" y="2498576"/>
+            <a:off x="3419872" y="2786608"/>
             <a:ext cx="2304256" cy="504056"/>
           </a:xfrm>
           <a:prstGeom prst="roundRect">
@@ -11533,7 +11988,7 @@
         </p:nvSpPr>
         <p:spPr>
           <a:xfrm>
-            <a:off x="4427984" y="2060848"/>
+            <a:off x="4427984" y="2348880"/>
             <a:ext cx="288032" cy="288032"/>
           </a:xfrm>
           <a:prstGeom prst="ellipse">
@@ -11571,7 +12026,7 @@
         </p:nvSpPr>
         <p:spPr>
           <a:xfrm>
-            <a:off x="4427984" y="4507908"/>
+            <a:off x="4427984" y="4795940"/>
             <a:ext cx="288032" cy="288032"/>
           </a:xfrm>
           <a:prstGeom prst="ellipse">
@@ -11610,7 +12065,7 @@
         </p:nvSpPr>
         <p:spPr>
           <a:xfrm>
-            <a:off x="3419872" y="3866728"/>
+            <a:off x="3419872" y="4154760"/>
             <a:ext cx="2304256" cy="504056"/>
           </a:xfrm>
           <a:prstGeom prst="roundRect">
@@ -11662,7 +12117,7 @@
         </p:nvCxnSpPr>
         <p:spPr>
           <a:xfrm>
-            <a:off x="4572000" y="3002632"/>
+            <a:off x="4572000" y="3290664"/>
             <a:ext cx="0" cy="172616"/>
           </a:xfrm>
           <a:prstGeom prst="straightConnector1">
@@ -11702,7 +12157,7 @@
         </p:nvCxnSpPr>
         <p:spPr>
           <a:xfrm>
-            <a:off x="4572000" y="3679304"/>
+            <a:off x="4572000" y="3967336"/>
             <a:ext cx="0" cy="187424"/>
           </a:xfrm>
           <a:prstGeom prst="straightConnector1">
@@ -11742,7 +12197,7 @@
         </p:nvCxnSpPr>
         <p:spPr>
           <a:xfrm>
-            <a:off x="4572000" y="2348880"/>
+            <a:off x="4572000" y="2636912"/>
             <a:ext cx="0" cy="149696"/>
           </a:xfrm>
           <a:prstGeom prst="straightConnector1">
@@ -11782,7 +12237,7 @@
         </p:nvCxnSpPr>
         <p:spPr>
           <a:xfrm>
-            <a:off x="4572000" y="4370784"/>
+            <a:off x="4572000" y="4658816"/>
             <a:ext cx="0" cy="137124"/>
           </a:xfrm>
           <a:prstGeom prst="straightConnector1">
@@ -11819,7 +12274,7 @@
         </p:nvSpPr>
         <p:spPr>
           <a:xfrm>
-            <a:off x="6588224" y="4544612"/>
+            <a:off x="6588224" y="4832644"/>
             <a:ext cx="2304256" cy="504056"/>
           </a:xfrm>
           <a:prstGeom prst="roundRect">
@@ -11865,7 +12320,7 @@
         </p:nvSpPr>
         <p:spPr>
           <a:xfrm>
-            <a:off x="6588224" y="3867940"/>
+            <a:off x="6588224" y="4155972"/>
             <a:ext cx="2304256" cy="504056"/>
           </a:xfrm>
           <a:prstGeom prst="roundRect">
@@ -11916,7 +12371,7 @@
         </p:nvSpPr>
         <p:spPr>
           <a:xfrm>
-            <a:off x="7596336" y="3430212"/>
+            <a:off x="7596336" y="3718244"/>
             <a:ext cx="288032" cy="288032"/>
           </a:xfrm>
           <a:prstGeom prst="ellipse">
@@ -11954,7 +12409,7 @@
         </p:nvSpPr>
         <p:spPr>
           <a:xfrm>
-            <a:off x="7596336" y="5877272"/>
+            <a:off x="7596336" y="6165304"/>
             <a:ext cx="288032" cy="288032"/>
           </a:xfrm>
           <a:prstGeom prst="ellipse">
@@ -11993,7 +12448,7 @@
         </p:nvSpPr>
         <p:spPr>
           <a:xfrm>
-            <a:off x="6588224" y="5236092"/>
+            <a:off x="6588224" y="5524124"/>
             <a:ext cx="2304256" cy="504056"/>
           </a:xfrm>
           <a:prstGeom prst="roundRect">
@@ -12045,7 +12500,7 @@
         </p:nvCxnSpPr>
         <p:spPr>
           <a:xfrm>
-            <a:off x="7740352" y="4371996"/>
+            <a:off x="7740352" y="4660028"/>
             <a:ext cx="0" cy="172616"/>
           </a:xfrm>
           <a:prstGeom prst="straightConnector1">
@@ -12085,7 +12540,7 @@
         </p:nvCxnSpPr>
         <p:spPr>
           <a:xfrm>
-            <a:off x="7740352" y="5048668"/>
+            <a:off x="7740352" y="5336700"/>
             <a:ext cx="0" cy="187424"/>
           </a:xfrm>
           <a:prstGeom prst="straightConnector1">
@@ -12125,7 +12580,7 @@
         </p:nvCxnSpPr>
         <p:spPr>
           <a:xfrm>
-            <a:off x="7740352" y="3718244"/>
+            <a:off x="7740352" y="4006276"/>
             <a:ext cx="0" cy="149696"/>
           </a:xfrm>
           <a:prstGeom prst="straightConnector1">
@@ -12165,7 +12620,7 @@
         </p:nvCxnSpPr>
         <p:spPr>
           <a:xfrm>
-            <a:off x="7740352" y="5740148"/>
+            <a:off x="7740352" y="6028180"/>
             <a:ext cx="0" cy="137124"/>
           </a:xfrm>
           <a:prstGeom prst="straightConnector1">
@@ -12202,7 +12657,7 @@
         </p:nvSpPr>
         <p:spPr>
           <a:xfrm>
-            <a:off x="2627784" y="1244516"/>
+            <a:off x="2627784" y="1532548"/>
             <a:ext cx="809286" cy="313488"/>
           </a:xfrm>
           <a:prstGeom prst="rightArrow">
@@ -12242,7 +12697,7 @@
         </p:nvSpPr>
         <p:spPr>
           <a:xfrm>
-            <a:off x="5836692" y="2564904"/>
+            <a:off x="5836692" y="2852936"/>
             <a:ext cx="751532" cy="313488"/>
           </a:xfrm>
           <a:prstGeom prst="rightArrow">
@@ -12282,7 +12737,7 @@
         </p:nvSpPr>
         <p:spPr>
           <a:xfrm rot="5400000">
-            <a:off x="3453850" y="1915466"/>
+            <a:off x="3453850" y="2203498"/>
             <a:ext cx="796140" cy="313488"/>
           </a:xfrm>
           <a:prstGeom prst="rightArrow">
@@ -12322,7 +12777,7 @@
         </p:nvSpPr>
         <p:spPr>
           <a:xfrm rot="5400000">
-            <a:off x="6559612" y="3275096"/>
+            <a:off x="6559612" y="3563128"/>
             <a:ext cx="858416" cy="313488"/>
           </a:xfrm>
           <a:prstGeom prst="rightArrow">
@@ -12376,7 +12831,7 @@
         </p:blipFill>
         <p:spPr>
           <a:xfrm>
-            <a:off x="3437070" y="1031770"/>
+            <a:off x="3437070" y="1319802"/>
             <a:ext cx="777788" cy="777788"/>
           </a:xfrm>
           <a:prstGeom prst="rect">
@@ -12406,7 +12861,7 @@
         </p:blipFill>
         <p:spPr>
           <a:xfrm>
-            <a:off x="6599926" y="2332754"/>
+            <a:off x="6599926" y="2620786"/>
             <a:ext cx="777788" cy="777788"/>
           </a:xfrm>
           <a:prstGeom prst="rect">
@@ -12436,7 +12891,7 @@
         </p:blipFill>
         <p:spPr>
           <a:xfrm>
-            <a:off x="5903714" y="2492896"/>
+            <a:off x="5903714" y="2780928"/>
             <a:ext cx="396478" cy="465350"/>
           </a:xfrm>
           <a:prstGeom prst="rect">
@@ -12452,7 +12907,7 @@
         </p:nvSpPr>
         <p:spPr>
           <a:xfrm>
-            <a:off x="4139952" y="1167135"/>
+            <a:off x="4139952" y="1455167"/>
             <a:ext cx="1879740" cy="461665"/>
           </a:xfrm>
           <a:prstGeom prst="rect">
@@ -12482,7 +12937,7 @@
         </p:nvSpPr>
         <p:spPr>
           <a:xfrm>
-            <a:off x="7308304" y="2492896"/>
+            <a:off x="7308304" y="2780928"/>
             <a:ext cx="1728192" cy="461665"/>
           </a:xfrm>
           <a:prstGeom prst="rect">
@@ -12506,14 +12961,14 @@
       </p:sp>
       <p:sp>
         <p:nvSpPr>
-          <p:cNvPr id="65" name="TextBox 64"/>
+          <p:cNvPr id="56" name="TextBox 55"/>
           <p:cNvSpPr txBox="1"/>
           <p:nvPr/>
         </p:nvSpPr>
         <p:spPr>
           <a:xfrm>
-            <a:off x="2080459" y="5733256"/>
-            <a:ext cx="835357" cy="276999"/>
+            <a:off x="251520" y="179348"/>
+            <a:ext cx="6496266" cy="369332"/>
           </a:xfrm>
           <a:prstGeom prst="rect">
             <a:avLst/>
@@ -12527,36 +12982,6 @@
           <a:lstStyle/>
           <a:p>
             <a:r>
-              <a:rPr lang="en-US" altLang="ko-KR" sz="1200" dirty="0" smtClean="0"/>
-              <a:t>Unlocked</a:t>
-            </a:r>
-            <a:endParaRPr lang="ko-KR" altLang="en-US" sz="1200" dirty="0"/>
-          </a:p>
-        </p:txBody>
-      </p:sp>
-      <p:sp>
-        <p:nvSpPr>
-          <p:cNvPr id="56" name="TextBox 55"/>
-          <p:cNvSpPr txBox="1"/>
-          <p:nvPr/>
-        </p:nvSpPr>
-        <p:spPr>
-          <a:xfrm>
-            <a:off x="251520" y="179348"/>
-            <a:ext cx="6496266" cy="369332"/>
-          </a:xfrm>
-          <a:prstGeom prst="rect">
-            <a:avLst/>
-          </a:prstGeom>
-          <a:noFill/>
-        </p:spPr>
-        <p:txBody>
-          <a:bodyPr wrap="none" rtlCol="0">
-            <a:spAutoFit/>
-          </a:bodyPr>
-          <a:lstStyle/>
-          <a:p>
-            <a:r>
               <a:rPr lang="en-US" altLang="ko-KR" dirty="0" smtClean="0"/>
               <a:t>Status: Prepare Staging Server + Prepare Production Server </a:t>
             </a:r>
@@ -12564,143 +12989,350 @@
           </a:p>
         </p:txBody>
       </p:sp>
-      <p:sp>
-        <p:nvSpPr>
-          <p:cNvPr id="70" name="모서리가 둥근 직사각형 69"/>
-          <p:cNvSpPr/>
-          <p:nvPr/>
-        </p:nvSpPr>
-        <p:spPr>
-          <a:xfrm>
-            <a:off x="395536" y="6079768"/>
-            <a:ext cx="1152128" cy="216024"/>
-          </a:xfrm>
-          <a:prstGeom prst="roundRect">
-            <a:avLst/>
-          </a:prstGeom>
-        </p:spPr>
-        <p:style>
-          <a:lnRef idx="2">
-            <a:schemeClr val="accent1">
-              <a:shade val="50000"/>
-            </a:schemeClr>
-          </a:lnRef>
-          <a:fillRef idx="1">
-            <a:schemeClr val="accent1"/>
-          </a:fillRef>
-          <a:effectRef idx="0">
-            <a:schemeClr val="accent1"/>
-          </a:effectRef>
-          <a:fontRef idx="minor">
-            <a:schemeClr val="lt1"/>
-          </a:fontRef>
-        </p:style>
-        <p:txBody>
-          <a:bodyPr rtlCol="0" anchor="ctr"/>
-          <a:lstStyle/>
-          <a:p>
-            <a:pPr algn="ctr"/>
-            <a:r>
-              <a:rPr lang="en-US" altLang="ko-KR" sz="1200" dirty="0"/>
-              <a:t>A</a:t>
-            </a:r>
-            <a:r>
-              <a:rPr lang="en-US" altLang="ko-KR" sz="1200" dirty="0" smtClean="0"/>
-              <a:t>ctive job</a:t>
-            </a:r>
-            <a:endParaRPr lang="ko-KR" altLang="en-US" sz="1200" dirty="0"/>
-          </a:p>
-        </p:txBody>
-      </p:sp>
-      <p:sp>
-        <p:nvSpPr>
-          <p:cNvPr id="71" name="모서리가 둥근 직사각형 70"/>
-          <p:cNvSpPr/>
-          <p:nvPr/>
-        </p:nvSpPr>
-        <p:spPr>
-          <a:xfrm>
-            <a:off x="395536" y="6367800"/>
-            <a:ext cx="1152128" cy="216024"/>
-          </a:xfrm>
-          <a:prstGeom prst="roundRect">
-            <a:avLst/>
-          </a:prstGeom>
-        </p:spPr>
-        <p:style>
-          <a:lnRef idx="2">
-            <a:schemeClr val="accent2">
-              <a:shade val="50000"/>
-            </a:schemeClr>
-          </a:lnRef>
-          <a:fillRef idx="1">
-            <a:schemeClr val="accent2"/>
-          </a:fillRef>
-          <a:effectRef idx="0">
-            <a:schemeClr val="accent2"/>
-          </a:effectRef>
-          <a:fontRef idx="minor">
-            <a:schemeClr val="lt1"/>
-          </a:fontRef>
-        </p:style>
-        <p:txBody>
-          <a:bodyPr rtlCol="0" anchor="ctr"/>
-          <a:lstStyle/>
-          <a:p>
-            <a:pPr algn="ctr"/>
-            <a:r>
-              <a:rPr lang="en-US" altLang="ko-KR" sz="1200" dirty="0" smtClean="0"/>
-              <a:t>Pending job</a:t>
-            </a:r>
-            <a:endParaRPr lang="ko-KR" altLang="en-US" sz="1200" dirty="0"/>
-          </a:p>
-        </p:txBody>
-      </p:sp>
-      <p:sp>
-        <p:nvSpPr>
-          <p:cNvPr id="72" name="모서리가 둥근 직사각형 71"/>
-          <p:cNvSpPr/>
-          <p:nvPr/>
-        </p:nvSpPr>
-        <p:spPr>
-          <a:xfrm>
-            <a:off x="395536" y="5776152"/>
-            <a:ext cx="1152128" cy="216024"/>
-          </a:xfrm>
-          <a:prstGeom prst="roundRect">
-            <a:avLst/>
-          </a:prstGeom>
-        </p:spPr>
-        <p:style>
-          <a:lnRef idx="2">
-            <a:schemeClr val="accent1"/>
-          </a:lnRef>
-          <a:fillRef idx="1">
-            <a:schemeClr val="lt1"/>
-          </a:fillRef>
-          <a:effectRef idx="0">
-            <a:schemeClr val="accent1"/>
-          </a:effectRef>
-          <a:fontRef idx="minor">
-            <a:schemeClr val="dk1"/>
-          </a:fontRef>
-        </p:style>
-        <p:txBody>
-          <a:bodyPr rtlCol="0" anchor="ctr"/>
-          <a:lstStyle/>
-          <a:p>
-            <a:pPr algn="ctr"/>
-            <a:r>
-              <a:rPr lang="en-US" altLang="ko-KR" sz="1200" dirty="0" smtClean="0"/>
-              <a:t>Job</a:t>
-            </a:r>
-            <a:endParaRPr lang="ko-KR" altLang="en-US" sz="1200" dirty="0"/>
-          </a:p>
-        </p:txBody>
-      </p:sp>
+      <p:grpSp>
+        <p:nvGrpSpPr>
+          <p:cNvPr id="2" name="그룹 1"/>
+          <p:cNvGrpSpPr/>
+          <p:nvPr/>
+        </p:nvGrpSpPr>
+        <p:grpSpPr>
+          <a:xfrm>
+            <a:off x="251519" y="5380108"/>
+            <a:ext cx="2752031" cy="1361260"/>
+            <a:chOff x="251519" y="5380108"/>
+            <a:chExt cx="2752031" cy="1361260"/>
+          </a:xfrm>
+        </p:grpSpPr>
+        <p:sp>
+          <p:nvSpPr>
+            <p:cNvPr id="57" name="직사각형 56"/>
+            <p:cNvSpPr/>
+            <p:nvPr/>
+          </p:nvSpPr>
+          <p:spPr>
+            <a:xfrm>
+              <a:off x="251519" y="5380108"/>
+              <a:ext cx="2752031" cy="1361260"/>
+            </a:xfrm>
+            <a:prstGeom prst="rect">
+              <a:avLst/>
+            </a:prstGeom>
+          </p:spPr>
+          <p:style>
+            <a:lnRef idx="2">
+              <a:schemeClr val="dk1"/>
+            </a:lnRef>
+            <a:fillRef idx="1">
+              <a:schemeClr val="lt1"/>
+            </a:fillRef>
+            <a:effectRef idx="0">
+              <a:schemeClr val="dk1"/>
+            </a:effectRef>
+            <a:fontRef idx="minor">
+              <a:schemeClr val="dk1"/>
+            </a:fontRef>
+          </p:style>
+          <p:txBody>
+            <a:bodyPr rtlCol="0" anchor="t" anchorCtr="0"/>
+            <a:lstStyle/>
+            <a:p>
+              <a:pPr algn="ctr"/>
+              <a:r>
+                <a:rPr lang="en-US" altLang="ko-KR" sz="1200" b="1" dirty="0" smtClean="0"/>
+                <a:t>Legend</a:t>
+              </a:r>
+              <a:endParaRPr lang="ko-KR" altLang="en-US" sz="1200" b="1" dirty="0"/>
+            </a:p>
+          </p:txBody>
+        </p:sp>
+        <p:sp>
+          <p:nvSpPr>
+            <p:cNvPr id="65" name="TextBox 64"/>
+            <p:cNvSpPr txBox="1"/>
+            <p:nvPr/>
+          </p:nvSpPr>
+          <p:spPr>
+            <a:xfrm>
+              <a:off x="2080459" y="5733256"/>
+              <a:ext cx="835357" cy="276999"/>
+            </a:xfrm>
+            <a:prstGeom prst="rect">
+              <a:avLst/>
+            </a:prstGeom>
+            <a:noFill/>
+          </p:spPr>
+          <p:txBody>
+            <a:bodyPr wrap="none" rtlCol="0">
+              <a:spAutoFit/>
+            </a:bodyPr>
+            <a:lstStyle/>
+            <a:p>
+              <a:r>
+                <a:rPr lang="en-US" altLang="ko-KR" sz="1200" dirty="0" smtClean="0"/>
+                <a:t>Unlocked</a:t>
+              </a:r>
+              <a:endParaRPr lang="ko-KR" altLang="en-US" sz="1200" dirty="0"/>
+            </a:p>
+          </p:txBody>
+        </p:sp>
+        <p:sp>
+          <p:nvSpPr>
+            <p:cNvPr id="70" name="모서리가 둥근 직사각형 69"/>
+            <p:cNvSpPr/>
+            <p:nvPr/>
+          </p:nvSpPr>
+          <p:spPr>
+            <a:xfrm>
+              <a:off x="395536" y="6079768"/>
+              <a:ext cx="1152128" cy="216024"/>
+            </a:xfrm>
+            <a:prstGeom prst="roundRect">
+              <a:avLst/>
+            </a:prstGeom>
+          </p:spPr>
+          <p:style>
+            <a:lnRef idx="2">
+              <a:schemeClr val="accent1">
+                <a:shade val="50000"/>
+              </a:schemeClr>
+            </a:lnRef>
+            <a:fillRef idx="1">
+              <a:schemeClr val="accent1"/>
+            </a:fillRef>
+            <a:effectRef idx="0">
+              <a:schemeClr val="accent1"/>
+            </a:effectRef>
+            <a:fontRef idx="minor">
+              <a:schemeClr val="lt1"/>
+            </a:fontRef>
+          </p:style>
+          <p:txBody>
+            <a:bodyPr rtlCol="0" anchor="ctr"/>
+            <a:lstStyle/>
+            <a:p>
+              <a:pPr algn="ctr"/>
+              <a:r>
+                <a:rPr lang="en-US" altLang="ko-KR" sz="1200" dirty="0"/>
+                <a:t>A</a:t>
+              </a:r>
+              <a:r>
+                <a:rPr lang="en-US" altLang="ko-KR" sz="1200" dirty="0" smtClean="0"/>
+                <a:t>ctive job</a:t>
+              </a:r>
+              <a:endParaRPr lang="ko-KR" altLang="en-US" sz="1200" dirty="0"/>
+            </a:p>
+          </p:txBody>
+        </p:sp>
+        <p:sp>
+          <p:nvSpPr>
+            <p:cNvPr id="71" name="모서리가 둥근 직사각형 70"/>
+            <p:cNvSpPr/>
+            <p:nvPr/>
+          </p:nvSpPr>
+          <p:spPr>
+            <a:xfrm>
+              <a:off x="395536" y="6367800"/>
+              <a:ext cx="1152128" cy="216024"/>
+            </a:xfrm>
+            <a:prstGeom prst="roundRect">
+              <a:avLst/>
+            </a:prstGeom>
+          </p:spPr>
+          <p:style>
+            <a:lnRef idx="2">
+              <a:schemeClr val="accent2">
+                <a:shade val="50000"/>
+              </a:schemeClr>
+            </a:lnRef>
+            <a:fillRef idx="1">
+              <a:schemeClr val="accent2"/>
+            </a:fillRef>
+            <a:effectRef idx="0">
+              <a:schemeClr val="accent2"/>
+            </a:effectRef>
+            <a:fontRef idx="minor">
+              <a:schemeClr val="lt1"/>
+            </a:fontRef>
+          </p:style>
+          <p:txBody>
+            <a:bodyPr rtlCol="0" anchor="ctr"/>
+            <a:lstStyle/>
+            <a:p>
+              <a:pPr algn="ctr"/>
+              <a:r>
+                <a:rPr lang="en-US" altLang="ko-KR" sz="1200" dirty="0" smtClean="0"/>
+                <a:t>Pending job</a:t>
+              </a:r>
+              <a:endParaRPr lang="ko-KR" altLang="en-US" sz="1200" dirty="0"/>
+            </a:p>
+          </p:txBody>
+        </p:sp>
+        <p:sp>
+          <p:nvSpPr>
+            <p:cNvPr id="72" name="모서리가 둥근 직사각형 71"/>
+            <p:cNvSpPr/>
+            <p:nvPr/>
+          </p:nvSpPr>
+          <p:spPr>
+            <a:xfrm>
+              <a:off x="395536" y="5776152"/>
+              <a:ext cx="1152128" cy="216024"/>
+            </a:xfrm>
+            <a:prstGeom prst="roundRect">
+              <a:avLst/>
+            </a:prstGeom>
+          </p:spPr>
+          <p:style>
+            <a:lnRef idx="2">
+              <a:schemeClr val="accent1"/>
+            </a:lnRef>
+            <a:fillRef idx="1">
+              <a:schemeClr val="lt1"/>
+            </a:fillRef>
+            <a:effectRef idx="0">
+              <a:schemeClr val="accent1"/>
+            </a:effectRef>
+            <a:fontRef idx="minor">
+              <a:schemeClr val="dk1"/>
+            </a:fontRef>
+          </p:style>
+          <p:txBody>
+            <a:bodyPr rtlCol="0" anchor="ctr"/>
+            <a:lstStyle/>
+            <a:p>
+              <a:pPr algn="ctr"/>
+              <a:r>
+                <a:rPr lang="en-US" altLang="ko-KR" sz="1200" dirty="0" smtClean="0"/>
+                <a:t>Job</a:t>
+              </a:r>
+              <a:endParaRPr lang="ko-KR" altLang="en-US" sz="1200" dirty="0"/>
+            </a:p>
+          </p:txBody>
+        </p:sp>
+        <p:pic>
+          <p:nvPicPr>
+            <p:cNvPr id="74" name="그림 73"/>
+            <p:cNvPicPr>
+              <a:picLocks noChangeAspect="1"/>
+            </p:cNvPicPr>
+            <p:nvPr/>
+          </p:nvPicPr>
+          <p:blipFill>
+            <a:blip r:embed="rId4" cstate="print">
+              <a:extLst>
+                <a:ext uri="{28A0092B-C50C-407E-A947-70E740481C1C}">
+                  <a14:useLocalDpi xmlns:a14="http://schemas.microsoft.com/office/drawing/2010/main" val="0"/>
+                </a:ext>
+              </a:extLst>
+            </a:blip>
+            <a:stretch>
+              <a:fillRect/>
+            </a:stretch>
+          </p:blipFill>
+          <p:spPr>
+            <a:xfrm>
+              <a:off x="1835696" y="6165304"/>
+              <a:ext cx="335052" cy="465350"/>
+            </a:xfrm>
+            <a:prstGeom prst="rect">
+              <a:avLst/>
+            </a:prstGeom>
+          </p:spPr>
+        </p:pic>
+        <p:pic>
+          <p:nvPicPr>
+            <p:cNvPr id="75" name="그림 74"/>
+            <p:cNvPicPr>
+              <a:picLocks noChangeAspect="1"/>
+            </p:cNvPicPr>
+            <p:nvPr/>
+          </p:nvPicPr>
+          <p:blipFill>
+            <a:blip r:embed="rId3" cstate="print">
+              <a:extLst>
+                <a:ext uri="{28A0092B-C50C-407E-A947-70E740481C1C}">
+                  <a14:useLocalDpi xmlns:a14="http://schemas.microsoft.com/office/drawing/2010/main" val="0"/>
+                </a:ext>
+              </a:extLst>
+            </a:blip>
+            <a:stretch>
+              <a:fillRect/>
+            </a:stretch>
+          </p:blipFill>
+          <p:spPr>
+            <a:xfrm>
+              <a:off x="1763688" y="5661248"/>
+              <a:ext cx="396478" cy="465350"/>
+            </a:xfrm>
+            <a:prstGeom prst="rect">
+              <a:avLst/>
+            </a:prstGeom>
+          </p:spPr>
+        </p:pic>
+        <p:sp>
+          <p:nvSpPr>
+            <p:cNvPr id="76" name="TextBox 75"/>
+            <p:cNvSpPr txBox="1"/>
+            <p:nvPr/>
+          </p:nvSpPr>
+          <p:spPr>
+            <a:xfrm>
+              <a:off x="2082920" y="6296912"/>
+              <a:ext cx="673454" cy="276999"/>
+            </a:xfrm>
+            <a:prstGeom prst="rect">
+              <a:avLst/>
+            </a:prstGeom>
+            <a:noFill/>
+          </p:spPr>
+          <p:txBody>
+            <a:bodyPr wrap="none" rtlCol="0">
+              <a:spAutoFit/>
+            </a:bodyPr>
+            <a:lstStyle/>
+            <a:p>
+              <a:r>
+                <a:rPr lang="en-US" altLang="ko-KR" sz="1200" dirty="0" smtClean="0"/>
+                <a:t>Locked</a:t>
+              </a:r>
+              <a:endParaRPr lang="ko-KR" altLang="en-US" sz="1200" dirty="0"/>
+            </a:p>
+          </p:txBody>
+        </p:sp>
+      </p:grpSp>
       <p:pic>
         <p:nvPicPr>
-          <p:cNvPr id="74" name="그림 73"/>
+          <p:cNvPr id="53" name="그림 52"/>
+          <p:cNvPicPr>
+            <a:picLocks noChangeAspect="1"/>
+          </p:cNvPicPr>
+          <p:nvPr/>
+        </p:nvPicPr>
+        <p:blipFill>
+          <a:blip r:embed="rId3" cstate="print">
+            <a:extLst>
+              <a:ext uri="{28A0092B-C50C-407E-A947-70E740481C1C}">
+                <a14:useLocalDpi xmlns:a14="http://schemas.microsoft.com/office/drawing/2010/main" val="0"/>
+              </a:ext>
+            </a:extLst>
+          </a:blip>
+          <a:stretch>
+            <a:fillRect/>
+          </a:stretch>
+        </p:blipFill>
+        <p:spPr>
+          <a:xfrm>
+            <a:off x="3635896" y="2027546"/>
+            <a:ext cx="396478" cy="465350"/>
+          </a:xfrm>
+          <a:prstGeom prst="rect">
+            <a:avLst/>
+          </a:prstGeom>
+        </p:spPr>
+      </p:pic>
+      <p:pic>
+        <p:nvPicPr>
+          <p:cNvPr id="54" name="그림 53"/>
           <p:cNvPicPr>
             <a:picLocks noChangeAspect="1"/>
           </p:cNvPicPr>
@@ -12720,7 +13352,7 @@
         </p:blipFill>
         <p:spPr>
           <a:xfrm>
-            <a:off x="1835696" y="6165304"/>
+            <a:off x="6829236" y="3395698"/>
             <a:ext cx="335052" cy="465350"/>
           </a:xfrm>
           <a:prstGeom prst="rect">
@@ -12730,97 +13362,7 @@
       </p:pic>
       <p:pic>
         <p:nvPicPr>
-          <p:cNvPr id="75" name="그림 74"/>
-          <p:cNvPicPr>
-            <a:picLocks noChangeAspect="1"/>
-          </p:cNvPicPr>
-          <p:nvPr/>
-        </p:nvPicPr>
-        <p:blipFill>
-          <a:blip r:embed="rId3" cstate="print">
-            <a:extLst>
-              <a:ext uri="{28A0092B-C50C-407E-A947-70E740481C1C}">
-                <a14:useLocalDpi xmlns:a14="http://schemas.microsoft.com/office/drawing/2010/main" val="0"/>
-              </a:ext>
-            </a:extLst>
-          </a:blip>
-          <a:stretch>
-            <a:fillRect/>
-          </a:stretch>
-        </p:blipFill>
-        <p:spPr>
-          <a:xfrm>
-            <a:off x="1763688" y="5661248"/>
-            <a:ext cx="396478" cy="465350"/>
-          </a:xfrm>
-          <a:prstGeom prst="rect">
-            <a:avLst/>
-          </a:prstGeom>
-        </p:spPr>
-      </p:pic>
-      <p:sp>
-        <p:nvSpPr>
-          <p:cNvPr id="76" name="TextBox 75"/>
-          <p:cNvSpPr txBox="1"/>
-          <p:nvPr/>
-        </p:nvSpPr>
-        <p:spPr>
-          <a:xfrm>
-            <a:off x="2082920" y="6296912"/>
-            <a:ext cx="673454" cy="276999"/>
-          </a:xfrm>
-          <a:prstGeom prst="rect">
-            <a:avLst/>
-          </a:prstGeom>
-          <a:noFill/>
-        </p:spPr>
-        <p:txBody>
-          <a:bodyPr wrap="none" rtlCol="0">
-            <a:spAutoFit/>
-          </a:bodyPr>
-          <a:lstStyle/>
-          <a:p>
-            <a:r>
-              <a:rPr lang="en-US" altLang="ko-KR" sz="1200" dirty="0" smtClean="0"/>
-              <a:t>Locked</a:t>
-            </a:r>
-            <a:endParaRPr lang="ko-KR" altLang="en-US" sz="1200" dirty="0"/>
-          </a:p>
-        </p:txBody>
-      </p:sp>
-      <p:pic>
-        <p:nvPicPr>
-          <p:cNvPr id="53" name="그림 52"/>
-          <p:cNvPicPr>
-            <a:picLocks noChangeAspect="1"/>
-          </p:cNvPicPr>
-          <p:nvPr/>
-        </p:nvPicPr>
-        <p:blipFill>
-          <a:blip r:embed="rId3" cstate="print">
-            <a:extLst>
-              <a:ext uri="{28A0092B-C50C-407E-A947-70E740481C1C}">
-                <a14:useLocalDpi xmlns:a14="http://schemas.microsoft.com/office/drawing/2010/main" val="0"/>
-              </a:ext>
-            </a:extLst>
-          </a:blip>
-          <a:stretch>
-            <a:fillRect/>
-          </a:stretch>
-        </p:blipFill>
-        <p:spPr>
-          <a:xfrm>
-            <a:off x="3635896" y="1739514"/>
-            <a:ext cx="396478" cy="465350"/>
-          </a:xfrm>
-          <a:prstGeom prst="rect">
-            <a:avLst/>
-          </a:prstGeom>
-        </p:spPr>
-      </p:pic>
-      <p:pic>
-        <p:nvPicPr>
-          <p:cNvPr id="54" name="그림 53"/>
+          <p:cNvPr id="52" name="그림 51"/>
           <p:cNvPicPr>
             <a:picLocks noChangeAspect="1"/>
           </p:cNvPicPr>
@@ -12840,37 +13382,7 @@
         </p:blipFill>
         <p:spPr>
           <a:xfrm>
-            <a:off x="6829236" y="3107666"/>
-            <a:ext cx="335052" cy="465350"/>
-          </a:xfrm>
-          <a:prstGeom prst="rect">
-            <a:avLst/>
-          </a:prstGeom>
-        </p:spPr>
-      </p:pic>
-      <p:pic>
-        <p:nvPicPr>
-          <p:cNvPr id="52" name="그림 51"/>
-          <p:cNvPicPr>
-            <a:picLocks noChangeAspect="1"/>
-          </p:cNvPicPr>
-          <p:nvPr/>
-        </p:nvPicPr>
-        <p:blipFill>
-          <a:blip r:embed="rId4" cstate="print">
-            <a:extLst>
-              <a:ext uri="{28A0092B-C50C-407E-A947-70E740481C1C}">
-                <a14:useLocalDpi xmlns:a14="http://schemas.microsoft.com/office/drawing/2010/main" val="0"/>
-              </a:ext>
-            </a:extLst>
-          </a:blip>
-          <a:stretch>
-            <a:fillRect/>
-          </a:stretch>
-        </p:blipFill>
-        <p:spPr>
-          <a:xfrm>
-            <a:off x="2836024" y="1131636"/>
+            <a:off x="2836024" y="1419668"/>
             <a:ext cx="335052" cy="465350"/>
           </a:xfrm>
           <a:prstGeom prst="rect">
@@ -12886,7 +13398,7 @@
         </p:nvSpPr>
         <p:spPr>
           <a:xfrm>
-            <a:off x="8351912" y="3424027"/>
+            <a:off x="8351912" y="3712059"/>
             <a:ext cx="792088" cy="666562"/>
           </a:xfrm>
           <a:prstGeom prst="irregularSeal2">
@@ -12958,55 +13470,59 @@
       </p:grpSpPr>
       <p:sp>
         <p:nvSpPr>
-          <p:cNvPr id="57" name="직사각형 56"/>
+          <p:cNvPr id="4" name="모서리가 둥근 직사각형 3"/>
           <p:cNvSpPr/>
           <p:nvPr/>
         </p:nvSpPr>
         <p:spPr>
           <a:xfrm>
-            <a:off x="251519" y="5380108"/>
-            <a:ext cx="2752031" cy="1361260"/>
-          </a:xfrm>
-          <a:prstGeom prst="rect">
+            <a:off x="251520" y="2096340"/>
+            <a:ext cx="2304256" cy="504056"/>
+          </a:xfrm>
+          <a:prstGeom prst="roundRect">
             <a:avLst/>
           </a:prstGeom>
         </p:spPr>
         <p:style>
           <a:lnRef idx="2">
-            <a:schemeClr val="dk1"/>
+            <a:schemeClr val="accent1"/>
           </a:lnRef>
           <a:fillRef idx="1">
             <a:schemeClr val="lt1"/>
           </a:fillRef>
           <a:effectRef idx="0">
+            <a:schemeClr val="accent1"/>
+          </a:effectRef>
+          <a:fontRef idx="minor">
             <a:schemeClr val="dk1"/>
-          </a:effectRef>
-          <a:fontRef idx="minor">
-            <a:schemeClr val="dk1"/>
-          </a:fontRef>
-        </p:style>
-        <p:txBody>
-          <a:bodyPr rtlCol="0" anchor="t" anchorCtr="0"/>
-          <a:lstStyle/>
-          <a:p>
-            <a:pPr algn="ctr"/>
-            <a:r>
-              <a:rPr lang="en-US" altLang="ko-KR" sz="1200" b="1" dirty="0" smtClean="0"/>
-              <a:t>Legend</a:t>
-            </a:r>
-            <a:endParaRPr lang="ko-KR" altLang="en-US" sz="1200" b="1" dirty="0"/>
-          </a:p>
-        </p:txBody>
-      </p:sp>
-      <p:sp>
-        <p:nvSpPr>
-          <p:cNvPr id="4" name="모서리가 둥근 직사각형 3"/>
+          </a:fontRef>
+        </p:style>
+        <p:txBody>
+          <a:bodyPr rtlCol="0" anchor="ctr"/>
+          <a:lstStyle/>
+          <a:p>
+            <a:pPr algn="ctr"/>
+            <a:r>
+              <a:rPr lang="en-US" altLang="ko-KR" sz="1200" dirty="0"/>
+              <a:t>D</a:t>
+            </a:r>
+            <a:r>
+              <a:rPr lang="en-US" altLang="ko-KR" sz="1200" dirty="0" smtClean="0"/>
+              <a:t>eploy artifact for development server</a:t>
+            </a:r>
+            <a:endParaRPr lang="ko-KR" altLang="en-US" sz="1200" dirty="0"/>
+          </a:p>
+        </p:txBody>
+      </p:sp>
+      <p:sp>
+        <p:nvSpPr>
+          <p:cNvPr id="11" name="모서리가 둥근 직사각형 10"/>
           <p:cNvSpPr/>
           <p:nvPr/>
         </p:nvSpPr>
         <p:spPr>
           <a:xfrm>
-            <a:off x="251520" y="1808308"/>
+            <a:off x="251520" y="1419668"/>
             <a:ext cx="2304256" cy="504056"/>
           </a:xfrm>
           <a:prstGeom prst="roundRect">
@@ -13033,12 +13549,15 @@
           <a:p>
             <a:pPr algn="ctr"/>
             <a:r>
-              <a:rPr lang="en-US" altLang="ko-KR" sz="1200" dirty="0"/>
-              <a:t>D</a:t>
-            </a:r>
-            <a:r>
               <a:rPr lang="en-US" altLang="ko-KR" sz="1200" dirty="0" smtClean="0"/>
-              <a:t>eploy artifact for development server</a:t>
+              <a:t>Prepare artifact for</a:t>
+            </a:r>
+          </a:p>
+          <a:p>
+            <a:pPr algn="ctr"/>
+            <a:r>
+              <a:rPr lang="en-US" altLang="ko-KR" sz="1200" dirty="0" smtClean="0"/>
+              <a:t>development server</a:t>
             </a:r>
             <a:endParaRPr lang="ko-KR" altLang="en-US" sz="1200" dirty="0"/>
           </a:p>
@@ -13046,16 +13565,16 @@
       </p:sp>
       <p:sp>
         <p:nvSpPr>
-          <p:cNvPr id="11" name="모서리가 둥근 직사각형 10"/>
+          <p:cNvPr id="14" name="타원 13"/>
           <p:cNvSpPr/>
           <p:nvPr/>
         </p:nvSpPr>
         <p:spPr>
           <a:xfrm>
-            <a:off x="251520" y="1131636"/>
-            <a:ext cx="2304256" cy="504056"/>
-          </a:xfrm>
-          <a:prstGeom prst="roundRect">
+            <a:off x="1259632" y="981940"/>
+            <a:ext cx="288032" cy="288032"/>
+          </a:xfrm>
+          <a:prstGeom prst="ellipse">
             <a:avLst/>
           </a:prstGeom>
         </p:spPr>
@@ -13078,35 +13597,25 @@
           <a:lstStyle/>
           <a:p>
             <a:pPr algn="ctr"/>
-            <a:r>
-              <a:rPr lang="en-US" altLang="ko-KR" sz="1200" dirty="0" smtClean="0"/>
-              <a:t>Prepare artifact for</a:t>
-            </a:r>
-          </a:p>
-          <a:p>
-            <a:pPr algn="ctr"/>
-            <a:r>
-              <a:rPr lang="en-US" altLang="ko-KR" sz="1200" dirty="0" smtClean="0"/>
-              <a:t>development server</a:t>
-            </a:r>
-            <a:endParaRPr lang="ko-KR" altLang="en-US" sz="1200" dirty="0"/>
-          </a:p>
-        </p:txBody>
-      </p:sp>
-      <p:sp>
-        <p:nvSpPr>
-          <p:cNvPr id="14" name="타원 13"/>
+            <a:endParaRPr lang="ko-KR" altLang="en-US" sz="1200"/>
+          </a:p>
+        </p:txBody>
+      </p:sp>
+      <p:sp>
+        <p:nvSpPr>
+          <p:cNvPr id="15" name="타원 14"/>
           <p:cNvSpPr/>
           <p:nvPr/>
         </p:nvSpPr>
         <p:spPr>
           <a:xfrm>
-            <a:off x="1259632" y="693908"/>
+            <a:off x="1259632" y="3429000"/>
             <a:ext cx="288032" cy="288032"/>
           </a:xfrm>
           <a:prstGeom prst="ellipse">
             <a:avLst/>
           </a:prstGeom>
+          <a:ln w="63500"/>
         </p:spPr>
         <p:style>
           <a:lnRef idx="2">
@@ -13133,52 +13642,13 @@
       </p:sp>
       <p:sp>
         <p:nvSpPr>
-          <p:cNvPr id="15" name="타원 14"/>
-          <p:cNvSpPr/>
-          <p:nvPr/>
-        </p:nvSpPr>
-        <p:spPr>
-          <a:xfrm>
-            <a:off x="1259632" y="3140968"/>
-            <a:ext cx="288032" cy="288032"/>
-          </a:xfrm>
-          <a:prstGeom prst="ellipse">
-            <a:avLst/>
-          </a:prstGeom>
-          <a:ln w="63500"/>
-        </p:spPr>
-        <p:style>
-          <a:lnRef idx="2">
-            <a:schemeClr val="accent1"/>
-          </a:lnRef>
-          <a:fillRef idx="1">
-            <a:schemeClr val="lt1"/>
-          </a:fillRef>
-          <a:effectRef idx="0">
-            <a:schemeClr val="accent1"/>
-          </a:effectRef>
-          <a:fontRef idx="minor">
-            <a:schemeClr val="dk1"/>
-          </a:fontRef>
-        </p:style>
-        <p:txBody>
-          <a:bodyPr rtlCol="0" anchor="ctr"/>
-          <a:lstStyle/>
-          <a:p>
-            <a:pPr algn="ctr"/>
-            <a:endParaRPr lang="ko-KR" altLang="en-US" sz="1200"/>
-          </a:p>
-        </p:txBody>
-      </p:sp>
-      <p:sp>
-        <p:nvSpPr>
           <p:cNvPr id="16" name="모서리가 둥근 직사각형 15"/>
           <p:cNvSpPr/>
           <p:nvPr/>
         </p:nvSpPr>
         <p:spPr>
           <a:xfrm>
-            <a:off x="251520" y="2499788"/>
+            <a:off x="251520" y="2787820"/>
             <a:ext cx="2304256" cy="504056"/>
           </a:xfrm>
           <a:prstGeom prst="roundRect">
@@ -13230,7 +13700,7 @@
         </p:nvCxnSpPr>
         <p:spPr>
           <a:xfrm>
-            <a:off x="1403648" y="1635692"/>
+            <a:off x="1403648" y="1923724"/>
             <a:ext cx="0" cy="172616"/>
           </a:xfrm>
           <a:prstGeom prst="straightConnector1">
@@ -13270,7 +13740,7 @@
         </p:nvCxnSpPr>
         <p:spPr>
           <a:xfrm>
-            <a:off x="1403648" y="2312364"/>
+            <a:off x="1403648" y="2600396"/>
             <a:ext cx="0" cy="187424"/>
           </a:xfrm>
           <a:prstGeom prst="straightConnector1">
@@ -13310,7 +13780,7 @@
         </p:nvCxnSpPr>
         <p:spPr>
           <a:xfrm>
-            <a:off x="1403648" y="981940"/>
+            <a:off x="1403648" y="1269972"/>
             <a:ext cx="0" cy="149696"/>
           </a:xfrm>
           <a:prstGeom prst="straightConnector1">
@@ -13350,7 +13820,7 @@
         </p:nvCxnSpPr>
         <p:spPr>
           <a:xfrm>
-            <a:off x="1403648" y="3003844"/>
+            <a:off x="1403648" y="3291876"/>
             <a:ext cx="0" cy="137124"/>
           </a:xfrm>
           <a:prstGeom prst="straightConnector1">
@@ -13387,7 +13857,7 @@
         </p:nvSpPr>
         <p:spPr>
           <a:xfrm>
-            <a:off x="3419872" y="3175248"/>
+            <a:off x="3419872" y="3463280"/>
             <a:ext cx="2304256" cy="504056"/>
           </a:xfrm>
           <a:prstGeom prst="roundRect">
@@ -13442,7 +13912,7 @@
         </p:nvSpPr>
         <p:spPr>
           <a:xfrm>
-            <a:off x="3419872" y="2498576"/>
+            <a:off x="3419872" y="2786608"/>
             <a:ext cx="2304256" cy="504056"/>
           </a:xfrm>
           <a:prstGeom prst="roundRect">
@@ -13491,7 +13961,7 @@
         </p:nvSpPr>
         <p:spPr>
           <a:xfrm>
-            <a:off x="4427984" y="2060848"/>
+            <a:off x="4427984" y="2348880"/>
             <a:ext cx="288032" cy="288032"/>
           </a:xfrm>
           <a:prstGeom prst="ellipse">
@@ -13529,7 +13999,7 @@
         </p:nvSpPr>
         <p:spPr>
           <a:xfrm>
-            <a:off x="4427984" y="4507908"/>
+            <a:off x="4427984" y="4795940"/>
             <a:ext cx="288032" cy="288032"/>
           </a:xfrm>
           <a:prstGeom prst="ellipse">
@@ -13568,7 +14038,7 @@
         </p:nvSpPr>
         <p:spPr>
           <a:xfrm>
-            <a:off x="3419872" y="3866728"/>
+            <a:off x="3419872" y="4154760"/>
             <a:ext cx="2304256" cy="504056"/>
           </a:xfrm>
           <a:prstGeom prst="roundRect">
@@ -13620,7 +14090,7 @@
         </p:nvCxnSpPr>
         <p:spPr>
           <a:xfrm>
-            <a:off x="4572000" y="3002632"/>
+            <a:off x="4572000" y="3290664"/>
             <a:ext cx="0" cy="172616"/>
           </a:xfrm>
           <a:prstGeom prst="straightConnector1">
@@ -13660,7 +14130,7 @@
         </p:nvCxnSpPr>
         <p:spPr>
           <a:xfrm>
-            <a:off x="4572000" y="3679304"/>
+            <a:off x="4572000" y="3967336"/>
             <a:ext cx="0" cy="187424"/>
           </a:xfrm>
           <a:prstGeom prst="straightConnector1">
@@ -13700,7 +14170,7 @@
         </p:nvCxnSpPr>
         <p:spPr>
           <a:xfrm>
-            <a:off x="4572000" y="2348880"/>
+            <a:off x="4572000" y="2636912"/>
             <a:ext cx="0" cy="149696"/>
           </a:xfrm>
           <a:prstGeom prst="straightConnector1">
@@ -13740,7 +14210,7 @@
         </p:nvCxnSpPr>
         <p:spPr>
           <a:xfrm>
-            <a:off x="4572000" y="4370784"/>
+            <a:off x="4572000" y="4658816"/>
             <a:ext cx="0" cy="137124"/>
           </a:xfrm>
           <a:prstGeom prst="straightConnector1">
@@ -13777,7 +14247,7 @@
         </p:nvSpPr>
         <p:spPr>
           <a:xfrm>
-            <a:off x="6588224" y="4544612"/>
+            <a:off x="6588224" y="4832644"/>
             <a:ext cx="2304256" cy="504056"/>
           </a:xfrm>
           <a:prstGeom prst="roundRect">
@@ -13823,7 +14293,7 @@
         </p:nvSpPr>
         <p:spPr>
           <a:xfrm>
-            <a:off x="6588224" y="3867940"/>
+            <a:off x="6588224" y="4155972"/>
             <a:ext cx="2304256" cy="504056"/>
           </a:xfrm>
           <a:prstGeom prst="roundRect">
@@ -13874,7 +14344,7 @@
         </p:nvSpPr>
         <p:spPr>
           <a:xfrm>
-            <a:off x="7596336" y="3430212"/>
+            <a:off x="7596336" y="3718244"/>
             <a:ext cx="288032" cy="288032"/>
           </a:xfrm>
           <a:prstGeom prst="ellipse">
@@ -13912,7 +14382,7 @@
         </p:nvSpPr>
         <p:spPr>
           <a:xfrm>
-            <a:off x="7596336" y="5877272"/>
+            <a:off x="7596336" y="6165304"/>
             <a:ext cx="288032" cy="288032"/>
           </a:xfrm>
           <a:prstGeom prst="ellipse">
@@ -13951,7 +14421,7 @@
         </p:nvSpPr>
         <p:spPr>
           <a:xfrm>
-            <a:off x="6588224" y="5236092"/>
+            <a:off x="6588224" y="5524124"/>
             <a:ext cx="2304256" cy="504056"/>
           </a:xfrm>
           <a:prstGeom prst="roundRect">
@@ -14003,7 +14473,7 @@
         </p:nvCxnSpPr>
         <p:spPr>
           <a:xfrm>
-            <a:off x="7740352" y="4371996"/>
+            <a:off x="7740352" y="4660028"/>
             <a:ext cx="0" cy="172616"/>
           </a:xfrm>
           <a:prstGeom prst="straightConnector1">
@@ -14043,7 +14513,7 @@
         </p:nvCxnSpPr>
         <p:spPr>
           <a:xfrm>
-            <a:off x="7740352" y="5048668"/>
+            <a:off x="7740352" y="5336700"/>
             <a:ext cx="0" cy="187424"/>
           </a:xfrm>
           <a:prstGeom prst="straightConnector1">
@@ -14083,7 +14553,7 @@
         </p:nvCxnSpPr>
         <p:spPr>
           <a:xfrm>
-            <a:off x="7740352" y="3718244"/>
+            <a:off x="7740352" y="4006276"/>
             <a:ext cx="0" cy="149696"/>
           </a:xfrm>
           <a:prstGeom prst="straightConnector1">
@@ -14123,7 +14593,7 @@
         </p:nvCxnSpPr>
         <p:spPr>
           <a:xfrm>
-            <a:off x="7740352" y="5740148"/>
+            <a:off x="7740352" y="6028180"/>
             <a:ext cx="0" cy="137124"/>
           </a:xfrm>
           <a:prstGeom prst="straightConnector1">
@@ -14160,7 +14630,7 @@
         </p:nvSpPr>
         <p:spPr>
           <a:xfrm>
-            <a:off x="2627784" y="1244516"/>
+            <a:off x="2627784" y="1532548"/>
             <a:ext cx="809286" cy="313488"/>
           </a:xfrm>
           <a:prstGeom prst="rightArrow">
@@ -14200,7 +14670,7 @@
         </p:nvSpPr>
         <p:spPr>
           <a:xfrm>
-            <a:off x="5836692" y="2564904"/>
+            <a:off x="5836692" y="2852936"/>
             <a:ext cx="751532" cy="313488"/>
           </a:xfrm>
           <a:prstGeom prst="rightArrow">
@@ -14240,7 +14710,7 @@
         </p:nvSpPr>
         <p:spPr>
           <a:xfrm rot="5400000">
-            <a:off x="3453850" y="1915466"/>
+            <a:off x="3453850" y="2203498"/>
             <a:ext cx="796140" cy="313488"/>
           </a:xfrm>
           <a:prstGeom prst="rightArrow">
@@ -14280,7 +14750,7 @@
         </p:nvSpPr>
         <p:spPr>
           <a:xfrm rot="5400000">
-            <a:off x="6559612" y="3275096"/>
+            <a:off x="6559612" y="3563128"/>
             <a:ext cx="858416" cy="313488"/>
           </a:xfrm>
           <a:prstGeom prst="rightArrow">
@@ -14334,7 +14804,7 @@
         </p:blipFill>
         <p:spPr>
           <a:xfrm>
-            <a:off x="3437070" y="1031770"/>
+            <a:off x="3437070" y="1319802"/>
             <a:ext cx="777788" cy="777788"/>
           </a:xfrm>
           <a:prstGeom prst="rect">
@@ -14364,7 +14834,7 @@
         </p:blipFill>
         <p:spPr>
           <a:xfrm>
-            <a:off x="6599926" y="2332754"/>
+            <a:off x="6599926" y="2620786"/>
             <a:ext cx="777788" cy="777788"/>
           </a:xfrm>
           <a:prstGeom prst="rect">
@@ -14380,7 +14850,7 @@
         </p:nvSpPr>
         <p:spPr>
           <a:xfrm>
-            <a:off x="4139952" y="1167135"/>
+            <a:off x="4139952" y="1455167"/>
             <a:ext cx="1879740" cy="461665"/>
           </a:xfrm>
           <a:prstGeom prst="rect">
@@ -14410,7 +14880,7 @@
         </p:nvSpPr>
         <p:spPr>
           <a:xfrm>
-            <a:off x="7308304" y="2492896"/>
+            <a:off x="7308304" y="2780928"/>
             <a:ext cx="1728192" cy="461665"/>
           </a:xfrm>
           <a:prstGeom prst="rect">
@@ -14434,14 +14904,14 @@
       </p:sp>
       <p:sp>
         <p:nvSpPr>
-          <p:cNvPr id="65" name="TextBox 64"/>
+          <p:cNvPr id="56" name="TextBox 55"/>
           <p:cNvSpPr txBox="1"/>
           <p:nvPr/>
         </p:nvSpPr>
         <p:spPr>
           <a:xfrm>
-            <a:off x="2080459" y="5733256"/>
-            <a:ext cx="835357" cy="276999"/>
+            <a:off x="251520" y="179348"/>
+            <a:ext cx="3775649" cy="369332"/>
           </a:xfrm>
           <a:prstGeom prst="rect">
             <a:avLst/>
@@ -14455,36 +14925,6 @@
           <a:lstStyle/>
           <a:p>
             <a:r>
-              <a:rPr lang="en-US" altLang="ko-KR" sz="1200" dirty="0" smtClean="0"/>
-              <a:t>Unlocked</a:t>
-            </a:r>
-            <a:endParaRPr lang="ko-KR" altLang="en-US" sz="1200" dirty="0"/>
-          </a:p>
-        </p:txBody>
-      </p:sp>
-      <p:sp>
-        <p:nvSpPr>
-          <p:cNvPr id="56" name="TextBox 55"/>
-          <p:cNvSpPr txBox="1"/>
-          <p:nvPr/>
-        </p:nvSpPr>
-        <p:spPr>
-          <a:xfrm>
-            <a:off x="251520" y="179348"/>
-            <a:ext cx="3775649" cy="369332"/>
-          </a:xfrm>
-          <a:prstGeom prst="rect">
-            <a:avLst/>
-          </a:prstGeom>
-          <a:noFill/>
-        </p:spPr>
-        <p:txBody>
-          <a:bodyPr wrap="none" rtlCol="0">
-            <a:spAutoFit/>
-          </a:bodyPr>
-          <a:lstStyle/>
-          <a:p>
-            <a:r>
               <a:rPr lang="en-US" altLang="ko-KR" dirty="0" smtClean="0"/>
               <a:t>Status: Prepare Production Server </a:t>
             </a:r>
@@ -14494,18 +14934,26 @@
       </p:sp>
       <p:sp>
         <p:nvSpPr>
-          <p:cNvPr id="70" name="모서리가 둥근 직사각형 69"/>
+          <p:cNvPr id="61" name="폭발 2 60"/>
           <p:cNvSpPr/>
           <p:nvPr/>
         </p:nvSpPr>
         <p:spPr>
           <a:xfrm>
-            <a:off x="395536" y="6079768"/>
-            <a:ext cx="1152128" cy="216024"/>
-          </a:xfrm>
-          <a:prstGeom prst="roundRect">
-            <a:avLst/>
-          </a:prstGeom>
+            <a:off x="2643506" y="1360984"/>
+            <a:ext cx="792088" cy="666562"/>
+          </a:xfrm>
+          <a:prstGeom prst="irregularSeal2">
+            <a:avLst/>
+          </a:prstGeom>
+          <a:solidFill>
+            <a:srgbClr val="FFFF00"/>
+          </a:solidFill>
+          <a:ln>
+            <a:solidFill>
+              <a:srgbClr val="FFC000"/>
+            </a:solidFill>
+          </a:ln>
         </p:spPr>
         <p:style>
           <a:lnRef idx="2">
@@ -14528,44 +14976,415 @@
           <a:lstStyle/>
           <a:p>
             <a:pPr algn="ctr"/>
-            <a:r>
-              <a:rPr lang="en-US" altLang="ko-KR" sz="1200" dirty="0"/>
-              <a:t>A</a:t>
-            </a:r>
-            <a:r>
-              <a:rPr lang="en-US" altLang="ko-KR" sz="1200" dirty="0" smtClean="0"/>
-              <a:t>ctive job</a:t>
-            </a:r>
-            <a:endParaRPr lang="ko-KR" altLang="en-US" sz="1200" dirty="0"/>
-          </a:p>
-        </p:txBody>
-      </p:sp>
-      <p:sp>
-        <p:nvSpPr>
-          <p:cNvPr id="71" name="모서리가 둥근 직사각형 70"/>
+            <a:endParaRPr lang="ko-KR" altLang="en-US"/>
+          </a:p>
+        </p:txBody>
+      </p:sp>
+      <p:grpSp>
+        <p:nvGrpSpPr>
+          <p:cNvPr id="2" name="그룹 1"/>
+          <p:cNvGrpSpPr/>
+          <p:nvPr/>
+        </p:nvGrpSpPr>
+        <p:grpSpPr>
+          <a:xfrm>
+            <a:off x="251519" y="5380108"/>
+            <a:ext cx="2752031" cy="1361260"/>
+            <a:chOff x="251519" y="5380108"/>
+            <a:chExt cx="2752031" cy="1361260"/>
+          </a:xfrm>
+        </p:grpSpPr>
+        <p:sp>
+          <p:nvSpPr>
+            <p:cNvPr id="57" name="직사각형 56"/>
+            <p:cNvSpPr/>
+            <p:nvPr/>
+          </p:nvSpPr>
+          <p:spPr>
+            <a:xfrm>
+              <a:off x="251519" y="5380108"/>
+              <a:ext cx="2752031" cy="1361260"/>
+            </a:xfrm>
+            <a:prstGeom prst="rect">
+              <a:avLst/>
+            </a:prstGeom>
+          </p:spPr>
+          <p:style>
+            <a:lnRef idx="2">
+              <a:schemeClr val="dk1"/>
+            </a:lnRef>
+            <a:fillRef idx="1">
+              <a:schemeClr val="lt1"/>
+            </a:fillRef>
+            <a:effectRef idx="0">
+              <a:schemeClr val="dk1"/>
+            </a:effectRef>
+            <a:fontRef idx="minor">
+              <a:schemeClr val="dk1"/>
+            </a:fontRef>
+          </p:style>
+          <p:txBody>
+            <a:bodyPr rtlCol="0" anchor="t" anchorCtr="0"/>
+            <a:lstStyle/>
+            <a:p>
+              <a:pPr algn="ctr"/>
+              <a:r>
+                <a:rPr lang="en-US" altLang="ko-KR" sz="1200" b="1" dirty="0" smtClean="0"/>
+                <a:t>Legend</a:t>
+              </a:r>
+              <a:endParaRPr lang="ko-KR" altLang="en-US" sz="1200" b="1" dirty="0"/>
+            </a:p>
+          </p:txBody>
+        </p:sp>
+        <p:sp>
+          <p:nvSpPr>
+            <p:cNvPr id="65" name="TextBox 64"/>
+            <p:cNvSpPr txBox="1"/>
+            <p:nvPr/>
+          </p:nvSpPr>
+          <p:spPr>
+            <a:xfrm>
+              <a:off x="2080459" y="5733256"/>
+              <a:ext cx="835357" cy="276999"/>
+            </a:xfrm>
+            <a:prstGeom prst="rect">
+              <a:avLst/>
+            </a:prstGeom>
+            <a:noFill/>
+          </p:spPr>
+          <p:txBody>
+            <a:bodyPr wrap="none" rtlCol="0">
+              <a:spAutoFit/>
+            </a:bodyPr>
+            <a:lstStyle/>
+            <a:p>
+              <a:r>
+                <a:rPr lang="en-US" altLang="ko-KR" sz="1200" dirty="0" smtClean="0"/>
+                <a:t>Unlocked</a:t>
+              </a:r>
+              <a:endParaRPr lang="ko-KR" altLang="en-US" sz="1200" dirty="0"/>
+            </a:p>
+          </p:txBody>
+        </p:sp>
+        <p:sp>
+          <p:nvSpPr>
+            <p:cNvPr id="70" name="모서리가 둥근 직사각형 69"/>
+            <p:cNvSpPr/>
+            <p:nvPr/>
+          </p:nvSpPr>
+          <p:spPr>
+            <a:xfrm>
+              <a:off x="395536" y="6079768"/>
+              <a:ext cx="1152128" cy="216024"/>
+            </a:xfrm>
+            <a:prstGeom prst="roundRect">
+              <a:avLst/>
+            </a:prstGeom>
+          </p:spPr>
+          <p:style>
+            <a:lnRef idx="2">
+              <a:schemeClr val="accent1">
+                <a:shade val="50000"/>
+              </a:schemeClr>
+            </a:lnRef>
+            <a:fillRef idx="1">
+              <a:schemeClr val="accent1"/>
+            </a:fillRef>
+            <a:effectRef idx="0">
+              <a:schemeClr val="accent1"/>
+            </a:effectRef>
+            <a:fontRef idx="minor">
+              <a:schemeClr val="lt1"/>
+            </a:fontRef>
+          </p:style>
+          <p:txBody>
+            <a:bodyPr rtlCol="0" anchor="ctr"/>
+            <a:lstStyle/>
+            <a:p>
+              <a:pPr algn="ctr"/>
+              <a:r>
+                <a:rPr lang="en-US" altLang="ko-KR" sz="1200" dirty="0"/>
+                <a:t>A</a:t>
+              </a:r>
+              <a:r>
+                <a:rPr lang="en-US" altLang="ko-KR" sz="1200" dirty="0" smtClean="0"/>
+                <a:t>ctive job</a:t>
+              </a:r>
+              <a:endParaRPr lang="ko-KR" altLang="en-US" sz="1200" dirty="0"/>
+            </a:p>
+          </p:txBody>
+        </p:sp>
+        <p:sp>
+          <p:nvSpPr>
+            <p:cNvPr id="71" name="모서리가 둥근 직사각형 70"/>
+            <p:cNvSpPr/>
+            <p:nvPr/>
+          </p:nvSpPr>
+          <p:spPr>
+            <a:xfrm>
+              <a:off x="395536" y="6367800"/>
+              <a:ext cx="1152128" cy="216024"/>
+            </a:xfrm>
+            <a:prstGeom prst="roundRect">
+              <a:avLst/>
+            </a:prstGeom>
+          </p:spPr>
+          <p:style>
+            <a:lnRef idx="2">
+              <a:schemeClr val="accent2">
+                <a:shade val="50000"/>
+              </a:schemeClr>
+            </a:lnRef>
+            <a:fillRef idx="1">
+              <a:schemeClr val="accent2"/>
+            </a:fillRef>
+            <a:effectRef idx="0">
+              <a:schemeClr val="accent2"/>
+            </a:effectRef>
+            <a:fontRef idx="minor">
+              <a:schemeClr val="lt1"/>
+            </a:fontRef>
+          </p:style>
+          <p:txBody>
+            <a:bodyPr rtlCol="0" anchor="ctr"/>
+            <a:lstStyle/>
+            <a:p>
+              <a:pPr algn="ctr"/>
+              <a:r>
+                <a:rPr lang="en-US" altLang="ko-KR" sz="1200" dirty="0" smtClean="0"/>
+                <a:t>Pending job</a:t>
+              </a:r>
+              <a:endParaRPr lang="ko-KR" altLang="en-US" sz="1200" dirty="0"/>
+            </a:p>
+          </p:txBody>
+        </p:sp>
+        <p:sp>
+          <p:nvSpPr>
+            <p:cNvPr id="72" name="모서리가 둥근 직사각형 71"/>
+            <p:cNvSpPr/>
+            <p:nvPr/>
+          </p:nvSpPr>
+          <p:spPr>
+            <a:xfrm>
+              <a:off x="395536" y="5776152"/>
+              <a:ext cx="1152128" cy="216024"/>
+            </a:xfrm>
+            <a:prstGeom prst="roundRect">
+              <a:avLst/>
+            </a:prstGeom>
+          </p:spPr>
+          <p:style>
+            <a:lnRef idx="2">
+              <a:schemeClr val="accent1"/>
+            </a:lnRef>
+            <a:fillRef idx="1">
+              <a:schemeClr val="lt1"/>
+            </a:fillRef>
+            <a:effectRef idx="0">
+              <a:schemeClr val="accent1"/>
+            </a:effectRef>
+            <a:fontRef idx="minor">
+              <a:schemeClr val="dk1"/>
+            </a:fontRef>
+          </p:style>
+          <p:txBody>
+            <a:bodyPr rtlCol="0" anchor="ctr"/>
+            <a:lstStyle/>
+            <a:p>
+              <a:pPr algn="ctr"/>
+              <a:r>
+                <a:rPr lang="en-US" altLang="ko-KR" sz="1200" dirty="0" smtClean="0"/>
+                <a:t>Job</a:t>
+              </a:r>
+              <a:endParaRPr lang="ko-KR" altLang="en-US" sz="1200" dirty="0"/>
+            </a:p>
+          </p:txBody>
+        </p:sp>
+        <p:pic>
+          <p:nvPicPr>
+            <p:cNvPr id="74" name="그림 73"/>
+            <p:cNvPicPr>
+              <a:picLocks noChangeAspect="1"/>
+            </p:cNvPicPr>
+            <p:nvPr/>
+          </p:nvPicPr>
+          <p:blipFill>
+            <a:blip r:embed="rId3" cstate="print">
+              <a:extLst>
+                <a:ext uri="{28A0092B-C50C-407E-A947-70E740481C1C}">
+                  <a14:useLocalDpi xmlns:a14="http://schemas.microsoft.com/office/drawing/2010/main" val="0"/>
+                </a:ext>
+              </a:extLst>
+            </a:blip>
+            <a:stretch>
+              <a:fillRect/>
+            </a:stretch>
+          </p:blipFill>
+          <p:spPr>
+            <a:xfrm>
+              <a:off x="1835696" y="6165304"/>
+              <a:ext cx="335052" cy="465350"/>
+            </a:xfrm>
+            <a:prstGeom prst="rect">
+              <a:avLst/>
+            </a:prstGeom>
+          </p:spPr>
+        </p:pic>
+        <p:pic>
+          <p:nvPicPr>
+            <p:cNvPr id="75" name="그림 74"/>
+            <p:cNvPicPr>
+              <a:picLocks noChangeAspect="1"/>
+            </p:cNvPicPr>
+            <p:nvPr/>
+          </p:nvPicPr>
+          <p:blipFill>
+            <a:blip r:embed="rId4" cstate="print">
+              <a:extLst>
+                <a:ext uri="{28A0092B-C50C-407E-A947-70E740481C1C}">
+                  <a14:useLocalDpi xmlns:a14="http://schemas.microsoft.com/office/drawing/2010/main" val="0"/>
+                </a:ext>
+              </a:extLst>
+            </a:blip>
+            <a:stretch>
+              <a:fillRect/>
+            </a:stretch>
+          </p:blipFill>
+          <p:spPr>
+            <a:xfrm>
+              <a:off x="1763688" y="5661248"/>
+              <a:ext cx="396478" cy="465350"/>
+            </a:xfrm>
+            <a:prstGeom prst="rect">
+              <a:avLst/>
+            </a:prstGeom>
+          </p:spPr>
+        </p:pic>
+        <p:sp>
+          <p:nvSpPr>
+            <p:cNvPr id="76" name="TextBox 75"/>
+            <p:cNvSpPr txBox="1"/>
+            <p:nvPr/>
+          </p:nvSpPr>
+          <p:spPr>
+            <a:xfrm>
+              <a:off x="2082920" y="6296912"/>
+              <a:ext cx="673454" cy="276999"/>
+            </a:xfrm>
+            <a:prstGeom prst="rect">
+              <a:avLst/>
+            </a:prstGeom>
+            <a:noFill/>
+          </p:spPr>
+          <p:txBody>
+            <a:bodyPr wrap="none" rtlCol="0">
+              <a:spAutoFit/>
+            </a:bodyPr>
+            <a:lstStyle/>
+            <a:p>
+              <a:r>
+                <a:rPr lang="en-US" altLang="ko-KR" sz="1200" dirty="0" smtClean="0"/>
+                <a:t>Locked</a:t>
+              </a:r>
+              <a:endParaRPr lang="ko-KR" altLang="en-US" sz="1200" dirty="0"/>
+            </a:p>
+          </p:txBody>
+        </p:sp>
+      </p:grpSp>
+      <p:pic>
+        <p:nvPicPr>
+          <p:cNvPr id="53" name="그림 52"/>
+          <p:cNvPicPr>
+            <a:picLocks noChangeAspect="1"/>
+          </p:cNvPicPr>
+          <p:nvPr/>
+        </p:nvPicPr>
+        <p:blipFill>
+          <a:blip r:embed="rId4" cstate="print">
+            <a:extLst>
+              <a:ext uri="{28A0092B-C50C-407E-A947-70E740481C1C}">
+                <a14:useLocalDpi xmlns:a14="http://schemas.microsoft.com/office/drawing/2010/main" val="0"/>
+              </a:ext>
+            </a:extLst>
+          </a:blip>
+          <a:stretch>
+            <a:fillRect/>
+          </a:stretch>
+        </p:blipFill>
+        <p:spPr>
+          <a:xfrm>
+            <a:off x="3635896" y="2027546"/>
+            <a:ext cx="396478" cy="465350"/>
+          </a:xfrm>
+          <a:prstGeom prst="rect">
+            <a:avLst/>
+          </a:prstGeom>
+        </p:spPr>
+      </p:pic>
+      <p:pic>
+        <p:nvPicPr>
+          <p:cNvPr id="62" name="그림 61"/>
+          <p:cNvPicPr>
+            <a:picLocks noChangeAspect="1"/>
+          </p:cNvPicPr>
+          <p:nvPr/>
+        </p:nvPicPr>
+        <p:blipFill>
+          <a:blip r:embed="rId4" cstate="print">
+            <a:extLst>
+              <a:ext uri="{28A0092B-C50C-407E-A947-70E740481C1C}">
+                <a14:useLocalDpi xmlns:a14="http://schemas.microsoft.com/office/drawing/2010/main" val="0"/>
+              </a:ext>
+            </a:extLst>
+          </a:blip>
+          <a:stretch>
+            <a:fillRect/>
+          </a:stretch>
+        </p:blipFill>
+        <p:spPr>
+          <a:xfrm>
+            <a:off x="2780420" y="1456617"/>
+            <a:ext cx="396478" cy="465350"/>
+          </a:xfrm>
+          <a:prstGeom prst="rect">
+            <a:avLst/>
+          </a:prstGeom>
+        </p:spPr>
+      </p:pic>
+      <p:sp>
+        <p:nvSpPr>
+          <p:cNvPr id="63" name="폭발 2 62"/>
           <p:cNvSpPr/>
           <p:nvPr/>
         </p:nvSpPr>
         <p:spPr>
           <a:xfrm>
-            <a:off x="395536" y="6367800"/>
-            <a:ext cx="1152128" cy="216024"/>
-          </a:xfrm>
-          <a:prstGeom prst="roundRect">
-            <a:avLst/>
-          </a:prstGeom>
+            <a:off x="5836692" y="2676399"/>
+            <a:ext cx="792088" cy="666562"/>
+          </a:xfrm>
+          <a:prstGeom prst="irregularSeal2">
+            <a:avLst/>
+          </a:prstGeom>
+          <a:solidFill>
+            <a:srgbClr val="FFFF00"/>
+          </a:solidFill>
+          <a:ln>
+            <a:solidFill>
+              <a:srgbClr val="FFC000"/>
+            </a:solidFill>
+          </a:ln>
         </p:spPr>
         <p:style>
           <a:lnRef idx="2">
-            <a:schemeClr val="accent2">
+            <a:schemeClr val="accent1">
               <a:shade val="50000"/>
             </a:schemeClr>
           </a:lnRef>
           <a:fillRef idx="1">
-            <a:schemeClr val="accent2"/>
-          </a:fillRef>
-          <a:effectRef idx="0">
-            <a:schemeClr val="accent2"/>
+            <a:schemeClr val="accent1"/>
+          </a:fillRef>
+          <a:effectRef idx="0">
+            <a:schemeClr val="accent1"/>
           </a:effectRef>
           <a:fontRef idx="minor">
             <a:schemeClr val="lt1"/>
@@ -14576,41 +15395,47 @@
           <a:lstStyle/>
           <a:p>
             <a:pPr algn="ctr"/>
-            <a:r>
-              <a:rPr lang="en-US" altLang="ko-KR" sz="1200" dirty="0" smtClean="0"/>
-              <a:t>Pending job</a:t>
-            </a:r>
-            <a:endParaRPr lang="ko-KR" altLang="en-US" sz="1200" dirty="0"/>
-          </a:p>
-        </p:txBody>
-      </p:sp>
-      <p:sp>
-        <p:nvSpPr>
-          <p:cNvPr id="72" name="모서리가 둥근 직사각형 71"/>
+            <a:endParaRPr lang="ko-KR" altLang="en-US"/>
+          </a:p>
+        </p:txBody>
+      </p:sp>
+      <p:sp>
+        <p:nvSpPr>
+          <p:cNvPr id="66" name="폭발 2 65"/>
           <p:cNvSpPr/>
           <p:nvPr/>
         </p:nvSpPr>
         <p:spPr>
           <a:xfrm>
-            <a:off x="395536" y="5776152"/>
-            <a:ext cx="1152128" cy="216024"/>
-          </a:xfrm>
-          <a:prstGeom prst="roundRect">
-            <a:avLst/>
-          </a:prstGeom>
+            <a:off x="6585626" y="3376972"/>
+            <a:ext cx="792088" cy="666562"/>
+          </a:xfrm>
+          <a:prstGeom prst="irregularSeal2">
+            <a:avLst/>
+          </a:prstGeom>
+          <a:solidFill>
+            <a:srgbClr val="FFFF00"/>
+          </a:solidFill>
+          <a:ln>
+            <a:solidFill>
+              <a:srgbClr val="FFC000"/>
+            </a:solidFill>
+          </a:ln>
         </p:spPr>
         <p:style>
           <a:lnRef idx="2">
-            <a:schemeClr val="accent1"/>
+            <a:schemeClr val="accent1">
+              <a:shade val="50000"/>
+            </a:schemeClr>
           </a:lnRef>
           <a:fillRef idx="1">
+            <a:schemeClr val="accent1"/>
+          </a:fillRef>
+          <a:effectRef idx="0">
+            <a:schemeClr val="accent1"/>
+          </a:effectRef>
+          <a:fontRef idx="minor">
             <a:schemeClr val="lt1"/>
-          </a:fillRef>
-          <a:effectRef idx="0">
-            <a:schemeClr val="accent1"/>
-          </a:effectRef>
-          <a:fontRef idx="minor">
-            <a:schemeClr val="dk1"/>
           </a:fontRef>
         </p:style>
         <p:txBody>
@@ -14618,17 +15443,43 @@
           <a:lstStyle/>
           <a:p>
             <a:pPr algn="ctr"/>
-            <a:r>
-              <a:rPr lang="en-US" altLang="ko-KR" sz="1200" dirty="0" smtClean="0"/>
-              <a:t>Job</a:t>
-            </a:r>
-            <a:endParaRPr lang="ko-KR" altLang="en-US" sz="1200" dirty="0"/>
+            <a:endParaRPr lang="ko-KR" altLang="en-US"/>
           </a:p>
         </p:txBody>
       </p:sp>
       <p:pic>
         <p:nvPicPr>
-          <p:cNvPr id="74" name="그림 73"/>
+          <p:cNvPr id="67" name="그림 66"/>
+          <p:cNvPicPr>
+            <a:picLocks noChangeAspect="1"/>
+          </p:cNvPicPr>
+          <p:nvPr/>
+        </p:nvPicPr>
+        <p:blipFill>
+          <a:blip r:embed="rId4" cstate="print">
+            <a:extLst>
+              <a:ext uri="{28A0092B-C50C-407E-A947-70E740481C1C}">
+                <a14:useLocalDpi xmlns:a14="http://schemas.microsoft.com/office/drawing/2010/main" val="0"/>
+              </a:ext>
+            </a:extLst>
+          </a:blip>
+          <a:stretch>
+            <a:fillRect/>
+          </a:stretch>
+        </p:blipFill>
+        <p:spPr>
+          <a:xfrm>
+            <a:off x="6767810" y="3429000"/>
+            <a:ext cx="396478" cy="465350"/>
+          </a:xfrm>
+          <a:prstGeom prst="rect">
+            <a:avLst/>
+          </a:prstGeom>
+        </p:spPr>
+      </p:pic>
+      <p:pic>
+        <p:nvPicPr>
+          <p:cNvPr id="68" name="그림 67"/>
           <p:cNvPicPr>
             <a:picLocks noChangeAspect="1"/>
           </p:cNvPicPr>
@@ -14648,331 +15499,7 @@
         </p:blipFill>
         <p:spPr>
           <a:xfrm>
-            <a:off x="1835696" y="6165304"/>
-            <a:ext cx="335052" cy="465350"/>
-          </a:xfrm>
-          <a:prstGeom prst="rect">
-            <a:avLst/>
-          </a:prstGeom>
-        </p:spPr>
-      </p:pic>
-      <p:sp>
-        <p:nvSpPr>
-          <p:cNvPr id="61" name="폭발 2 60"/>
-          <p:cNvSpPr/>
-          <p:nvPr/>
-        </p:nvSpPr>
-        <p:spPr>
-          <a:xfrm>
-            <a:off x="2643506" y="1072952"/>
-            <a:ext cx="792088" cy="666562"/>
-          </a:xfrm>
-          <a:prstGeom prst="irregularSeal2">
-            <a:avLst/>
-          </a:prstGeom>
-          <a:solidFill>
-            <a:srgbClr val="FFFF00"/>
-          </a:solidFill>
-          <a:ln>
-            <a:solidFill>
-              <a:srgbClr val="FFC000"/>
-            </a:solidFill>
-          </a:ln>
-        </p:spPr>
-        <p:style>
-          <a:lnRef idx="2">
-            <a:schemeClr val="accent1">
-              <a:shade val="50000"/>
-            </a:schemeClr>
-          </a:lnRef>
-          <a:fillRef idx="1">
-            <a:schemeClr val="accent1"/>
-          </a:fillRef>
-          <a:effectRef idx="0">
-            <a:schemeClr val="accent1"/>
-          </a:effectRef>
-          <a:fontRef idx="minor">
-            <a:schemeClr val="lt1"/>
-          </a:fontRef>
-        </p:style>
-        <p:txBody>
-          <a:bodyPr rtlCol="0" anchor="ctr"/>
-          <a:lstStyle/>
-          <a:p>
-            <a:pPr algn="ctr"/>
-            <a:endParaRPr lang="ko-KR" altLang="en-US"/>
-          </a:p>
-        </p:txBody>
-      </p:sp>
-      <p:pic>
-        <p:nvPicPr>
-          <p:cNvPr id="75" name="그림 74"/>
-          <p:cNvPicPr>
-            <a:picLocks noChangeAspect="1"/>
-          </p:cNvPicPr>
-          <p:nvPr/>
-        </p:nvPicPr>
-        <p:blipFill>
-          <a:blip r:embed="rId4" cstate="print">
-            <a:extLst>
-              <a:ext uri="{28A0092B-C50C-407E-A947-70E740481C1C}">
-                <a14:useLocalDpi xmlns:a14="http://schemas.microsoft.com/office/drawing/2010/main" val="0"/>
-              </a:ext>
-            </a:extLst>
-          </a:blip>
-          <a:stretch>
-            <a:fillRect/>
-          </a:stretch>
-        </p:blipFill>
-        <p:spPr>
-          <a:xfrm>
-            <a:off x="1763688" y="5661248"/>
-            <a:ext cx="396478" cy="465350"/>
-          </a:xfrm>
-          <a:prstGeom prst="rect">
-            <a:avLst/>
-          </a:prstGeom>
-        </p:spPr>
-      </p:pic>
-      <p:sp>
-        <p:nvSpPr>
-          <p:cNvPr id="76" name="TextBox 75"/>
-          <p:cNvSpPr txBox="1"/>
-          <p:nvPr/>
-        </p:nvSpPr>
-        <p:spPr>
-          <a:xfrm>
-            <a:off x="2082920" y="6296912"/>
-            <a:ext cx="673454" cy="276999"/>
-          </a:xfrm>
-          <a:prstGeom prst="rect">
-            <a:avLst/>
-          </a:prstGeom>
-          <a:noFill/>
-        </p:spPr>
-        <p:txBody>
-          <a:bodyPr wrap="none" rtlCol="0">
-            <a:spAutoFit/>
-          </a:bodyPr>
-          <a:lstStyle/>
-          <a:p>
-            <a:r>
-              <a:rPr lang="en-US" altLang="ko-KR" sz="1200" dirty="0" smtClean="0"/>
-              <a:t>Locked</a:t>
-            </a:r>
-            <a:endParaRPr lang="ko-KR" altLang="en-US" sz="1200" dirty="0"/>
-          </a:p>
-        </p:txBody>
-      </p:sp>
-      <p:pic>
-        <p:nvPicPr>
-          <p:cNvPr id="53" name="그림 52"/>
-          <p:cNvPicPr>
-            <a:picLocks noChangeAspect="1"/>
-          </p:cNvPicPr>
-          <p:nvPr/>
-        </p:nvPicPr>
-        <p:blipFill>
-          <a:blip r:embed="rId4" cstate="print">
-            <a:extLst>
-              <a:ext uri="{28A0092B-C50C-407E-A947-70E740481C1C}">
-                <a14:useLocalDpi xmlns:a14="http://schemas.microsoft.com/office/drawing/2010/main" val="0"/>
-              </a:ext>
-            </a:extLst>
-          </a:blip>
-          <a:stretch>
-            <a:fillRect/>
-          </a:stretch>
-        </p:blipFill>
-        <p:spPr>
-          <a:xfrm>
-            <a:off x="3635896" y="1739514"/>
-            <a:ext cx="396478" cy="465350"/>
-          </a:xfrm>
-          <a:prstGeom prst="rect">
-            <a:avLst/>
-          </a:prstGeom>
-        </p:spPr>
-      </p:pic>
-      <p:pic>
-        <p:nvPicPr>
-          <p:cNvPr id="62" name="그림 61"/>
-          <p:cNvPicPr>
-            <a:picLocks noChangeAspect="1"/>
-          </p:cNvPicPr>
-          <p:nvPr/>
-        </p:nvPicPr>
-        <p:blipFill>
-          <a:blip r:embed="rId4" cstate="print">
-            <a:extLst>
-              <a:ext uri="{28A0092B-C50C-407E-A947-70E740481C1C}">
-                <a14:useLocalDpi xmlns:a14="http://schemas.microsoft.com/office/drawing/2010/main" val="0"/>
-              </a:ext>
-            </a:extLst>
-          </a:blip>
-          <a:stretch>
-            <a:fillRect/>
-          </a:stretch>
-        </p:blipFill>
-        <p:spPr>
-          <a:xfrm>
-            <a:off x="2780420" y="1168585"/>
-            <a:ext cx="396478" cy="465350"/>
-          </a:xfrm>
-          <a:prstGeom prst="rect">
-            <a:avLst/>
-          </a:prstGeom>
-        </p:spPr>
-      </p:pic>
-      <p:sp>
-        <p:nvSpPr>
-          <p:cNvPr id="63" name="폭발 2 62"/>
-          <p:cNvSpPr/>
-          <p:nvPr/>
-        </p:nvSpPr>
-        <p:spPr>
-          <a:xfrm>
-            <a:off x="5836692" y="2388367"/>
-            <a:ext cx="792088" cy="666562"/>
-          </a:xfrm>
-          <a:prstGeom prst="irregularSeal2">
-            <a:avLst/>
-          </a:prstGeom>
-          <a:solidFill>
-            <a:srgbClr val="FFFF00"/>
-          </a:solidFill>
-          <a:ln>
-            <a:solidFill>
-              <a:srgbClr val="FFC000"/>
-            </a:solidFill>
-          </a:ln>
-        </p:spPr>
-        <p:style>
-          <a:lnRef idx="2">
-            <a:schemeClr val="accent1">
-              <a:shade val="50000"/>
-            </a:schemeClr>
-          </a:lnRef>
-          <a:fillRef idx="1">
-            <a:schemeClr val="accent1"/>
-          </a:fillRef>
-          <a:effectRef idx="0">
-            <a:schemeClr val="accent1"/>
-          </a:effectRef>
-          <a:fontRef idx="minor">
-            <a:schemeClr val="lt1"/>
-          </a:fontRef>
-        </p:style>
-        <p:txBody>
-          <a:bodyPr rtlCol="0" anchor="ctr"/>
-          <a:lstStyle/>
-          <a:p>
-            <a:pPr algn="ctr"/>
-            <a:endParaRPr lang="ko-KR" altLang="en-US"/>
-          </a:p>
-        </p:txBody>
-      </p:sp>
-      <p:sp>
-        <p:nvSpPr>
-          <p:cNvPr id="66" name="폭발 2 65"/>
-          <p:cNvSpPr/>
-          <p:nvPr/>
-        </p:nvSpPr>
-        <p:spPr>
-          <a:xfrm>
-            <a:off x="6585626" y="3088940"/>
-            <a:ext cx="792088" cy="666562"/>
-          </a:xfrm>
-          <a:prstGeom prst="irregularSeal2">
-            <a:avLst/>
-          </a:prstGeom>
-          <a:solidFill>
-            <a:srgbClr val="FFFF00"/>
-          </a:solidFill>
-          <a:ln>
-            <a:solidFill>
-              <a:srgbClr val="FFC000"/>
-            </a:solidFill>
-          </a:ln>
-        </p:spPr>
-        <p:style>
-          <a:lnRef idx="2">
-            <a:schemeClr val="accent1">
-              <a:shade val="50000"/>
-            </a:schemeClr>
-          </a:lnRef>
-          <a:fillRef idx="1">
-            <a:schemeClr val="accent1"/>
-          </a:fillRef>
-          <a:effectRef idx="0">
-            <a:schemeClr val="accent1"/>
-          </a:effectRef>
-          <a:fontRef idx="minor">
-            <a:schemeClr val="lt1"/>
-          </a:fontRef>
-        </p:style>
-        <p:txBody>
-          <a:bodyPr rtlCol="0" anchor="ctr"/>
-          <a:lstStyle/>
-          <a:p>
-            <a:pPr algn="ctr"/>
-            <a:endParaRPr lang="ko-KR" altLang="en-US"/>
-          </a:p>
-        </p:txBody>
-      </p:sp>
-      <p:pic>
-        <p:nvPicPr>
-          <p:cNvPr id="67" name="그림 66"/>
-          <p:cNvPicPr>
-            <a:picLocks noChangeAspect="1"/>
-          </p:cNvPicPr>
-          <p:nvPr/>
-        </p:nvPicPr>
-        <p:blipFill>
-          <a:blip r:embed="rId4" cstate="print">
-            <a:extLst>
-              <a:ext uri="{28A0092B-C50C-407E-A947-70E740481C1C}">
-                <a14:useLocalDpi xmlns:a14="http://schemas.microsoft.com/office/drawing/2010/main" val="0"/>
-              </a:ext>
-            </a:extLst>
-          </a:blip>
-          <a:stretch>
-            <a:fillRect/>
-          </a:stretch>
-        </p:blipFill>
-        <p:spPr>
-          <a:xfrm>
-            <a:off x="6767810" y="3140968"/>
-            <a:ext cx="396478" cy="465350"/>
-          </a:xfrm>
-          <a:prstGeom prst="rect">
-            <a:avLst/>
-          </a:prstGeom>
-        </p:spPr>
-      </p:pic>
-      <p:pic>
-        <p:nvPicPr>
-          <p:cNvPr id="68" name="그림 67"/>
-          <p:cNvPicPr>
-            <a:picLocks noChangeAspect="1"/>
-          </p:cNvPicPr>
-          <p:nvPr/>
-        </p:nvPicPr>
-        <p:blipFill>
-          <a:blip r:embed="rId3" cstate="print">
-            <a:extLst>
-              <a:ext uri="{28A0092B-C50C-407E-A947-70E740481C1C}">
-                <a14:useLocalDpi xmlns:a14="http://schemas.microsoft.com/office/drawing/2010/main" val="0"/>
-              </a:ext>
-            </a:extLst>
-          </a:blip>
-          <a:stretch>
-            <a:fillRect/>
-          </a:stretch>
-        </p:blipFill>
-        <p:spPr>
-          <a:xfrm>
-            <a:off x="6012160" y="2459594"/>
+            <a:off x="6012160" y="2747626"/>
             <a:ext cx="335052" cy="465350"/>
           </a:xfrm>
           <a:prstGeom prst="rect">
@@ -15276,4 +15803,289 @@
   <a:objectDefaults/>
   <a:extraClrSchemeLst/>
 </a:theme>
+</file>
+
+<file path=ppt/theme/theme2.xml><?xml version="1.0" encoding="utf-8"?>
+<a:theme xmlns:a="http://schemas.openxmlformats.org/drawingml/2006/main" name="Office 테마">
+  <a:themeElements>
+    <a:clrScheme name="Office">
+      <a:dk1>
+        <a:sysClr val="windowText" lastClr="000000"/>
+      </a:dk1>
+      <a:lt1>
+        <a:sysClr val="window" lastClr="FFFFFF"/>
+      </a:lt1>
+      <a:dk2>
+        <a:srgbClr val="1F497D"/>
+      </a:dk2>
+      <a:lt2>
+        <a:srgbClr val="EEECE1"/>
+      </a:lt2>
+      <a:accent1>
+        <a:srgbClr val="4F81BD"/>
+      </a:accent1>
+      <a:accent2>
+        <a:srgbClr val="C0504D"/>
+      </a:accent2>
+      <a:accent3>
+        <a:srgbClr val="9BBB59"/>
+      </a:accent3>
+      <a:accent4>
+        <a:srgbClr val="8064A2"/>
+      </a:accent4>
+      <a:accent5>
+        <a:srgbClr val="4BACC6"/>
+      </a:accent5>
+      <a:accent6>
+        <a:srgbClr val="F79646"/>
+      </a:accent6>
+      <a:hlink>
+        <a:srgbClr val="0000FF"/>
+      </a:hlink>
+      <a:folHlink>
+        <a:srgbClr val="800080"/>
+      </a:folHlink>
+    </a:clrScheme>
+    <a:fontScheme name="Office">
+      <a:majorFont>
+        <a:latin typeface="맑은 고딕"/>
+        <a:ea typeface=""/>
+        <a:cs typeface=""/>
+        <a:font script="Jpan" typeface="ＭＳ Ｐゴシック"/>
+        <a:font script="Hang" typeface="맑은 고딕"/>
+        <a:font script="Hans" typeface="宋体"/>
+        <a:font script="Hant" typeface="新細明體"/>
+        <a:font script="Arab" typeface="Times New Roman"/>
+        <a:font script="Hebr" typeface="Times New Roman"/>
+        <a:font script="Thai" typeface="Angsana New"/>
+        <a:font script="Ethi" typeface="Nyala"/>
+        <a:font script="Beng" typeface="Vrinda"/>
+        <a:font script="Gujr" typeface="Shruti"/>
+        <a:font script="Khmr" typeface="MoolBoran"/>
+        <a:font script="Knda" typeface="Tunga"/>
+        <a:font script="Guru" typeface="Raavi"/>
+        <a:font script="Cans" typeface="Euphemia"/>
+        <a:font script="Cher" typeface="Plantagenet Cherokee"/>
+        <a:font script="Yiii" typeface="Microsoft Yi Baiti"/>
+        <a:font script="Tibt" typeface="Microsoft Himalaya"/>
+        <a:font script="Thaa" typeface="MV Boli"/>
+        <a:font script="Deva" typeface="Mangal"/>
+        <a:font script="Telu" typeface="Gautami"/>
+        <a:font script="Taml" typeface="Latha"/>
+        <a:font script="Syrc" typeface="Estrangelo Edessa"/>
+        <a:font script="Orya" typeface="Kalinga"/>
+        <a:font script="Mlym" typeface="Kartika"/>
+        <a:font script="Laoo" typeface="DokChampa"/>
+        <a:font script="Sinh" typeface="Iskoola Pota"/>
+        <a:font script="Mong" typeface="Mongolian Baiti"/>
+        <a:font script="Viet" typeface="Times New Roman"/>
+        <a:font script="Uigh" typeface="Microsoft Uighur"/>
+        <a:font script="Geor" typeface="Sylfaen"/>
+      </a:majorFont>
+      <a:minorFont>
+        <a:latin typeface="맑은 고딕"/>
+        <a:ea typeface=""/>
+        <a:cs typeface=""/>
+        <a:font script="Jpan" typeface="ＭＳ Ｐゴシック"/>
+        <a:font script="Hang" typeface="맑은 고딕"/>
+        <a:font script="Hans" typeface="宋体"/>
+        <a:font script="Hant" typeface="新細明體"/>
+        <a:font script="Arab" typeface="Arial"/>
+        <a:font script="Hebr" typeface="Arial"/>
+        <a:font script="Thai" typeface="Cordia New"/>
+        <a:font script="Ethi" typeface="Nyala"/>
+        <a:font script="Beng" typeface="Vrinda"/>
+        <a:font script="Gujr" typeface="Shruti"/>
+        <a:font script="Khmr" typeface="DaunPenh"/>
+        <a:font script="Knda" typeface="Tunga"/>
+        <a:font script="Guru" typeface="Raavi"/>
+        <a:font script="Cans" typeface="Euphemia"/>
+        <a:font script="Cher" typeface="Plantagenet Cherokee"/>
+        <a:font script="Yiii" typeface="Microsoft Yi Baiti"/>
+        <a:font script="Tibt" typeface="Microsoft Himalaya"/>
+        <a:font script="Thaa" typeface="MV Boli"/>
+        <a:font script="Deva" typeface="Mangal"/>
+        <a:font script="Telu" typeface="Gautami"/>
+        <a:font script="Taml" typeface="Latha"/>
+        <a:font script="Syrc" typeface="Estrangelo Edessa"/>
+        <a:font script="Orya" typeface="Kalinga"/>
+        <a:font script="Mlym" typeface="Kartika"/>
+        <a:font script="Laoo" typeface="DokChampa"/>
+        <a:font script="Sinh" typeface="Iskoola Pota"/>
+        <a:font script="Mong" typeface="Mongolian Baiti"/>
+        <a:font script="Viet" typeface="Arial"/>
+        <a:font script="Uigh" typeface="Microsoft Uighur"/>
+        <a:font script="Geor" typeface="Sylfaen"/>
+      </a:minorFont>
+    </a:fontScheme>
+    <a:fmtScheme name="Office">
+      <a:fillStyleLst>
+        <a:solidFill>
+          <a:schemeClr val="phClr"/>
+        </a:solidFill>
+        <a:gradFill rotWithShape="1">
+          <a:gsLst>
+            <a:gs pos="0">
+              <a:schemeClr val="phClr">
+                <a:tint val="50000"/>
+                <a:satMod val="300000"/>
+              </a:schemeClr>
+            </a:gs>
+            <a:gs pos="35000">
+              <a:schemeClr val="phClr">
+                <a:tint val="37000"/>
+                <a:satMod val="300000"/>
+              </a:schemeClr>
+            </a:gs>
+            <a:gs pos="100000">
+              <a:schemeClr val="phClr">
+                <a:tint val="15000"/>
+                <a:satMod val="350000"/>
+              </a:schemeClr>
+            </a:gs>
+          </a:gsLst>
+          <a:lin ang="16200000" scaled="1"/>
+        </a:gradFill>
+        <a:gradFill rotWithShape="1">
+          <a:gsLst>
+            <a:gs pos="0">
+              <a:schemeClr val="phClr">
+                <a:shade val="51000"/>
+                <a:satMod val="130000"/>
+              </a:schemeClr>
+            </a:gs>
+            <a:gs pos="80000">
+              <a:schemeClr val="phClr">
+                <a:shade val="93000"/>
+                <a:satMod val="130000"/>
+              </a:schemeClr>
+            </a:gs>
+            <a:gs pos="100000">
+              <a:schemeClr val="phClr">
+                <a:shade val="94000"/>
+                <a:satMod val="135000"/>
+              </a:schemeClr>
+            </a:gs>
+          </a:gsLst>
+          <a:lin ang="16200000" scaled="0"/>
+        </a:gradFill>
+      </a:fillStyleLst>
+      <a:lnStyleLst>
+        <a:ln w="9525" cap="flat" cmpd="sng" algn="ctr">
+          <a:solidFill>
+            <a:schemeClr val="phClr">
+              <a:shade val="95000"/>
+              <a:satMod val="105000"/>
+            </a:schemeClr>
+          </a:solidFill>
+          <a:prstDash val="solid"/>
+        </a:ln>
+        <a:ln w="25400" cap="flat" cmpd="sng" algn="ctr">
+          <a:solidFill>
+            <a:schemeClr val="phClr"/>
+          </a:solidFill>
+          <a:prstDash val="solid"/>
+        </a:ln>
+        <a:ln w="38100" cap="flat" cmpd="sng" algn="ctr">
+          <a:solidFill>
+            <a:schemeClr val="phClr"/>
+          </a:solidFill>
+          <a:prstDash val="solid"/>
+        </a:ln>
+      </a:lnStyleLst>
+      <a:effectStyleLst>
+        <a:effectStyle>
+          <a:effectLst>
+            <a:outerShdw blurRad="40000" dist="20000" dir="5400000" rotWithShape="0">
+              <a:srgbClr val="000000">
+                <a:alpha val="38000"/>
+              </a:srgbClr>
+            </a:outerShdw>
+          </a:effectLst>
+        </a:effectStyle>
+        <a:effectStyle>
+          <a:effectLst>
+            <a:outerShdw blurRad="40000" dist="23000" dir="5400000" rotWithShape="0">
+              <a:srgbClr val="000000">
+                <a:alpha val="35000"/>
+              </a:srgbClr>
+            </a:outerShdw>
+          </a:effectLst>
+        </a:effectStyle>
+        <a:effectStyle>
+          <a:effectLst>
+            <a:outerShdw blurRad="40000" dist="23000" dir="5400000" rotWithShape="0">
+              <a:srgbClr val="000000">
+                <a:alpha val="35000"/>
+              </a:srgbClr>
+            </a:outerShdw>
+          </a:effectLst>
+          <a:scene3d>
+            <a:camera prst="orthographicFront">
+              <a:rot lat="0" lon="0" rev="0"/>
+            </a:camera>
+            <a:lightRig rig="threePt" dir="t">
+              <a:rot lat="0" lon="0" rev="1200000"/>
+            </a:lightRig>
+          </a:scene3d>
+          <a:sp3d>
+            <a:bevelT w="63500" h="25400"/>
+          </a:sp3d>
+        </a:effectStyle>
+      </a:effectStyleLst>
+      <a:bgFillStyleLst>
+        <a:solidFill>
+          <a:schemeClr val="phClr"/>
+        </a:solidFill>
+        <a:gradFill rotWithShape="1">
+          <a:gsLst>
+            <a:gs pos="0">
+              <a:schemeClr val="phClr">
+                <a:tint val="40000"/>
+                <a:satMod val="350000"/>
+              </a:schemeClr>
+            </a:gs>
+            <a:gs pos="40000">
+              <a:schemeClr val="phClr">
+                <a:tint val="45000"/>
+                <a:shade val="99000"/>
+                <a:satMod val="350000"/>
+              </a:schemeClr>
+            </a:gs>
+            <a:gs pos="100000">
+              <a:schemeClr val="phClr">
+                <a:shade val="20000"/>
+                <a:satMod val="255000"/>
+              </a:schemeClr>
+            </a:gs>
+          </a:gsLst>
+          <a:path path="circle">
+            <a:fillToRect l="50000" t="-80000" r="50000" b="180000"/>
+          </a:path>
+        </a:gradFill>
+        <a:gradFill rotWithShape="1">
+          <a:gsLst>
+            <a:gs pos="0">
+              <a:schemeClr val="phClr">
+                <a:tint val="80000"/>
+                <a:satMod val="300000"/>
+              </a:schemeClr>
+            </a:gs>
+            <a:gs pos="100000">
+              <a:schemeClr val="phClr">
+                <a:shade val="30000"/>
+                <a:satMod val="200000"/>
+              </a:schemeClr>
+            </a:gs>
+          </a:gsLst>
+          <a:path path="circle">
+            <a:fillToRect l="50000" t="50000" r="50000" b="50000"/>
+          </a:path>
+        </a:gradFill>
+      </a:bgFillStyleLst>
+    </a:fmtScheme>
+  </a:themeElements>
+  <a:objectDefaults/>
+  <a:extraClrSchemeLst/>
+</a:theme>
 </file>